--- a/export/Mantel Test/Level Season Mantel Test.pptx
+++ b/export/Mantel Test/Level Season Mantel Test.pptx
@@ -262,7 +262,7 @@
           <a:p>
             <a:fld id="{1D8BD707-D9CF-40AE-B4C6-C98DA3205C09}" type="datetimeFigureOut">
               <a:rPr lang="en-US"/>
-              <a:t>1/24/2023</a:t>
+              <a:t>2/14/2023</a:t>
             </a:fld>
             <a:endParaRPr lang="en-US"/>
           </a:p>
@@ -427,7 +427,7 @@
           <a:p>
             <a:fld id="{1D8BD707-D9CF-40AE-B4C6-C98DA3205C09}" type="datetimeFigureOut">
               <a:rPr lang="en-US"/>
-              <a:t>1/24/2023</a:t>
+              <a:t>2/14/2023</a:t>
             </a:fld>
             <a:endParaRPr lang="en-US"/>
           </a:p>
@@ -635,7 +635,7 @@
           <a:p>
             <a:fld id="{1D8BD707-D9CF-40AE-B4C6-C98DA3205C09}" type="datetimeFigureOut">
               <a:rPr lang="en-US"/>
-              <a:t>1/24/2023</a:t>
+              <a:t>2/14/2023</a:t>
             </a:fld>
             <a:endParaRPr lang="en-US"/>
           </a:p>
@@ -777,7 +777,7 @@
           <a:p>
             <a:fld id="{1D8BD707-D9CF-40AE-B4C6-C98DA3205C09}" type="datetimeFigureOut">
               <a:rPr lang="en-US"/>
-              <a:t>1/24/2023</a:t>
+              <a:t>2/14/2023</a:t>
             </a:fld>
             <a:endParaRPr lang="en-US"/>
           </a:p>
@@ -896,7 +896,7 @@
           <a:p>
             <a:fld id="{1D8BD707-D9CF-40AE-B4C6-C98DA3205C09}" type="datetimeFigureOut">
               <a:rPr lang="en-US"/>
-              <a:t>1/24/2023</a:t>
+              <a:t>2/14/2023</a:t>
             </a:fld>
             <a:endParaRPr lang="en-US"/>
           </a:p>
@@ -54089,7 +54089,7 @@
           <a:p>
             <a:fld id="{1D8BD707-D9CF-40AE-B4C6-C98DA3205C09}" type="datetimeFigureOut">
               <a:rPr lang="en-US"/>
-              <a:t>1/24/2023</a:t>
+              <a:t>2/14/2023</a:t>
             </a:fld>
             <a:endParaRPr lang="en-US"/>
           </a:p>
@@ -54310,10 +54310,10 @@
       </p:grpSpPr>
       <p:sp>
         <p:nvSpPr>
-          <p:cNvPr id="37" name="object 2">
+          <p:cNvPr id="2" name="object 2">
             <a:extLst>
               <a:ext uri="{FF2B5EF4-FFF2-40B4-BE49-F238E27FC236}">
-                <a16:creationId xmlns:a16="http://schemas.microsoft.com/office/drawing/2014/main" id="{74B4C1AF-7D4B-D7BC-502E-FB52EF2990C6}"/>
+                <a16:creationId xmlns:a16="http://schemas.microsoft.com/office/drawing/2014/main" id="{126FCD3A-286D-073F-5AA0-05E81D6AB02B}"/>
               </a:ext>
             </a:extLst>
           </p:cNvPr>
@@ -54322,8 +54322,8 @@
         </p:nvSpPr>
         <p:spPr>
           <a:xfrm>
-            <a:off x="6711950" y="805681"/>
-            <a:ext cx="2542921" cy="197490"/>
+            <a:off x="6630783" y="774785"/>
+            <a:ext cx="2542921" cy="259045"/>
           </a:xfrm>
           <a:prstGeom prst="rect">
             <a:avLst/>
@@ -54341,58 +54341,22 @@
               </a:spcBef>
             </a:pPr>
             <a:r>
-              <a:rPr lang="en-US" altLang="zh-CN" sz="1200" i="1" kern="0" dirty="0" err="1">
-                <a:latin typeface="Times New Roman" panose="02020603050405020304" pitchFamily="18" charset="0"/>
-                <a:ea typeface="宋体" panose="02010600030101010101" pitchFamily="2" charset="-122"/>
+              <a:rPr lang="en-US" altLang="zh-CN" sz="1600" kern="0" dirty="0">
+                <a:latin typeface="Cambria Math" panose="02040503050406030204" pitchFamily="18" charset="0"/>
+                <a:ea typeface="Cambria Math" panose="02040503050406030204" pitchFamily="18" charset="0"/>
                 <a:cs typeface="Times New Roman" panose="02020603050405020304" pitchFamily="18" charset="0"/>
               </a:rPr>
-              <a:t>AOA_amoA</a:t>
+              <a:t>Nitrification</a:t>
             </a:r>
-            <a:r>
-              <a:rPr lang="en-US" altLang="zh-CN" sz="1200" i="1" kern="0" dirty="0">
-                <a:latin typeface="Times New Roman" panose="02020603050405020304" pitchFamily="18" charset="0"/>
-                <a:ea typeface="宋体" panose="02010600030101010101" pitchFamily="2" charset="-122"/>
-                <a:cs typeface="Times New Roman" panose="02020603050405020304" pitchFamily="18" charset="0"/>
-              </a:rPr>
-              <a:t>, </a:t>
-            </a:r>
-            <a:r>
-              <a:rPr lang="en-US" altLang="zh-CN" sz="1200" i="1" kern="0" dirty="0" err="1">
-                <a:latin typeface="Times New Roman" panose="02020603050405020304" pitchFamily="18" charset="0"/>
-                <a:ea typeface="宋体" panose="02010600030101010101" pitchFamily="2" charset="-122"/>
-                <a:cs typeface="Times New Roman" panose="02020603050405020304" pitchFamily="18" charset="0"/>
-              </a:rPr>
-              <a:t>AOB_amoA</a:t>
-            </a:r>
-            <a:r>
-              <a:rPr lang="en-US" altLang="zh-CN" sz="1200" i="1" kern="0" dirty="0">
-                <a:latin typeface="Times New Roman" panose="02020603050405020304" pitchFamily="18" charset="0"/>
-                <a:ea typeface="宋体" panose="02010600030101010101" pitchFamily="2" charset="-122"/>
-                <a:cs typeface="Times New Roman" panose="02020603050405020304" pitchFamily="18" charset="0"/>
-              </a:rPr>
-              <a:t> and </a:t>
-            </a:r>
-            <a:r>
-              <a:rPr lang="en-US" altLang="zh-CN" sz="1200" i="1" dirty="0" err="1">
-                <a:latin typeface="Times New Roman" panose="02020603050405020304" pitchFamily="18" charset="0"/>
-                <a:ea typeface="宋体" panose="02010600030101010101" pitchFamily="2" charset="-122"/>
-                <a:cs typeface="Times New Roman" panose="02020603050405020304" pitchFamily="18" charset="0"/>
-              </a:rPr>
-              <a:t>nxrA</a:t>
-            </a:r>
-            <a:endParaRPr lang="zh-CN" altLang="en-US" sz="1200" dirty="0">
-              <a:latin typeface="Times New Roman" panose="02020603050405020304" pitchFamily="18" charset="0"/>
-              <a:cs typeface="Times New Roman" panose="02020603050405020304" pitchFamily="18" charset="0"/>
-            </a:endParaRPr>
-          </a:p>
-        </p:txBody>
-      </p:sp>
-      <p:sp>
-        <p:nvSpPr>
-          <p:cNvPr id="38" name="object 3">
+          </a:p>
+        </p:txBody>
+      </p:sp>
+      <p:sp>
+        <p:nvSpPr>
+          <p:cNvPr id="3" name="object 3">
             <a:extLst>
               <a:ext uri="{FF2B5EF4-FFF2-40B4-BE49-F238E27FC236}">
-                <a16:creationId xmlns:a16="http://schemas.microsoft.com/office/drawing/2014/main" id="{58F8D376-8DB4-B68B-FE6E-F108C238E499}"/>
+                <a16:creationId xmlns:a16="http://schemas.microsoft.com/office/drawing/2014/main" id="{76FE0F2D-87C3-E655-CBB7-695A5B962A26}"/>
               </a:ext>
             </a:extLst>
           </p:cNvPr>
@@ -54401,8 +54365,8 @@
         </p:nvSpPr>
         <p:spPr>
           <a:xfrm>
-            <a:off x="7702550" y="1873250"/>
-            <a:ext cx="2542921" cy="197490"/>
+            <a:off x="7621383" y="1842354"/>
+            <a:ext cx="2542921" cy="259045"/>
           </a:xfrm>
           <a:prstGeom prst="rect">
             <a:avLst/>
@@ -54420,107 +54384,22 @@
               </a:spcBef>
             </a:pPr>
             <a:r>
-              <a:rPr lang="en-US" altLang="zh-CN" sz="1200" i="1" kern="0" dirty="0" err="1">
-                <a:latin typeface="Times New Roman" panose="02020603050405020304" pitchFamily="18" charset="0"/>
-                <a:ea typeface="宋体" panose="02010600030101010101" pitchFamily="2" charset="-122"/>
+              <a:rPr lang="en-US" altLang="zh-CN" sz="1600" kern="0" dirty="0">
+                <a:latin typeface="Cambria Math" panose="02040503050406030204" pitchFamily="18" charset="0"/>
+                <a:ea typeface="Cambria Math" panose="02040503050406030204" pitchFamily="18" charset="0"/>
                 <a:cs typeface="Times New Roman" panose="02020603050405020304" pitchFamily="18" charset="0"/>
               </a:rPr>
-              <a:t>narG</a:t>
+              <a:t>Denitrification</a:t>
             </a:r>
-            <a:r>
-              <a:rPr lang="en-US" altLang="zh-CN" sz="1200" i="1" kern="0" dirty="0">
-                <a:latin typeface="Times New Roman" panose="02020603050405020304" pitchFamily="18" charset="0"/>
-                <a:ea typeface="宋体" panose="02010600030101010101" pitchFamily="2" charset="-122"/>
-                <a:cs typeface="Times New Roman" panose="02020603050405020304" pitchFamily="18" charset="0"/>
-              </a:rPr>
-              <a:t>, </a:t>
-            </a:r>
-            <a:r>
-              <a:rPr lang="en-US" altLang="zh-CN" sz="1200" i="1" kern="0" dirty="0" err="1">
-                <a:latin typeface="Times New Roman" panose="02020603050405020304" pitchFamily="18" charset="0"/>
-                <a:ea typeface="宋体" panose="02010600030101010101" pitchFamily="2" charset="-122"/>
-                <a:cs typeface="Times New Roman" panose="02020603050405020304" pitchFamily="18" charset="0"/>
-              </a:rPr>
-              <a:t>napA</a:t>
-            </a:r>
-            <a:r>
-              <a:rPr lang="en-US" altLang="zh-CN" sz="1200" i="1" kern="0" dirty="0">
-                <a:latin typeface="Times New Roman" panose="02020603050405020304" pitchFamily="18" charset="0"/>
-                <a:ea typeface="宋体" panose="02010600030101010101" pitchFamily="2" charset="-122"/>
-                <a:cs typeface="Times New Roman" panose="02020603050405020304" pitchFamily="18" charset="0"/>
-              </a:rPr>
-              <a:t>, </a:t>
-            </a:r>
-            <a:r>
-              <a:rPr lang="en-US" altLang="zh-CN" sz="1200" i="1" kern="0" dirty="0" err="1">
-                <a:latin typeface="Times New Roman" panose="02020603050405020304" pitchFamily="18" charset="0"/>
-                <a:ea typeface="宋体" panose="02010600030101010101" pitchFamily="2" charset="-122"/>
-                <a:cs typeface="Times New Roman" panose="02020603050405020304" pitchFamily="18" charset="0"/>
-              </a:rPr>
-              <a:t>nirK</a:t>
-            </a:r>
-            <a:r>
-              <a:rPr lang="en-US" altLang="zh-CN" sz="1200" i="1" kern="0" dirty="0">
-                <a:latin typeface="Times New Roman" panose="02020603050405020304" pitchFamily="18" charset="0"/>
-                <a:ea typeface="宋体" panose="02010600030101010101" pitchFamily="2" charset="-122"/>
-                <a:cs typeface="Times New Roman" panose="02020603050405020304" pitchFamily="18" charset="0"/>
-              </a:rPr>
-              <a:t>, </a:t>
-            </a:r>
-            <a:r>
-              <a:rPr lang="en-US" altLang="zh-CN" sz="1200" i="1" kern="0" dirty="0" err="1">
-                <a:latin typeface="Times New Roman" panose="02020603050405020304" pitchFamily="18" charset="0"/>
-                <a:ea typeface="宋体" panose="02010600030101010101" pitchFamily="2" charset="-122"/>
-                <a:cs typeface="Times New Roman" panose="02020603050405020304" pitchFamily="18" charset="0"/>
-              </a:rPr>
-              <a:t>nirS</a:t>
-            </a:r>
-            <a:r>
-              <a:rPr lang="en-US" altLang="zh-CN" sz="1200" i="1" kern="0" dirty="0">
-                <a:latin typeface="Times New Roman" panose="02020603050405020304" pitchFamily="18" charset="0"/>
-                <a:ea typeface="宋体" panose="02010600030101010101" pitchFamily="2" charset="-122"/>
-                <a:cs typeface="Times New Roman" panose="02020603050405020304" pitchFamily="18" charset="0"/>
-              </a:rPr>
-              <a:t>, </a:t>
-            </a:r>
-            <a:r>
-              <a:rPr lang="en-US" altLang="zh-CN" sz="1200" i="1" kern="0" dirty="0" err="1">
-                <a:latin typeface="Times New Roman" panose="02020603050405020304" pitchFamily="18" charset="0"/>
-                <a:ea typeface="宋体" panose="02010600030101010101" pitchFamily="2" charset="-122"/>
-                <a:cs typeface="Times New Roman" panose="02020603050405020304" pitchFamily="18" charset="0"/>
-              </a:rPr>
-              <a:t>nosZ</a:t>
-            </a:r>
-            <a:r>
-              <a:rPr lang="en-US" altLang="zh-CN" sz="1200" i="1" kern="0" dirty="0">
-                <a:latin typeface="Times New Roman" panose="02020603050405020304" pitchFamily="18" charset="0"/>
-                <a:ea typeface="宋体" panose="02010600030101010101" pitchFamily="2" charset="-122"/>
-                <a:cs typeface="Times New Roman" panose="02020603050405020304" pitchFamily="18" charset="0"/>
-              </a:rPr>
-              <a:t> and </a:t>
-            </a:r>
-            <a:r>
-              <a:rPr lang="en-US" altLang="zh-CN" sz="1200" i="1" kern="0" dirty="0" err="1">
-                <a:latin typeface="Times New Roman" panose="02020603050405020304" pitchFamily="18" charset="0"/>
-                <a:ea typeface="宋体" panose="02010600030101010101" pitchFamily="2" charset="-122"/>
-                <a:cs typeface="Times New Roman" panose="02020603050405020304" pitchFamily="18" charset="0"/>
-              </a:rPr>
-              <a:t>norB</a:t>
-            </a:r>
-            <a:endParaRPr lang="zh-CN" altLang="en-US" sz="1200" i="1" kern="0" dirty="0">
-              <a:latin typeface="Times New Roman" panose="02020603050405020304" pitchFamily="18" charset="0"/>
-              <a:ea typeface="宋体" panose="02010600030101010101" pitchFamily="2" charset="-122"/>
-              <a:cs typeface="Times New Roman" panose="02020603050405020304" pitchFamily="18" charset="0"/>
-            </a:endParaRPr>
-          </a:p>
-        </p:txBody>
-      </p:sp>
-      <p:sp>
-        <p:nvSpPr>
-          <p:cNvPr id="39" name="object 4">
+          </a:p>
+        </p:txBody>
+      </p:sp>
+      <p:sp>
+        <p:nvSpPr>
+          <p:cNvPr id="4" name="object 4">
             <a:extLst>
               <a:ext uri="{FF2B5EF4-FFF2-40B4-BE49-F238E27FC236}">
-                <a16:creationId xmlns:a16="http://schemas.microsoft.com/office/drawing/2014/main" id="{7BA06F5C-D133-5A38-A47B-3297B3643D9B}"/>
+                <a16:creationId xmlns:a16="http://schemas.microsoft.com/office/drawing/2014/main" id="{D734C4DA-C96E-95C5-8F9E-A12582564FD3}"/>
               </a:ext>
             </a:extLst>
           </p:cNvPr>
@@ -54529,8 +54408,8 @@
         </p:nvSpPr>
         <p:spPr>
           <a:xfrm>
-            <a:off x="8693150" y="2940819"/>
-            <a:ext cx="2112772" cy="197490"/>
+            <a:off x="8611983" y="2909923"/>
+            <a:ext cx="2112772" cy="259045"/>
           </a:xfrm>
           <a:prstGeom prst="rect">
             <a:avLst/>
@@ -54548,59 +54427,22 @@
               </a:spcBef>
             </a:pPr>
             <a:r>
-              <a:rPr lang="en-US" altLang="zh-CN" sz="1200" i="1" kern="0" dirty="0" err="1">
-                <a:latin typeface="Times New Roman" panose="02020603050405020304" pitchFamily="18" charset="0"/>
-                <a:ea typeface="宋体" panose="02010600030101010101" pitchFamily="2" charset="-122"/>
+              <a:rPr lang="en-US" altLang="zh-CN" sz="1600" kern="0" dirty="0">
+                <a:latin typeface="Cambria Math" panose="02040503050406030204" pitchFamily="18" charset="0"/>
+                <a:ea typeface="Cambria Math" panose="02040503050406030204" pitchFamily="18" charset="0"/>
                 <a:cs typeface="Times New Roman" panose="02020603050405020304" pitchFamily="18" charset="0"/>
               </a:rPr>
-              <a:t>hzsA</a:t>
+              <a:t>ANAMMOX</a:t>
             </a:r>
-            <a:r>
-              <a:rPr lang="en-US" altLang="zh-CN" sz="1200" i="1" kern="0" dirty="0">
-                <a:latin typeface="Times New Roman" panose="02020603050405020304" pitchFamily="18" charset="0"/>
-                <a:ea typeface="宋体" panose="02010600030101010101" pitchFamily="2" charset="-122"/>
-                <a:cs typeface="Times New Roman" panose="02020603050405020304" pitchFamily="18" charset="0"/>
-              </a:rPr>
-              <a:t>, </a:t>
-            </a:r>
-            <a:r>
-              <a:rPr lang="en-US" altLang="zh-CN" sz="1200" i="1" kern="0" dirty="0" err="1">
-                <a:latin typeface="Times New Roman" panose="02020603050405020304" pitchFamily="18" charset="0"/>
-                <a:ea typeface="宋体" panose="02010600030101010101" pitchFamily="2" charset="-122"/>
-                <a:cs typeface="Times New Roman" panose="02020603050405020304" pitchFamily="18" charset="0"/>
-              </a:rPr>
-              <a:t>hzsB</a:t>
-            </a:r>
-            <a:r>
-              <a:rPr lang="en-US" altLang="zh-CN" sz="1200" i="1" kern="0" dirty="0">
-                <a:latin typeface="Times New Roman" panose="02020603050405020304" pitchFamily="18" charset="0"/>
-                <a:ea typeface="宋体" panose="02010600030101010101" pitchFamily="2" charset="-122"/>
-                <a:cs typeface="Times New Roman" panose="02020603050405020304" pitchFamily="18" charset="0"/>
-              </a:rPr>
-              <a:t> and </a:t>
-            </a:r>
-            <a:r>
-              <a:rPr lang="en-US" altLang="zh-CN" sz="1200" i="1" kern="0" dirty="0" err="1">
-                <a:latin typeface="Times New Roman" panose="02020603050405020304" pitchFamily="18" charset="0"/>
-                <a:ea typeface="宋体" panose="02010600030101010101" pitchFamily="2" charset="-122"/>
-                <a:cs typeface="Times New Roman" panose="02020603050405020304" pitchFamily="18" charset="0"/>
-              </a:rPr>
-              <a:t>hzo</a:t>
-            </a:r>
-            <a:endParaRPr lang="zh-CN" altLang="en-US" sz="1200" i="1" kern="0" dirty="0">
-              <a:latin typeface="Times New Roman" panose="02020603050405020304" pitchFamily="18" charset="0"/>
-              <a:ea typeface="宋体" panose="02010600030101010101" pitchFamily="2" charset="-122"/>
-              <a:cs typeface="Times New Roman" panose="02020603050405020304" pitchFamily="18" charset="0"/>
-            </a:endParaRPr>
-          </a:p>
-        </p:txBody>
-      </p:sp>
-      <p:sp>
-        <p:nvSpPr>
-          <p:cNvPr id="40" name="object 5">
+          </a:p>
+        </p:txBody>
+      </p:sp>
+      <p:sp>
+        <p:nvSpPr>
+          <p:cNvPr id="5" name="object 5">
             <a:extLst>
               <a:ext uri="{FF2B5EF4-FFF2-40B4-BE49-F238E27FC236}">
-                <a16:creationId xmlns:a16="http://schemas.microsoft.com/office/drawing/2014/main" id="{ABF80ADA-5E3E-3265-4334-EEAB624D6B74}"/>
+                <a16:creationId xmlns:a16="http://schemas.microsoft.com/office/drawing/2014/main" id="{39BE3E4D-C21A-93E4-8DB8-4B4C8894CFF1}"/>
               </a:ext>
             </a:extLst>
           </p:cNvPr>
@@ -54609,8 +54451,8 @@
         </p:nvSpPr>
         <p:spPr>
           <a:xfrm>
-            <a:off x="9683750" y="4003573"/>
-            <a:ext cx="499745" cy="197490"/>
+            <a:off x="9587995" y="3868067"/>
+            <a:ext cx="1005975" cy="505267"/>
           </a:xfrm>
           <a:prstGeom prst="rect">
             <a:avLst/>
@@ -54628,250 +54470,22 @@
               </a:spcBef>
             </a:pPr>
             <a:r>
-              <a:rPr lang="en-US" altLang="zh-CN" sz="1200" i="1" kern="0" dirty="0" err="1">
-                <a:latin typeface="Times New Roman" panose="02020603050405020304" pitchFamily="18" charset="0"/>
-                <a:ea typeface="宋体" panose="02010600030101010101" pitchFamily="2" charset="-122"/>
+              <a:rPr lang="en-US" altLang="zh-CN" sz="1600" kern="0" dirty="0">
+                <a:latin typeface="Cambria Math" panose="02040503050406030204" pitchFamily="18" charset="0"/>
+                <a:ea typeface="Cambria Math" panose="02040503050406030204" pitchFamily="18" charset="0"/>
                 <a:cs typeface="Times New Roman" panose="02020603050405020304" pitchFamily="18" charset="0"/>
               </a:rPr>
-              <a:t>nifH</a:t>
+              <a:t>Nitrogen Fixation</a:t>
             </a:r>
-            <a:endParaRPr sz="1200" i="1" kern="0" dirty="0">
-              <a:latin typeface="Times New Roman" panose="02020603050405020304" pitchFamily="18" charset="0"/>
-              <a:ea typeface="宋体" panose="02010600030101010101" pitchFamily="2" charset="-122"/>
-              <a:cs typeface="Times New Roman" panose="02020603050405020304" pitchFamily="18" charset="0"/>
-            </a:endParaRPr>
-          </a:p>
-        </p:txBody>
-      </p:sp>
-      <mc:AlternateContent xmlns:mc="http://schemas.openxmlformats.org/markup-compatibility/2006">
-        <mc:Choice xmlns:a14="http://schemas.microsoft.com/office/drawing/2010/main" Requires="a14">
-          <p:sp>
-            <p:nvSpPr>
-              <p:cNvPr id="41" name="文本框 40">
-                <a:extLst>
-                  <a:ext uri="{FF2B5EF4-FFF2-40B4-BE49-F238E27FC236}">
-                    <a16:creationId xmlns:a16="http://schemas.microsoft.com/office/drawing/2014/main" id="{77BDA090-486A-E4B3-4A7E-A0A51B8D8EA7}"/>
-                  </a:ext>
-                </a:extLst>
-              </p:cNvPr>
-              <p:cNvSpPr txBox="1"/>
-              <p:nvPr/>
-            </p:nvSpPr>
-            <p:spPr>
-              <a:xfrm>
-                <a:off x="2278838" y="438954"/>
-                <a:ext cx="237502" cy="166712"/>
-              </a:xfrm>
-              <a:prstGeom prst="rect">
-                <a:avLst/>
-              </a:prstGeom>
-            </p:spPr>
-            <p:txBody>
-              <a:bodyPr vert="horz" wrap="square" lIns="0" tIns="12700" rIns="0" bIns="0" rtlCol="0">
-                <a:spAutoFit/>
-              </a:bodyPr>
-              <a:lstStyle>
-                <a:defPPr>
-                  <a:defRPr lang="zh-CN"/>
-                </a:defPPr>
-                <a:lvl1pPr marL="12700">
-                  <a:lnSpc>
-                    <a:spcPct val="100000"/>
-                  </a:lnSpc>
-                  <a:spcBef>
-                    <a:spcPts val="100"/>
-                  </a:spcBef>
-                  <a:defRPr sz="1100" i="1">
-                    <a:latin typeface="Times New Roman" panose="02020603050405020304" pitchFamily="18" charset="0"/>
-                    <a:cs typeface="Times New Roman" panose="02020603050405020304" pitchFamily="18" charset="0"/>
-                  </a:defRPr>
-                </a:lvl1pPr>
-              </a:lstStyle>
-              <a:p>
-                <a:pPr/>
-                <a14:m>
-                  <m:oMathPara xmlns:m="http://schemas.openxmlformats.org/officeDocument/2006/math">
-                    <m:oMathParaPr>
-                      <m:jc m:val="centerGroup"/>
-                    </m:oMathParaPr>
-                    <m:oMath xmlns:m="http://schemas.openxmlformats.org/officeDocument/2006/math">
-                      <m:r>
-                        <a:rPr lang="en-US" altLang="zh-CN" sz="1000">
-                          <a:latin typeface="Cambria Math" panose="02040503050406030204" pitchFamily="18" charset="0"/>
-                        </a:rPr>
-                        <m:t>𝑇𝑁</m:t>
-                      </m:r>
-                    </m:oMath>
-                  </m:oMathPara>
-                </a14:m>
-                <a:endParaRPr lang="zh-CN" altLang="en-US" sz="1000" dirty="0"/>
-              </a:p>
-            </p:txBody>
-          </p:sp>
-        </mc:Choice>
-        <mc:Fallback>
-          <p:sp>
-            <p:nvSpPr>
-              <p:cNvPr id="41" name="文本框 40">
-                <a:extLst>
-                  <a:ext uri="{FF2B5EF4-FFF2-40B4-BE49-F238E27FC236}">
-                    <a16:creationId xmlns:a16="http://schemas.microsoft.com/office/drawing/2014/main" id="{77BDA090-486A-E4B3-4A7E-A0A51B8D8EA7}"/>
-                  </a:ext>
-                </a:extLst>
-              </p:cNvPr>
-              <p:cNvSpPr txBox="1">
-                <a:spLocks noRot="1" noChangeAspect="1" noMove="1" noResize="1" noEditPoints="1" noAdjustHandles="1" noChangeArrowheads="1" noChangeShapeType="1" noTextEdit="1"/>
-              </p:cNvSpPr>
-              <p:nvPr/>
-            </p:nvSpPr>
-            <p:spPr>
-              <a:xfrm>
-                <a:off x="2278838" y="438954"/>
-                <a:ext cx="237502" cy="166712"/>
-              </a:xfrm>
-              <a:prstGeom prst="rect">
-                <a:avLst/>
-              </a:prstGeom>
-              <a:blipFill>
-                <a:blip r:embed="rId2"/>
-                <a:stretch>
-                  <a:fillRect l="-10256" b="-11111"/>
-                </a:stretch>
-              </a:blipFill>
-            </p:spPr>
-            <p:txBody>
-              <a:bodyPr/>
-              <a:lstStyle/>
-              <a:p>
-                <a:r>
-                  <a:rPr lang="zh-CN" altLang="en-US">
-                    <a:noFill/>
-                  </a:rPr>
-                  <a:t> </a:t>
-                </a:r>
-              </a:p>
-            </p:txBody>
-          </p:sp>
-        </mc:Fallback>
-      </mc:AlternateContent>
-      <mc:AlternateContent xmlns:mc="http://schemas.openxmlformats.org/markup-compatibility/2006">
-        <mc:Choice xmlns:a14="http://schemas.microsoft.com/office/drawing/2010/main" Requires="a14">
-          <p:sp>
-            <p:nvSpPr>
-              <p:cNvPr id="42" name="文本框 41">
-                <a:extLst>
-                  <a:ext uri="{FF2B5EF4-FFF2-40B4-BE49-F238E27FC236}">
-                    <a16:creationId xmlns:a16="http://schemas.microsoft.com/office/drawing/2014/main" id="{E20735BC-980E-17F5-4516-3F0452307C39}"/>
-                  </a:ext>
-                </a:extLst>
-              </p:cNvPr>
-              <p:cNvSpPr txBox="1"/>
-              <p:nvPr/>
-            </p:nvSpPr>
-            <p:spPr>
-              <a:xfrm>
-                <a:off x="2309110" y="654050"/>
-                <a:ext cx="271894" cy="166712"/>
-              </a:xfrm>
-              <a:prstGeom prst="rect">
-                <a:avLst/>
-              </a:prstGeom>
-            </p:spPr>
-            <p:txBody>
-              <a:bodyPr vert="horz" wrap="square" lIns="0" tIns="12700" rIns="0" bIns="0" rtlCol="0">
-                <a:spAutoFit/>
-              </a:bodyPr>
-              <a:lstStyle>
-                <a:defPPr>
-                  <a:defRPr lang="zh-CN"/>
-                </a:defPPr>
-                <a:lvl1pPr marL="12700">
-                  <a:lnSpc>
-                    <a:spcPct val="100000"/>
-                  </a:lnSpc>
-                  <a:spcBef>
-                    <a:spcPts val="100"/>
-                  </a:spcBef>
-                  <a:defRPr sz="1100" i="1">
-                    <a:latin typeface="Times New Roman" panose="02020603050405020304" pitchFamily="18" charset="0"/>
-                    <a:cs typeface="Times New Roman" panose="02020603050405020304" pitchFamily="18" charset="0"/>
-                  </a:defRPr>
-                </a:lvl1pPr>
-              </a:lstStyle>
-              <a:p>
-                <a14:m>
-                  <m:oMath xmlns:m="http://schemas.openxmlformats.org/officeDocument/2006/math">
-                    <m:r>
-                      <m:rPr>
-                        <m:sty m:val="p"/>
-                      </m:rPr>
-                      <a:rPr lang="en-US" altLang="zh-CN" sz="1000" i="0">
-                        <a:latin typeface="Cambria Math" panose="02040503050406030204" pitchFamily="18" charset="0"/>
-                      </a:rPr>
-                      <m:t>T</m:t>
-                    </m:r>
-                  </m:oMath>
-                </a14:m>
-                <a:r>
-                  <a:rPr lang="en-US" altLang="zh-CN" sz="1000" i="0" dirty="0"/>
-                  <a:t>P</a:t>
-                </a:r>
-                <a:endParaRPr lang="zh-CN" altLang="en-US" sz="1000" i="0" dirty="0"/>
-              </a:p>
-            </p:txBody>
-          </p:sp>
-        </mc:Choice>
-        <mc:Fallback>
-          <p:sp>
-            <p:nvSpPr>
-              <p:cNvPr id="42" name="文本框 41">
-                <a:extLst>
-                  <a:ext uri="{FF2B5EF4-FFF2-40B4-BE49-F238E27FC236}">
-                    <a16:creationId xmlns:a16="http://schemas.microsoft.com/office/drawing/2014/main" id="{E20735BC-980E-17F5-4516-3F0452307C39}"/>
-                  </a:ext>
-                </a:extLst>
-              </p:cNvPr>
-              <p:cNvSpPr txBox="1">
-                <a:spLocks noRot="1" noChangeAspect="1" noMove="1" noResize="1" noEditPoints="1" noAdjustHandles="1" noChangeArrowheads="1" noChangeShapeType="1" noTextEdit="1"/>
-              </p:cNvSpPr>
-              <p:nvPr/>
-            </p:nvSpPr>
-            <p:spPr>
-              <a:xfrm>
-                <a:off x="2309110" y="654050"/>
-                <a:ext cx="271894" cy="166712"/>
-              </a:xfrm>
-              <a:prstGeom prst="rect">
-                <a:avLst/>
-              </a:prstGeom>
-              <a:blipFill>
-                <a:blip r:embed="rId3"/>
-                <a:stretch>
-                  <a:fillRect l="-13636" t="-14286" b="-42857"/>
-                </a:stretch>
-              </a:blipFill>
-            </p:spPr>
-            <p:txBody>
-              <a:bodyPr/>
-              <a:lstStyle/>
-              <a:p>
-                <a:r>
-                  <a:rPr lang="zh-CN" altLang="en-US">
-                    <a:noFill/>
-                  </a:rPr>
-                  <a:t> </a:t>
-                </a:r>
-              </a:p>
-            </p:txBody>
-          </p:sp>
-        </mc:Fallback>
-      </mc:AlternateContent>
-      <p:sp>
-        <p:nvSpPr>
-          <p:cNvPr id="43" name="文本框 42">
+          </a:p>
+        </p:txBody>
+      </p:sp>
+      <p:sp>
+        <p:nvSpPr>
+          <p:cNvPr id="6" name="文本框 5">
             <a:extLst>
               <a:ext uri="{FF2B5EF4-FFF2-40B4-BE49-F238E27FC236}">
-                <a16:creationId xmlns:a16="http://schemas.microsoft.com/office/drawing/2014/main" id="{34675611-5411-D460-CD02-A8463BBA0729}"/>
+                <a16:creationId xmlns:a16="http://schemas.microsoft.com/office/drawing/2014/main" id="{A1119116-4B5D-0137-C5C0-5A83D7B1712C}"/>
               </a:ext>
             </a:extLst>
           </p:cNvPr>
@@ -54880,8 +54494,8 @@
         </p:nvSpPr>
         <p:spPr>
           <a:xfrm>
-            <a:off x="1934721" y="882650"/>
-            <a:ext cx="884646" cy="166712"/>
+            <a:off x="2266344" y="416552"/>
+            <a:ext cx="285455" cy="259045"/>
           </a:xfrm>
           <a:prstGeom prst="rect">
             <a:avLst/>
@@ -54909,58 +54523,26 @@
             </a:lvl1pPr>
           </a:lstStyle>
           <a:p>
+            <a:pPr/>
             <a:r>
-              <a:rPr lang="en-US" altLang="zh-CN" sz="1000" i="0" dirty="0"/>
-              <a:t>Size-d(0.1)</a:t>
+              <a:rPr lang="en-US" altLang="zh-CN" sz="1600" i="0" dirty="0">
+                <a:latin typeface="Cambria Math" panose="02040503050406030204" pitchFamily="18" charset="0"/>
+                <a:ea typeface="Cambria Math" panose="02040503050406030204" pitchFamily="18" charset="0"/>
+              </a:rPr>
+              <a:t>TN</a:t>
             </a:r>
-            <a:endParaRPr lang="zh-CN" altLang="en-US" sz="1000" i="0" dirty="0"/>
-          </a:p>
-        </p:txBody>
-      </p:sp>
-      <p:cxnSp>
-        <p:nvCxnSpPr>
-          <p:cNvPr id="44" name="直接连接符 43">
+            <a:endParaRPr lang="zh-CN" altLang="en-US" sz="1600" i="0" dirty="0">
+              <a:latin typeface="Cambria Math" panose="02040503050406030204" pitchFamily="18" charset="0"/>
+            </a:endParaRPr>
+          </a:p>
+        </p:txBody>
+      </p:sp>
+      <p:sp>
+        <p:nvSpPr>
+          <p:cNvPr id="7" name="文本框 6">
             <a:extLst>
               <a:ext uri="{FF2B5EF4-FFF2-40B4-BE49-F238E27FC236}">
-                <a16:creationId xmlns:a16="http://schemas.microsoft.com/office/drawing/2014/main" id="{323AAF74-47FE-E3AE-BC78-6109A41A8E8D}"/>
-              </a:ext>
-            </a:extLst>
-          </p:cNvPr>
-          <p:cNvCxnSpPr>
-            <a:cxnSpLocks/>
-          </p:cNvCxnSpPr>
-          <p:nvPr/>
-        </p:nvCxnSpPr>
-        <p:spPr>
-          <a:xfrm>
-            <a:off x="1361803" y="413180"/>
-            <a:ext cx="0" cy="3351214"/>
-          </a:xfrm>
-          <a:prstGeom prst="line">
-            <a:avLst/>
-          </a:prstGeom>
-        </p:spPr>
-        <p:style>
-          <a:lnRef idx="1">
-            <a:schemeClr val="dk1"/>
-          </a:lnRef>
-          <a:fillRef idx="0">
-            <a:schemeClr val="dk1"/>
-          </a:fillRef>
-          <a:effectRef idx="0">
-            <a:schemeClr val="dk1"/>
-          </a:effectRef>
-          <a:fontRef idx="minor">
-            <a:schemeClr val="tx1"/>
-          </a:fontRef>
-        </p:style>
-      </p:cxnSp>
-      <p:sp>
-        <p:nvSpPr>
-          <p:cNvPr id="45" name="文本框 44">
-            <a:extLst>
-              <a:ext uri="{FF2B5EF4-FFF2-40B4-BE49-F238E27FC236}">
-                <a16:creationId xmlns:a16="http://schemas.microsoft.com/office/drawing/2014/main" id="{4860D51D-0687-6AFE-9041-2E62871772FA}"/>
+                <a16:creationId xmlns:a16="http://schemas.microsoft.com/office/drawing/2014/main" id="{DA9667A8-FBD9-370E-7298-56148B781265}"/>
               </a:ext>
             </a:extLst>
           </p:cNvPr>
@@ -54969,8 +54551,8 @@
         </p:nvSpPr>
         <p:spPr>
           <a:xfrm>
-            <a:off x="752203" y="2050536"/>
-            <a:ext cx="543751" cy="166712"/>
+            <a:off x="2295549" y="651349"/>
+            <a:ext cx="285455" cy="259045"/>
           </a:xfrm>
           <a:prstGeom prst="rect">
             <a:avLst/>
@@ -54999,19 +54581,24 @@
           </a:lstStyle>
           <a:p>
             <a:r>
-              <a:rPr lang="en-US" altLang="zh-CN" sz="1000" i="0" dirty="0"/>
-              <a:t>Sediment</a:t>
+              <a:rPr lang="en-US" altLang="zh-CN" sz="1600" i="0" dirty="0">
+                <a:latin typeface="Cambria Math" panose="02040503050406030204" pitchFamily="18" charset="0"/>
+                <a:ea typeface="Cambria Math" panose="02040503050406030204" pitchFamily="18" charset="0"/>
+              </a:rPr>
+              <a:t>TP</a:t>
             </a:r>
-            <a:endParaRPr lang="zh-CN" altLang="en-US" sz="1000" i="0" dirty="0"/>
-          </a:p>
-        </p:txBody>
-      </p:sp>
-      <p:sp>
-        <p:nvSpPr>
-          <p:cNvPr id="46" name="文本框 45">
+            <a:endParaRPr lang="zh-CN" altLang="en-US" sz="1600" i="0" dirty="0">
+              <a:latin typeface="Cambria Math" panose="02040503050406030204" pitchFamily="18" charset="0"/>
+            </a:endParaRPr>
+          </a:p>
+        </p:txBody>
+      </p:sp>
+      <p:sp>
+        <p:nvSpPr>
+          <p:cNvPr id="8" name="文本框 7">
             <a:extLst>
               <a:ext uri="{FF2B5EF4-FFF2-40B4-BE49-F238E27FC236}">
-                <a16:creationId xmlns:a16="http://schemas.microsoft.com/office/drawing/2014/main" id="{FA814868-6517-6BEE-EA72-D3953773575F}"/>
+                <a16:creationId xmlns:a16="http://schemas.microsoft.com/office/drawing/2014/main" id="{CFB48A07-12D9-3BCE-EDFC-C9FC8329C871}"/>
               </a:ext>
             </a:extLst>
           </p:cNvPr>
@@ -55020,8 +54607,8 @@
         </p:nvSpPr>
         <p:spPr>
           <a:xfrm>
-            <a:off x="1934721" y="1147584"/>
-            <a:ext cx="884646" cy="166712"/>
+            <a:off x="2252968" y="840393"/>
+            <a:ext cx="302233" cy="259045"/>
           </a:xfrm>
           <a:prstGeom prst="rect">
             <a:avLst/>
@@ -55049,20 +54636,71 @@
             </a:lvl1pPr>
           </a:lstStyle>
           <a:p>
+            <a:pPr algn="r"/>
             <a:r>
-              <a:rPr lang="en-US" altLang="zh-CN" sz="1000" i="0" dirty="0"/>
-              <a:t>Size-d(0.5)</a:t>
+              <a:rPr lang="en-US" altLang="zh-CN" sz="1600" i="0" dirty="0">
+                <a:latin typeface="Cambria Math" panose="02040503050406030204" pitchFamily="18" charset="0"/>
+                <a:ea typeface="Cambria Math" panose="02040503050406030204" pitchFamily="18" charset="0"/>
+              </a:rPr>
+              <a:t>d</a:t>
             </a:r>
-            <a:endParaRPr lang="zh-CN" altLang="en-US" sz="1000" i="0" dirty="0"/>
-          </a:p>
-        </p:txBody>
-      </p:sp>
-      <p:sp>
-        <p:nvSpPr>
-          <p:cNvPr id="47" name="文本框 46">
+            <a:r>
+              <a:rPr lang="en-US" altLang="zh-CN" sz="1600" i="0" baseline="-25000" dirty="0">
+                <a:latin typeface="Cambria Math" panose="02040503050406030204" pitchFamily="18" charset="0"/>
+                <a:ea typeface="Cambria Math" panose="02040503050406030204" pitchFamily="18" charset="0"/>
+              </a:rPr>
+              <a:t>0.1</a:t>
+            </a:r>
+            <a:endParaRPr lang="zh-CN" altLang="en-US" sz="1600" i="0" dirty="0">
+              <a:latin typeface="Cambria Math" panose="02040503050406030204" pitchFamily="18" charset="0"/>
+            </a:endParaRPr>
+          </a:p>
+        </p:txBody>
+      </p:sp>
+      <p:cxnSp>
+        <p:nvCxnSpPr>
+          <p:cNvPr id="9" name="直接连接符 8">
             <a:extLst>
               <a:ext uri="{FF2B5EF4-FFF2-40B4-BE49-F238E27FC236}">
-                <a16:creationId xmlns:a16="http://schemas.microsoft.com/office/drawing/2014/main" id="{E58BCDF1-31B6-93DD-904D-83362031F272}"/>
+                <a16:creationId xmlns:a16="http://schemas.microsoft.com/office/drawing/2014/main" id="{B9953087-37DA-EA40-E297-BED6FA4C09BF}"/>
+              </a:ext>
+            </a:extLst>
+          </p:cNvPr>
+          <p:cNvCxnSpPr>
+            <a:cxnSpLocks/>
+          </p:cNvCxnSpPr>
+          <p:nvPr/>
+        </p:nvCxnSpPr>
+        <p:spPr>
+          <a:xfrm>
+            <a:off x="1361803" y="413180"/>
+            <a:ext cx="0" cy="3351214"/>
+          </a:xfrm>
+          <a:prstGeom prst="line">
+            <a:avLst/>
+          </a:prstGeom>
+        </p:spPr>
+        <p:style>
+          <a:lnRef idx="1">
+            <a:schemeClr val="dk1"/>
+          </a:lnRef>
+          <a:fillRef idx="0">
+            <a:schemeClr val="dk1"/>
+          </a:fillRef>
+          <a:effectRef idx="0">
+            <a:schemeClr val="dk1"/>
+          </a:effectRef>
+          <a:fontRef idx="minor">
+            <a:schemeClr val="tx1"/>
+          </a:fontRef>
+        </p:style>
+      </p:cxnSp>
+      <p:sp>
+        <p:nvSpPr>
+          <p:cNvPr id="10" name="文本框 9">
+            <a:extLst>
+              <a:ext uri="{FF2B5EF4-FFF2-40B4-BE49-F238E27FC236}">
+                <a16:creationId xmlns:a16="http://schemas.microsoft.com/office/drawing/2014/main" id="{5D3F1095-D6A9-DAB1-411B-86FF6A881675}"/>
               </a:ext>
             </a:extLst>
           </p:cNvPr>
@@ -55071,8 +54709,8 @@
         </p:nvSpPr>
         <p:spPr>
           <a:xfrm>
-            <a:off x="1934721" y="1378563"/>
-            <a:ext cx="884646" cy="166712"/>
+            <a:off x="426580" y="1959265"/>
+            <a:ext cx="865406" cy="259045"/>
           </a:xfrm>
           <a:prstGeom prst="rect">
             <a:avLst/>
@@ -55101,19 +54739,24 @@
           </a:lstStyle>
           <a:p>
             <a:r>
-              <a:rPr lang="en-US" altLang="zh-CN" sz="1000" i="0" dirty="0"/>
-              <a:t>Size-d(0.9)</a:t>
+              <a:rPr lang="en-US" altLang="zh-CN" sz="1600" i="0" dirty="0">
+                <a:latin typeface="Cambria Math" panose="02040503050406030204" pitchFamily="18" charset="0"/>
+                <a:ea typeface="Cambria Math" panose="02040503050406030204" pitchFamily="18" charset="0"/>
+              </a:rPr>
+              <a:t>Sediment</a:t>
             </a:r>
-            <a:endParaRPr lang="zh-CN" altLang="en-US" sz="1000" i="0" dirty="0"/>
-          </a:p>
-        </p:txBody>
-      </p:sp>
-      <p:sp>
-        <p:nvSpPr>
-          <p:cNvPr id="48" name="文本框 47">
+            <a:endParaRPr lang="zh-CN" altLang="en-US" sz="1600" i="0" dirty="0">
+              <a:latin typeface="Cambria Math" panose="02040503050406030204" pitchFamily="18" charset="0"/>
+            </a:endParaRPr>
+          </a:p>
+        </p:txBody>
+      </p:sp>
+      <p:sp>
+        <p:nvSpPr>
+          <p:cNvPr id="11" name="文本框 10">
             <a:extLst>
               <a:ext uri="{FF2B5EF4-FFF2-40B4-BE49-F238E27FC236}">
-                <a16:creationId xmlns:a16="http://schemas.microsoft.com/office/drawing/2014/main" id="{884FC870-56CD-7420-CE63-41E6A8E3BAF3}"/>
+                <a16:creationId xmlns:a16="http://schemas.microsoft.com/office/drawing/2014/main" id="{EA568383-0BF5-CAB8-6330-B56D378049CE}"/>
               </a:ext>
             </a:extLst>
           </p:cNvPr>
@@ -55122,8 +54765,8 @@
         </p:nvSpPr>
         <p:spPr>
           <a:xfrm>
-            <a:off x="1442314" y="1603114"/>
-            <a:ext cx="1050448" cy="166712"/>
+            <a:off x="1660503" y="1067596"/>
+            <a:ext cx="884646" cy="259045"/>
           </a:xfrm>
           <a:prstGeom prst="rect">
             <a:avLst/>
@@ -55151,20 +54794,33 @@
             </a:lvl1pPr>
           </a:lstStyle>
           <a:p>
+            <a:pPr algn="r"/>
             <a:r>
-              <a:rPr lang="en-US" altLang="zh-CN" sz="1000" i="0" dirty="0"/>
-              <a:t>Size-d[(0.9-0.1)/0.5]</a:t>
+              <a:rPr lang="en-US" altLang="zh-CN" sz="1600" i="0" dirty="0">
+                <a:latin typeface="Cambria Math" panose="02040503050406030204" pitchFamily="18" charset="0"/>
+                <a:ea typeface="Cambria Math" panose="02040503050406030204" pitchFamily="18" charset="0"/>
+              </a:rPr>
+              <a:t>d</a:t>
             </a:r>
-            <a:endParaRPr lang="zh-CN" altLang="en-US" sz="1000" i="0" dirty="0"/>
-          </a:p>
-        </p:txBody>
-      </p:sp>
-      <p:sp>
-        <p:nvSpPr>
-          <p:cNvPr id="49" name="文本框 48">
+            <a:r>
+              <a:rPr lang="en-US" altLang="zh-CN" sz="1600" i="0" baseline="-25000" dirty="0">
+                <a:latin typeface="Cambria Math" panose="02040503050406030204" pitchFamily="18" charset="0"/>
+                <a:ea typeface="Cambria Math" panose="02040503050406030204" pitchFamily="18" charset="0"/>
+              </a:rPr>
+              <a:t>0.5</a:t>
+            </a:r>
+            <a:endParaRPr lang="zh-CN" altLang="en-US" sz="1600" i="0" dirty="0">
+              <a:latin typeface="Cambria Math" panose="02040503050406030204" pitchFamily="18" charset="0"/>
+            </a:endParaRPr>
+          </a:p>
+        </p:txBody>
+      </p:sp>
+      <p:sp>
+        <p:nvSpPr>
+          <p:cNvPr id="12" name="文本框 11">
             <a:extLst>
               <a:ext uri="{FF2B5EF4-FFF2-40B4-BE49-F238E27FC236}">
-                <a16:creationId xmlns:a16="http://schemas.microsoft.com/office/drawing/2014/main" id="{4A351EEF-F589-6588-B7A8-97E5DCE6FF4E}"/>
+                <a16:creationId xmlns:a16="http://schemas.microsoft.com/office/drawing/2014/main" id="{81A6E6AC-08FF-F4C6-4C39-B074E6743D8E}"/>
               </a:ext>
             </a:extLst>
           </p:cNvPr>
@@ -55173,8 +54829,8 @@
         </p:nvSpPr>
         <p:spPr>
           <a:xfrm>
-            <a:off x="2352404" y="1837466"/>
-            <a:ext cx="178686" cy="166712"/>
+            <a:off x="1657275" y="1304629"/>
+            <a:ext cx="884646" cy="259045"/>
           </a:xfrm>
           <a:prstGeom prst="rect">
             <a:avLst/>
@@ -55202,20 +54858,33 @@
             </a:lvl1pPr>
           </a:lstStyle>
           <a:p>
+            <a:pPr algn="r"/>
             <a:r>
-              <a:rPr lang="en-US" altLang="zh-CN" sz="1000" i="0" dirty="0"/>
-              <a:t>FI</a:t>
+              <a:rPr lang="en-US" altLang="zh-CN" sz="1600" i="0" dirty="0">
+                <a:latin typeface="Cambria Math" panose="02040503050406030204" pitchFamily="18" charset="0"/>
+                <a:ea typeface="Cambria Math" panose="02040503050406030204" pitchFamily="18" charset="0"/>
+              </a:rPr>
+              <a:t>d</a:t>
             </a:r>
-            <a:endParaRPr lang="zh-CN" altLang="en-US" sz="1000" i="0" dirty="0"/>
-          </a:p>
-        </p:txBody>
-      </p:sp>
-      <p:sp>
-        <p:nvSpPr>
-          <p:cNvPr id="50" name="文本框 49">
+            <a:r>
+              <a:rPr lang="en-US" altLang="zh-CN" sz="1600" i="0" baseline="-25000" dirty="0">
+                <a:latin typeface="Cambria Math" panose="02040503050406030204" pitchFamily="18" charset="0"/>
+                <a:ea typeface="Cambria Math" panose="02040503050406030204" pitchFamily="18" charset="0"/>
+              </a:rPr>
+              <a:t>0.9</a:t>
+            </a:r>
+            <a:endParaRPr lang="zh-CN" altLang="en-US" sz="1600" i="0" dirty="0">
+              <a:latin typeface="Cambria Math" panose="02040503050406030204" pitchFamily="18" charset="0"/>
+            </a:endParaRPr>
+          </a:p>
+        </p:txBody>
+      </p:sp>
+      <p:sp>
+        <p:nvSpPr>
+          <p:cNvPr id="13" name="文本框 12">
             <a:extLst>
               <a:ext uri="{FF2B5EF4-FFF2-40B4-BE49-F238E27FC236}">
-                <a16:creationId xmlns:a16="http://schemas.microsoft.com/office/drawing/2014/main" id="{CDBB3CA5-029B-1824-A42B-2417AF9ADB7D}"/>
+                <a16:creationId xmlns:a16="http://schemas.microsoft.com/office/drawing/2014/main" id="{D7F2DE20-3149-1445-4DB7-D2075F23C29D}"/>
               </a:ext>
             </a:extLst>
           </p:cNvPr>
@@ -55224,8 +54893,8 @@
         </p:nvSpPr>
         <p:spPr>
           <a:xfrm>
-            <a:off x="2248611" y="2053669"/>
-            <a:ext cx="266761" cy="166712"/>
+            <a:off x="1225552" y="1548019"/>
+            <a:ext cx="1348777" cy="259045"/>
           </a:xfrm>
           <a:prstGeom prst="rect">
             <a:avLst/>
@@ -55253,20 +54922,61 @@
             </a:lvl1pPr>
           </a:lstStyle>
           <a:p>
+            <a:pPr algn="r"/>
             <a:r>
-              <a:rPr lang="en-US" altLang="zh-CN" sz="1000" i="0" dirty="0"/>
-              <a:t>BIX</a:t>
+              <a:rPr lang="en-US" altLang="zh-CN" sz="1600" i="0" dirty="0">
+                <a:latin typeface="Cambria Math" panose="02040503050406030204" pitchFamily="18" charset="0"/>
+                <a:ea typeface="Cambria Math" panose="02040503050406030204" pitchFamily="18" charset="0"/>
+              </a:rPr>
+              <a:t>(d</a:t>
             </a:r>
-            <a:endParaRPr lang="zh-CN" altLang="en-US" sz="1000" i="0" dirty="0"/>
-          </a:p>
-        </p:txBody>
-      </p:sp>
-      <p:sp>
-        <p:nvSpPr>
-          <p:cNvPr id="51" name="文本框 50">
+            <a:r>
+              <a:rPr lang="en-US" altLang="zh-CN" sz="1600" i="0" baseline="-25000" dirty="0">
+                <a:latin typeface="Cambria Math" panose="02040503050406030204" pitchFamily="18" charset="0"/>
+                <a:ea typeface="Cambria Math" panose="02040503050406030204" pitchFamily="18" charset="0"/>
+              </a:rPr>
+              <a:t>0.9</a:t>
+            </a:r>
+            <a:r>
+              <a:rPr lang="en-US" altLang="zh-CN" sz="1600" i="0" dirty="0">
+                <a:latin typeface="Cambria Math" panose="02040503050406030204" pitchFamily="18" charset="0"/>
+                <a:ea typeface="Cambria Math" panose="02040503050406030204" pitchFamily="18" charset="0"/>
+              </a:rPr>
+              <a:t>-d</a:t>
+            </a:r>
+            <a:r>
+              <a:rPr lang="en-US" altLang="zh-CN" sz="1600" i="0" baseline="-25000" dirty="0">
+                <a:latin typeface="Cambria Math" panose="02040503050406030204" pitchFamily="18" charset="0"/>
+                <a:ea typeface="Cambria Math" panose="02040503050406030204" pitchFamily="18" charset="0"/>
+              </a:rPr>
+              <a:t>0.1</a:t>
+            </a:r>
+            <a:r>
+              <a:rPr lang="en-US" altLang="zh-CN" sz="1600" i="0" dirty="0">
+                <a:latin typeface="Cambria Math" panose="02040503050406030204" pitchFamily="18" charset="0"/>
+                <a:ea typeface="Cambria Math" panose="02040503050406030204" pitchFamily="18" charset="0"/>
+              </a:rPr>
+              <a:t>)/d</a:t>
+            </a:r>
+            <a:r>
+              <a:rPr lang="en-US" altLang="zh-CN" sz="1600" i="0" baseline="-25000" dirty="0">
+                <a:latin typeface="Cambria Math" panose="02040503050406030204" pitchFamily="18" charset="0"/>
+                <a:ea typeface="Cambria Math" panose="02040503050406030204" pitchFamily="18" charset="0"/>
+              </a:rPr>
+              <a:t>0.5</a:t>
+            </a:r>
+            <a:endParaRPr lang="zh-CN" altLang="en-US" sz="1600" i="0" dirty="0">
+              <a:latin typeface="Cambria Math" panose="02040503050406030204" pitchFamily="18" charset="0"/>
+            </a:endParaRPr>
+          </a:p>
+        </p:txBody>
+      </p:sp>
+      <p:sp>
+        <p:nvSpPr>
+          <p:cNvPr id="14" name="文本框 13">
             <a:extLst>
               <a:ext uri="{FF2B5EF4-FFF2-40B4-BE49-F238E27FC236}">
-                <a16:creationId xmlns:a16="http://schemas.microsoft.com/office/drawing/2014/main" id="{14FDD206-EF60-7BA2-3016-0A50796B0968}"/>
+                <a16:creationId xmlns:a16="http://schemas.microsoft.com/office/drawing/2014/main" id="{5CF4C5DA-AC97-1F93-DF07-26DD66489B85}"/>
               </a:ext>
             </a:extLst>
           </p:cNvPr>
@@ -55275,8 +54985,8 @@
         </p:nvSpPr>
         <p:spPr>
           <a:xfrm>
-            <a:off x="2248611" y="2292465"/>
-            <a:ext cx="266761" cy="166712"/>
+            <a:off x="2228736" y="1813694"/>
+            <a:ext cx="317151" cy="259045"/>
           </a:xfrm>
           <a:prstGeom prst="rect">
             <a:avLst/>
@@ -55304,20 +55014,26 @@
             </a:lvl1pPr>
           </a:lstStyle>
           <a:p>
+            <a:pPr algn="r"/>
             <a:r>
-              <a:rPr lang="en-US" altLang="zh-CN" sz="1000" i="0" dirty="0"/>
-              <a:t>HIX</a:t>
+              <a:rPr lang="en-US" altLang="zh-CN" sz="1600" i="0" dirty="0">
+                <a:latin typeface="Cambria Math" panose="02040503050406030204" pitchFamily="18" charset="0"/>
+                <a:ea typeface="Cambria Math" panose="02040503050406030204" pitchFamily="18" charset="0"/>
+              </a:rPr>
+              <a:t>FI</a:t>
             </a:r>
-            <a:endParaRPr lang="zh-CN" altLang="en-US" sz="1000" i="0" dirty="0"/>
-          </a:p>
-        </p:txBody>
-      </p:sp>
-      <p:sp>
-        <p:nvSpPr>
-          <p:cNvPr id="52" name="文本框 51">
+            <a:endParaRPr lang="zh-CN" altLang="en-US" sz="1600" i="0" dirty="0">
+              <a:latin typeface="Cambria Math" panose="02040503050406030204" pitchFamily="18" charset="0"/>
+            </a:endParaRPr>
+          </a:p>
+        </p:txBody>
+      </p:sp>
+      <p:sp>
+        <p:nvSpPr>
+          <p:cNvPr id="15" name="文本框 14">
             <a:extLst>
               <a:ext uri="{FF2B5EF4-FFF2-40B4-BE49-F238E27FC236}">
-                <a16:creationId xmlns:a16="http://schemas.microsoft.com/office/drawing/2014/main" id="{F88B03BB-2561-C5D0-FEF9-453F97D6E561}"/>
+                <a16:creationId xmlns:a16="http://schemas.microsoft.com/office/drawing/2014/main" id="{89BCFDBC-87CA-D06A-BA75-BEDB5BC6113A}"/>
               </a:ext>
             </a:extLst>
           </p:cNvPr>
@@ -55326,8 +55042,8 @@
         </p:nvSpPr>
         <p:spPr>
           <a:xfrm>
-            <a:off x="2278838" y="2502752"/>
-            <a:ext cx="247318" cy="166712"/>
+            <a:off x="2089058" y="2023815"/>
+            <a:ext cx="473707" cy="259045"/>
           </a:xfrm>
           <a:prstGeom prst="rect">
             <a:avLst/>
@@ -55355,20 +55071,26 @@
             </a:lvl1pPr>
           </a:lstStyle>
           <a:p>
+            <a:pPr algn="r"/>
             <a:r>
-              <a:rPr lang="el-GR" altLang="zh-CN" sz="1000" i="0" dirty="0"/>
-              <a:t>β:α</a:t>
+              <a:rPr lang="en-US" altLang="zh-CN" sz="1600" i="0" dirty="0">
+                <a:latin typeface="Cambria Math" panose="02040503050406030204" pitchFamily="18" charset="0"/>
+                <a:ea typeface="Cambria Math" panose="02040503050406030204" pitchFamily="18" charset="0"/>
+              </a:rPr>
+              <a:t>BIX</a:t>
             </a:r>
-            <a:endParaRPr lang="zh-CN" altLang="en-US" sz="1000" i="0" dirty="0"/>
-          </a:p>
-        </p:txBody>
-      </p:sp>
-      <p:sp>
-        <p:nvSpPr>
-          <p:cNvPr id="53" name="文本框 52">
+            <a:endParaRPr lang="zh-CN" altLang="en-US" sz="1600" i="0" dirty="0">
+              <a:latin typeface="Cambria Math" panose="02040503050406030204" pitchFamily="18" charset="0"/>
+            </a:endParaRPr>
+          </a:p>
+        </p:txBody>
+      </p:sp>
+      <p:sp>
+        <p:nvSpPr>
+          <p:cNvPr id="16" name="文本框 15">
             <a:extLst>
               <a:ext uri="{FF2B5EF4-FFF2-40B4-BE49-F238E27FC236}">
-                <a16:creationId xmlns:a16="http://schemas.microsoft.com/office/drawing/2014/main" id="{30E05402-E8C1-C48C-239D-28939F0DF371}"/>
+                <a16:creationId xmlns:a16="http://schemas.microsoft.com/office/drawing/2014/main" id="{8F29F424-D172-CDA4-EC96-D9E94BBA3194}"/>
               </a:ext>
             </a:extLst>
           </p:cNvPr>
@@ -55377,8 +55099,8 @@
         </p:nvSpPr>
         <p:spPr>
           <a:xfrm>
-            <a:off x="2123804" y="2725708"/>
-            <a:ext cx="407165" cy="166712"/>
+            <a:off x="2123804" y="2259628"/>
+            <a:ext cx="446898" cy="259045"/>
           </a:xfrm>
           <a:prstGeom prst="rect">
             <a:avLst/>
@@ -55406,20 +55128,26 @@
             </a:lvl1pPr>
           </a:lstStyle>
           <a:p>
+            <a:pPr algn="r"/>
             <a:r>
-              <a:rPr lang="en-US" altLang="zh-CN" sz="1000" i="0" dirty="0"/>
-              <a:t>Ⅰ-Area</a:t>
+              <a:rPr lang="en-US" altLang="zh-CN" sz="1600" i="0" dirty="0">
+                <a:latin typeface="Cambria Math" panose="02040503050406030204" pitchFamily="18" charset="0"/>
+                <a:ea typeface="Cambria Math" panose="02040503050406030204" pitchFamily="18" charset="0"/>
+              </a:rPr>
+              <a:t>HIX</a:t>
             </a:r>
-            <a:endParaRPr lang="zh-CN" altLang="en-US" sz="1000" i="0" dirty="0"/>
-          </a:p>
-        </p:txBody>
-      </p:sp>
-      <p:sp>
-        <p:nvSpPr>
-          <p:cNvPr id="54" name="文本框 53">
+            <a:endParaRPr lang="zh-CN" altLang="en-US" sz="1600" i="0" dirty="0">
+              <a:latin typeface="Cambria Math" panose="02040503050406030204" pitchFamily="18" charset="0"/>
+            </a:endParaRPr>
+          </a:p>
+        </p:txBody>
+      </p:sp>
+      <p:sp>
+        <p:nvSpPr>
+          <p:cNvPr id="17" name="文本框 16">
             <a:extLst>
               <a:ext uri="{FF2B5EF4-FFF2-40B4-BE49-F238E27FC236}">
-                <a16:creationId xmlns:a16="http://schemas.microsoft.com/office/drawing/2014/main" id="{502F6DF3-68DF-ABB6-069D-AC341BFA4A8D}"/>
+                <a16:creationId xmlns:a16="http://schemas.microsoft.com/office/drawing/2014/main" id="{A218E7DE-B7BC-2C24-B5F2-FA4FEEA4C618}"/>
               </a:ext>
             </a:extLst>
           </p:cNvPr>
@@ -55428,8 +55156,8 @@
         </p:nvSpPr>
         <p:spPr>
           <a:xfrm>
-            <a:off x="2101748" y="2965482"/>
-            <a:ext cx="407165" cy="166712"/>
+            <a:off x="2110664" y="2473397"/>
+            <a:ext cx="437098" cy="259045"/>
           </a:xfrm>
           <a:prstGeom prst="rect">
             <a:avLst/>
@@ -55457,20 +55185,26 @@
             </a:lvl1pPr>
           </a:lstStyle>
           <a:p>
+            <a:pPr algn="r"/>
             <a:r>
-              <a:rPr lang="en-US" altLang="zh-CN" sz="1000" i="0" dirty="0"/>
-              <a:t>Ⅱ-Area</a:t>
+              <a:rPr lang="el-GR" altLang="zh-CN" sz="1600" i="0" dirty="0">
+                <a:latin typeface="Cambria Math" panose="02040503050406030204" pitchFamily="18" charset="0"/>
+                <a:ea typeface="Cambria Math" panose="02040503050406030204" pitchFamily="18" charset="0"/>
+              </a:rPr>
+              <a:t>β:α</a:t>
             </a:r>
-            <a:endParaRPr lang="zh-CN" altLang="en-US" sz="1000" i="0" dirty="0"/>
-          </a:p>
-        </p:txBody>
-      </p:sp>
-      <p:sp>
-        <p:nvSpPr>
-          <p:cNvPr id="55" name="文本框 54">
+            <a:endParaRPr lang="zh-CN" altLang="en-US" sz="1600" i="0" dirty="0">
+              <a:latin typeface="Cambria Math" panose="02040503050406030204" pitchFamily="18" charset="0"/>
+            </a:endParaRPr>
+          </a:p>
+        </p:txBody>
+      </p:sp>
+      <p:sp>
+        <p:nvSpPr>
+          <p:cNvPr id="18" name="文本框 17">
             <a:extLst>
               <a:ext uri="{FF2B5EF4-FFF2-40B4-BE49-F238E27FC236}">
-                <a16:creationId xmlns:a16="http://schemas.microsoft.com/office/drawing/2014/main" id="{F2D537B7-888A-1CB9-631F-D262AA2F6C31}"/>
+                <a16:creationId xmlns:a16="http://schemas.microsoft.com/office/drawing/2014/main" id="{4A4FCCE1-0E73-5A1C-785A-CE38ABD8FB91}"/>
               </a:ext>
             </a:extLst>
           </p:cNvPr>
@@ -55479,8 +55213,8 @@
         </p:nvSpPr>
         <p:spPr>
           <a:xfrm>
-            <a:off x="2068474" y="3223199"/>
-            <a:ext cx="473708" cy="166712"/>
+            <a:off x="1835150" y="2700115"/>
+            <a:ext cx="727615" cy="259045"/>
           </a:xfrm>
           <a:prstGeom prst="rect">
             <a:avLst/>
@@ -55508,20 +55242,26 @@
             </a:lvl1pPr>
           </a:lstStyle>
           <a:p>
+            <a:pPr algn="r"/>
             <a:r>
-              <a:rPr lang="en-US" altLang="zh-CN" sz="1000" i="0" dirty="0"/>
-              <a:t>Ⅲ-Area</a:t>
+              <a:rPr lang="en-US" altLang="zh-CN" sz="1600" i="0" dirty="0">
+                <a:latin typeface="Cambria Math" panose="02040503050406030204" pitchFamily="18" charset="0"/>
+                <a:ea typeface="Cambria Math" panose="02040503050406030204" pitchFamily="18" charset="0"/>
+              </a:rPr>
+              <a:t>Ⅰ-Area</a:t>
             </a:r>
-            <a:endParaRPr lang="zh-CN" altLang="en-US" sz="1000" i="0" dirty="0"/>
-          </a:p>
-        </p:txBody>
-      </p:sp>
-      <p:sp>
-        <p:nvSpPr>
-          <p:cNvPr id="56" name="文本框 55">
+            <a:endParaRPr lang="zh-CN" altLang="en-US" sz="1600" i="0" dirty="0">
+              <a:latin typeface="Cambria Math" panose="02040503050406030204" pitchFamily="18" charset="0"/>
+            </a:endParaRPr>
+          </a:p>
+        </p:txBody>
+      </p:sp>
+      <p:sp>
+        <p:nvSpPr>
+          <p:cNvPr id="19" name="文本框 18">
             <a:extLst>
               <a:ext uri="{FF2B5EF4-FFF2-40B4-BE49-F238E27FC236}">
-                <a16:creationId xmlns:a16="http://schemas.microsoft.com/office/drawing/2014/main" id="{61AEF0CC-77A8-80F6-D149-78AE64D54BEC}"/>
+                <a16:creationId xmlns:a16="http://schemas.microsoft.com/office/drawing/2014/main" id="{9B754D3D-617B-4B30-4777-0D28FDE42829}"/>
               </a:ext>
             </a:extLst>
           </p:cNvPr>
@@ -55530,8 +55270,8 @@
         </p:nvSpPr>
         <p:spPr>
           <a:xfrm>
-            <a:off x="2058122" y="3460332"/>
-            <a:ext cx="473707" cy="166712"/>
+            <a:off x="2224450" y="3860941"/>
+            <a:ext cx="310420" cy="259045"/>
           </a:xfrm>
           <a:prstGeom prst="rect">
             <a:avLst/>
@@ -55559,20 +55299,26 @@
             </a:lvl1pPr>
           </a:lstStyle>
           <a:p>
+            <a:pPr algn="r"/>
             <a:r>
-              <a:rPr lang="en-US" altLang="zh-CN" sz="1000" i="0" dirty="0"/>
-              <a:t>Ⅳ-Area</a:t>
+              <a:rPr lang="en-US" altLang="zh-CN" sz="1600" i="0" dirty="0">
+                <a:latin typeface="Cambria Math" panose="02040503050406030204" pitchFamily="18" charset="0"/>
+                <a:ea typeface="Cambria Math" panose="02040503050406030204" pitchFamily="18" charset="0"/>
+              </a:rPr>
+              <a:t>pH</a:t>
             </a:r>
-            <a:endParaRPr lang="zh-CN" altLang="en-US" sz="1000" i="0" dirty="0"/>
-          </a:p>
-        </p:txBody>
-      </p:sp>
-      <p:sp>
-        <p:nvSpPr>
-          <p:cNvPr id="57" name="文本框 56">
+            <a:endParaRPr lang="zh-CN" altLang="en-US" sz="1600" i="0" dirty="0">
+              <a:latin typeface="Cambria Math" panose="02040503050406030204" pitchFamily="18" charset="0"/>
+            </a:endParaRPr>
+          </a:p>
+        </p:txBody>
+      </p:sp>
+      <p:sp>
+        <p:nvSpPr>
+          <p:cNvPr id="20" name="文本框 19">
             <a:extLst>
               <a:ext uri="{FF2B5EF4-FFF2-40B4-BE49-F238E27FC236}">
-                <a16:creationId xmlns:a16="http://schemas.microsoft.com/office/drawing/2014/main" id="{4549FE6E-92FE-454B-5D5E-6F1C6B8E046B}"/>
+                <a16:creationId xmlns:a16="http://schemas.microsoft.com/office/drawing/2014/main" id="{B1789C41-AD2A-C472-CDB0-1DE0EC0BC60F}"/>
               </a:ext>
             </a:extLst>
           </p:cNvPr>
@@ -55581,8 +55327,8 @@
         </p:nvSpPr>
         <p:spPr>
           <a:xfrm>
-            <a:off x="2101747" y="3681038"/>
-            <a:ext cx="407165" cy="166712"/>
+            <a:off x="2228354" y="4097508"/>
+            <a:ext cx="317913" cy="259045"/>
           </a:xfrm>
           <a:prstGeom prst="rect">
             <a:avLst/>
@@ -55610,20 +55356,26 @@
             </a:lvl1pPr>
           </a:lstStyle>
           <a:p>
+            <a:pPr algn="r"/>
             <a:r>
-              <a:rPr lang="en-US" altLang="zh-CN" sz="1000" i="0" dirty="0"/>
-              <a:t>Ⅴ-Area</a:t>
+              <a:rPr lang="en-US" altLang="zh-CN" sz="1600" i="0" dirty="0">
+                <a:latin typeface="Cambria Math" panose="02040503050406030204" pitchFamily="18" charset="0"/>
+                <a:ea typeface="Cambria Math" panose="02040503050406030204" pitchFamily="18" charset="0"/>
+              </a:rPr>
+              <a:t>DO</a:t>
             </a:r>
-            <a:endParaRPr lang="zh-CN" altLang="en-US" sz="1000" i="0" dirty="0"/>
-          </a:p>
-        </p:txBody>
-      </p:sp>
-      <p:sp>
-        <p:nvSpPr>
-          <p:cNvPr id="58" name="文本框 57">
+            <a:endParaRPr lang="zh-CN" altLang="en-US" sz="1600" i="0" dirty="0">
+              <a:latin typeface="Cambria Math" panose="02040503050406030204" pitchFamily="18" charset="0"/>
+            </a:endParaRPr>
+          </a:p>
+        </p:txBody>
+      </p:sp>
+      <p:sp>
+        <p:nvSpPr>
+          <p:cNvPr id="21" name="文本框 20">
             <a:extLst>
               <a:ext uri="{FF2B5EF4-FFF2-40B4-BE49-F238E27FC236}">
-                <a16:creationId xmlns:a16="http://schemas.microsoft.com/office/drawing/2014/main" id="{247218F7-F7B1-E54D-5859-B9A1E29A4CE1}"/>
+                <a16:creationId xmlns:a16="http://schemas.microsoft.com/office/drawing/2014/main" id="{84C45F02-993E-2116-9D78-FB673A95CEFC}"/>
               </a:ext>
             </a:extLst>
           </p:cNvPr>
@@ -55632,8 +55384,8 @@
         </p:nvSpPr>
         <p:spPr>
           <a:xfrm>
-            <a:off x="2325912" y="3920812"/>
-            <a:ext cx="178686" cy="166712"/>
+            <a:off x="2248551" y="4330536"/>
+            <a:ext cx="291346" cy="259045"/>
           </a:xfrm>
           <a:prstGeom prst="rect">
             <a:avLst/>
@@ -55662,112 +55414,15 @@
           </a:lstStyle>
           <a:p>
             <a:r>
-              <a:rPr lang="en-US" altLang="zh-CN" sz="1000" i="0" dirty="0"/>
-              <a:t>pH</a:t>
-            </a:r>
-            <a:endParaRPr lang="zh-CN" altLang="en-US" sz="1000" i="0" dirty="0"/>
-          </a:p>
-        </p:txBody>
-      </p:sp>
-      <p:sp>
-        <p:nvSpPr>
-          <p:cNvPr id="59" name="文本框 58">
-            <a:extLst>
-              <a:ext uri="{FF2B5EF4-FFF2-40B4-BE49-F238E27FC236}">
-                <a16:creationId xmlns:a16="http://schemas.microsoft.com/office/drawing/2014/main" id="{AFA5E095-A9A9-0DB8-221A-BA4D5065D7F9}"/>
-              </a:ext>
-            </a:extLst>
-          </p:cNvPr>
-          <p:cNvSpPr txBox="1"/>
-          <p:nvPr/>
-        </p:nvSpPr>
-        <p:spPr>
-          <a:xfrm>
-            <a:off x="2306699" y="4147125"/>
-            <a:ext cx="219456" cy="166712"/>
-          </a:xfrm>
-          <a:prstGeom prst="rect">
-            <a:avLst/>
-          </a:prstGeom>
-        </p:spPr>
-        <p:txBody>
-          <a:bodyPr vert="horz" wrap="square" lIns="0" tIns="12700" rIns="0" bIns="0" rtlCol="0">
-            <a:spAutoFit/>
-          </a:bodyPr>
-          <a:lstStyle>
-            <a:defPPr>
-              <a:defRPr lang="zh-CN"/>
-            </a:defPPr>
-            <a:lvl1pPr marL="12700">
-              <a:lnSpc>
-                <a:spcPct val="100000"/>
-              </a:lnSpc>
-              <a:spcBef>
-                <a:spcPts val="100"/>
-              </a:spcBef>
-              <a:defRPr sz="1100" i="1">
-                <a:latin typeface="Times New Roman" panose="02020603050405020304" pitchFamily="18" charset="0"/>
-                <a:cs typeface="Times New Roman" panose="02020603050405020304" pitchFamily="18" charset="0"/>
-              </a:defRPr>
-            </a:lvl1pPr>
-          </a:lstStyle>
-          <a:p>
-            <a:r>
-              <a:rPr lang="en-US" altLang="zh-CN" sz="1000" i="0" dirty="0"/>
-              <a:t>DO</a:t>
-            </a:r>
-            <a:endParaRPr lang="zh-CN" altLang="en-US" sz="1000" i="0" dirty="0"/>
-          </a:p>
-        </p:txBody>
-      </p:sp>
-      <p:sp>
-        <p:nvSpPr>
-          <p:cNvPr id="60" name="文本框 59">
-            <a:extLst>
-              <a:ext uri="{FF2B5EF4-FFF2-40B4-BE49-F238E27FC236}">
-                <a16:creationId xmlns:a16="http://schemas.microsoft.com/office/drawing/2014/main" id="{E182B7B6-D5E2-DE72-FDE9-BA71561C0450}"/>
-              </a:ext>
-            </a:extLst>
-          </p:cNvPr>
-          <p:cNvSpPr txBox="1"/>
-          <p:nvPr/>
-        </p:nvSpPr>
-        <p:spPr>
-          <a:xfrm>
-            <a:off x="2306861" y="4381291"/>
-            <a:ext cx="219456" cy="166712"/>
-          </a:xfrm>
-          <a:prstGeom prst="rect">
-            <a:avLst/>
-          </a:prstGeom>
-        </p:spPr>
-        <p:txBody>
-          <a:bodyPr vert="horz" wrap="square" lIns="0" tIns="12700" rIns="0" bIns="0" rtlCol="0">
-            <a:spAutoFit/>
-          </a:bodyPr>
-          <a:lstStyle>
-            <a:defPPr>
-              <a:defRPr lang="zh-CN"/>
-            </a:defPPr>
-            <a:lvl1pPr marL="12700">
-              <a:lnSpc>
-                <a:spcPct val="100000"/>
-              </a:lnSpc>
-              <a:spcBef>
-                <a:spcPts val="100"/>
-              </a:spcBef>
-              <a:defRPr sz="1100" i="1">
-                <a:latin typeface="Times New Roman" panose="02020603050405020304" pitchFamily="18" charset="0"/>
-                <a:cs typeface="Times New Roman" panose="02020603050405020304" pitchFamily="18" charset="0"/>
-              </a:defRPr>
-            </a:lvl1pPr>
-          </a:lstStyle>
-          <a:p>
-            <a:r>
-              <a:rPr lang="en-US" altLang="zh-CN" sz="1000" i="0" dirty="0"/>
+              <a:rPr lang="en-US" altLang="zh-CN" sz="1600" i="0" dirty="0">
+                <a:latin typeface="Cambria Math" panose="02040503050406030204" pitchFamily="18" charset="0"/>
+                <a:ea typeface="Cambria Math" panose="02040503050406030204" pitchFamily="18" charset="0"/>
+              </a:rPr>
               <a:t>TN</a:t>
             </a:r>
-            <a:endParaRPr lang="zh-CN" altLang="en-US" sz="1000" i="0" dirty="0"/>
+            <a:endParaRPr lang="zh-CN" altLang="en-US" sz="1600" i="0" dirty="0">
+              <a:latin typeface="Cambria Math" panose="02040503050406030204" pitchFamily="18" charset="0"/>
+            </a:endParaRPr>
           </a:p>
         </p:txBody>
       </p:sp>
@@ -55775,10 +55430,10 @@
         <mc:Choice xmlns:a14="http://schemas.microsoft.com/office/drawing/2010/main" Requires="a14">
           <p:sp>
             <p:nvSpPr>
-              <p:cNvPr id="61" name="文本框 60">
+              <p:cNvPr id="22" name="文本框 21">
                 <a:extLst>
                   <a:ext uri="{FF2B5EF4-FFF2-40B4-BE49-F238E27FC236}">
-                    <a16:creationId xmlns:a16="http://schemas.microsoft.com/office/drawing/2014/main" id="{010581B9-117E-403E-D13D-A8415448F124}"/>
+                    <a16:creationId xmlns:a16="http://schemas.microsoft.com/office/drawing/2014/main" id="{6A266730-E36A-502B-A38D-8AE4587431C9}"/>
                   </a:ext>
                 </a:extLst>
               </p:cNvPr>
@@ -55787,8 +55442,8 @@
             </p:nvSpPr>
             <p:spPr>
               <a:xfrm>
-                <a:off x="2252347" y="4587737"/>
-                <a:ext cx="247318" cy="166712"/>
+                <a:off x="2172845" y="4551441"/>
+                <a:ext cx="247318" cy="259045"/>
               </a:xfrm>
               <a:prstGeom prst="rect">
                 <a:avLst/>
@@ -55826,31 +55481,38 @@
                       <m:sSubSup>
                         <m:sSubSupPr>
                           <m:ctrlPr>
-                            <a:rPr lang="en-US" altLang="zh-CN" sz="1000" i="1">
+                            <a:rPr lang="en-US" altLang="zh-CN" sz="1600" i="1">
                               <a:latin typeface="Cambria Math" panose="02040503050406030204" pitchFamily="18" charset="0"/>
+                              <a:ea typeface="Cambria Math" panose="02040503050406030204" pitchFamily="18" charset="0"/>
                             </a:rPr>
                           </m:ctrlPr>
                         </m:sSubSupPr>
                         <m:e>
                           <m:r>
-                            <a:rPr lang="en-US" altLang="zh-CN" sz="1000">
+                            <m:rPr>
+                              <m:sty m:val="p"/>
+                            </m:rPr>
+                            <a:rPr lang="en-US" altLang="zh-CN" sz="1600" i="0" smtClean="0">
                               <a:latin typeface="Cambria Math" panose="02040503050406030204" pitchFamily="18" charset="0"/>
+                              <a:ea typeface="Cambria Math" panose="02040503050406030204" pitchFamily="18" charset="0"/>
                             </a:rPr>
-                            <m:t>𝑁𝑂</m:t>
+                            <m:t>NO</m:t>
                           </m:r>
                         </m:e>
                         <m:sub>
                           <m:r>
-                            <a:rPr lang="en-US" altLang="zh-CN" sz="1000">
+                            <a:rPr lang="en-US" altLang="zh-CN" sz="1600" i="0" smtClean="0">
                               <a:latin typeface="Cambria Math" panose="02040503050406030204" pitchFamily="18" charset="0"/>
+                              <a:ea typeface="Cambria Math" panose="02040503050406030204" pitchFamily="18" charset="0"/>
                             </a:rPr>
                             <m:t>2</m:t>
                           </m:r>
                         </m:sub>
                         <m:sup>
                           <m:r>
-                            <a:rPr lang="en-US" altLang="zh-CN" sz="1000">
+                            <a:rPr lang="en-US" altLang="zh-CN" sz="1600" i="0" smtClean="0">
                               <a:latin typeface="Cambria Math" panose="02040503050406030204" pitchFamily="18" charset="0"/>
+                              <a:ea typeface="Cambria Math" panose="02040503050406030204" pitchFamily="18" charset="0"/>
                             </a:rPr>
                             <m:t>−</m:t>
                           </m:r>
@@ -55859,7 +55521,9 @@
                     </m:oMath>
                   </m:oMathPara>
                 </a14:m>
-                <a:endParaRPr lang="zh-CN" altLang="en-US" sz="1000" dirty="0"/>
+                <a:endParaRPr lang="zh-CN" altLang="en-US" sz="1600" i="0" dirty="0">
+                  <a:latin typeface="Cambria Math" panose="02040503050406030204" pitchFamily="18" charset="0"/>
+                </a:endParaRPr>
               </a:p>
             </p:txBody>
           </p:sp>
@@ -55867,10 +55531,10 @@
         <mc:Fallback>
           <p:sp>
             <p:nvSpPr>
-              <p:cNvPr id="61" name="文本框 60">
+              <p:cNvPr id="22" name="文本框 21">
                 <a:extLst>
                   <a:ext uri="{FF2B5EF4-FFF2-40B4-BE49-F238E27FC236}">
-                    <a16:creationId xmlns:a16="http://schemas.microsoft.com/office/drawing/2014/main" id="{010581B9-117E-403E-D13D-A8415448F124}"/>
+                    <a16:creationId xmlns:a16="http://schemas.microsoft.com/office/drawing/2014/main" id="{6A266730-E36A-502B-A38D-8AE4587431C9}"/>
                   </a:ext>
                 </a:extLst>
               </p:cNvPr>
@@ -55881,16 +55545,16 @@
             </p:nvSpPr>
             <p:spPr>
               <a:xfrm>
-                <a:off x="2252347" y="4587737"/>
-                <a:ext cx="247318" cy="166712"/>
+                <a:off x="2172845" y="4551441"/>
+                <a:ext cx="247318" cy="259045"/>
               </a:xfrm>
               <a:prstGeom prst="rect">
                 <a:avLst/>
               </a:prstGeom>
               <a:blipFill>
-                <a:blip r:embed="rId4"/>
+                <a:blip r:embed="rId2"/>
                 <a:stretch>
-                  <a:fillRect l="-12195" r="-12195" b="-18519"/>
+                  <a:fillRect l="-21951" r="-68293" b="-19048"/>
                 </a:stretch>
               </a:blipFill>
             </p:spPr>
@@ -55913,10 +55577,10 @@
         <mc:Choice xmlns:a14="http://schemas.microsoft.com/office/drawing/2010/main" Requires="a14">
           <p:sp>
             <p:nvSpPr>
-              <p:cNvPr id="62" name="文本框 61">
+              <p:cNvPr id="23" name="文本框 22">
                 <a:extLst>
                   <a:ext uri="{FF2B5EF4-FFF2-40B4-BE49-F238E27FC236}">
-                    <a16:creationId xmlns:a16="http://schemas.microsoft.com/office/drawing/2014/main" id="{DC037D56-C28F-82E0-707C-5F1FBD43E33D}"/>
+                    <a16:creationId xmlns:a16="http://schemas.microsoft.com/office/drawing/2014/main" id="{74B15900-F4DD-E299-A7A7-C121B64B72F8}"/>
                   </a:ext>
                 </a:extLst>
               </p:cNvPr>
@@ -55925,8 +55589,8 @@
             </p:nvSpPr>
             <p:spPr>
               <a:xfrm>
-                <a:off x="2234971" y="4833581"/>
-                <a:ext cx="247318" cy="166712"/>
+                <a:off x="2150698" y="4801396"/>
+                <a:ext cx="247318" cy="259045"/>
               </a:xfrm>
               <a:prstGeom prst="rect">
                 <a:avLst/>
@@ -55964,31 +55628,38 @@
                       <m:sSubSup>
                         <m:sSubSupPr>
                           <m:ctrlPr>
-                            <a:rPr lang="en-US" altLang="zh-CN" sz="1000" i="1">
+                            <a:rPr lang="en-US" altLang="zh-CN" sz="1600" i="1">
                               <a:latin typeface="Cambria Math" panose="02040503050406030204" pitchFamily="18" charset="0"/>
+                              <a:ea typeface="Cambria Math" panose="02040503050406030204" pitchFamily="18" charset="0"/>
                             </a:rPr>
                           </m:ctrlPr>
                         </m:sSubSupPr>
                         <m:e>
                           <m:r>
-                            <a:rPr lang="en-US" altLang="zh-CN" sz="1000">
+                            <m:rPr>
+                              <m:sty m:val="p"/>
+                            </m:rPr>
+                            <a:rPr lang="en-US" altLang="zh-CN" sz="1600" i="0" smtClean="0">
                               <a:latin typeface="Cambria Math" panose="02040503050406030204" pitchFamily="18" charset="0"/>
+                              <a:ea typeface="Cambria Math" panose="02040503050406030204" pitchFamily="18" charset="0"/>
                             </a:rPr>
-                            <m:t>𝑁𝑂</m:t>
+                            <m:t>NO</m:t>
                           </m:r>
                         </m:e>
                         <m:sub>
                           <m:r>
-                            <a:rPr lang="en-US" altLang="zh-CN" sz="1000">
+                            <a:rPr lang="en-US" altLang="zh-CN" sz="1600" i="0" smtClean="0">
                               <a:latin typeface="Cambria Math" panose="02040503050406030204" pitchFamily="18" charset="0"/>
+                              <a:ea typeface="Cambria Math" panose="02040503050406030204" pitchFamily="18" charset="0"/>
                             </a:rPr>
                             <m:t>3</m:t>
                           </m:r>
                         </m:sub>
                         <m:sup>
                           <m:r>
-                            <a:rPr lang="en-US" altLang="zh-CN" sz="1000">
+                            <a:rPr lang="en-US" altLang="zh-CN" sz="1600" i="0" smtClean="0">
                               <a:latin typeface="Cambria Math" panose="02040503050406030204" pitchFamily="18" charset="0"/>
+                              <a:ea typeface="Cambria Math" panose="02040503050406030204" pitchFamily="18" charset="0"/>
                             </a:rPr>
                             <m:t>−</m:t>
                           </m:r>
@@ -55997,7 +55668,9 @@
                     </m:oMath>
                   </m:oMathPara>
                 </a14:m>
-                <a:endParaRPr lang="zh-CN" altLang="en-US" sz="1000" dirty="0"/>
+                <a:endParaRPr lang="zh-CN" altLang="en-US" sz="1600" i="0" dirty="0">
+                  <a:latin typeface="Cambria Math" panose="02040503050406030204" pitchFamily="18" charset="0"/>
+                </a:endParaRPr>
               </a:p>
             </p:txBody>
           </p:sp>
@@ -56005,10 +55678,10 @@
         <mc:Fallback>
           <p:sp>
             <p:nvSpPr>
-              <p:cNvPr id="62" name="文本框 61">
+              <p:cNvPr id="23" name="文本框 22">
                 <a:extLst>
                   <a:ext uri="{FF2B5EF4-FFF2-40B4-BE49-F238E27FC236}">
-                    <a16:creationId xmlns:a16="http://schemas.microsoft.com/office/drawing/2014/main" id="{DC037D56-C28F-82E0-707C-5F1FBD43E33D}"/>
+                    <a16:creationId xmlns:a16="http://schemas.microsoft.com/office/drawing/2014/main" id="{74B15900-F4DD-E299-A7A7-C121B64B72F8}"/>
                   </a:ext>
                 </a:extLst>
               </p:cNvPr>
@@ -56019,16 +55692,16 @@
             </p:nvSpPr>
             <p:spPr>
               <a:xfrm>
-                <a:off x="2234971" y="4833581"/>
-                <a:ext cx="247318" cy="166712"/>
+                <a:off x="2150698" y="4801396"/>
+                <a:ext cx="247318" cy="259045"/>
               </a:xfrm>
               <a:prstGeom prst="rect">
                 <a:avLst/>
               </a:prstGeom>
               <a:blipFill>
-                <a:blip r:embed="rId5"/>
+                <a:blip r:embed="rId3"/>
                 <a:stretch>
-                  <a:fillRect l="-15000" r="-15000" b="-18519"/>
+                  <a:fillRect l="-25000" r="-70000" b="-19048"/>
                 </a:stretch>
               </a:blipFill>
             </p:spPr>
@@ -56051,10 +55724,10 @@
         <mc:Choice xmlns:a14="http://schemas.microsoft.com/office/drawing/2010/main" Requires="a14">
           <p:sp>
             <p:nvSpPr>
-              <p:cNvPr id="63" name="文本框 62">
+              <p:cNvPr id="24" name="文本框 23">
                 <a:extLst>
                   <a:ext uri="{FF2B5EF4-FFF2-40B4-BE49-F238E27FC236}">
-                    <a16:creationId xmlns:a16="http://schemas.microsoft.com/office/drawing/2014/main" id="{B35396EF-DC23-41EA-2992-7FBA82574B30}"/>
+                    <a16:creationId xmlns:a16="http://schemas.microsoft.com/office/drawing/2014/main" id="{2C561C96-6E71-1282-5E37-1DE29B370B9D}"/>
                   </a:ext>
                 </a:extLst>
               </p:cNvPr>
@@ -56063,8 +55736,8 @@
             </p:nvSpPr>
             <p:spPr>
               <a:xfrm>
-                <a:off x="2228736" y="5072591"/>
-                <a:ext cx="245086" cy="166712"/>
+                <a:off x="2136982" y="5051823"/>
+                <a:ext cx="245086" cy="259045"/>
               </a:xfrm>
               <a:prstGeom prst="rect">
                 <a:avLst/>
@@ -56102,31 +55775,38 @@
                       <m:sSubSup>
                         <m:sSubSupPr>
                           <m:ctrlPr>
-                            <a:rPr lang="en-US" altLang="zh-CN" sz="1000" i="1">
+                            <a:rPr lang="en-US" altLang="zh-CN" sz="1600" i="1">
                               <a:latin typeface="Cambria Math" panose="02040503050406030204" pitchFamily="18" charset="0"/>
+                              <a:ea typeface="Cambria Math" panose="02040503050406030204" pitchFamily="18" charset="0"/>
                             </a:rPr>
                           </m:ctrlPr>
                         </m:sSubSupPr>
                         <m:e>
                           <m:r>
-                            <a:rPr lang="en-US" altLang="zh-CN" sz="1000">
+                            <m:rPr>
+                              <m:sty m:val="p"/>
+                            </m:rPr>
+                            <a:rPr lang="en-US" altLang="zh-CN" sz="1600" i="0" smtClean="0">
                               <a:latin typeface="Cambria Math" panose="02040503050406030204" pitchFamily="18" charset="0"/>
+                              <a:ea typeface="Cambria Math" panose="02040503050406030204" pitchFamily="18" charset="0"/>
                             </a:rPr>
-                            <m:t>𝑁𝐻</m:t>
+                            <m:t>NH</m:t>
                           </m:r>
                         </m:e>
                         <m:sub>
                           <m:r>
-                            <a:rPr lang="en-US" altLang="zh-CN" sz="1000">
+                            <a:rPr lang="en-US" altLang="zh-CN" sz="1600" i="0" smtClean="0">
                               <a:latin typeface="Cambria Math" panose="02040503050406030204" pitchFamily="18" charset="0"/>
+                              <a:ea typeface="Cambria Math" panose="02040503050406030204" pitchFamily="18" charset="0"/>
                             </a:rPr>
                             <m:t>4</m:t>
                           </m:r>
                         </m:sub>
                         <m:sup>
                           <m:r>
-                            <a:rPr lang="en-US" altLang="zh-CN" sz="1000">
+                            <a:rPr lang="en-US" altLang="zh-CN" sz="1600" i="0" smtClean="0">
                               <a:latin typeface="Cambria Math" panose="02040503050406030204" pitchFamily="18" charset="0"/>
+                              <a:ea typeface="Cambria Math" panose="02040503050406030204" pitchFamily="18" charset="0"/>
                             </a:rPr>
                             <m:t>+</m:t>
                           </m:r>
@@ -56135,7 +55815,9 @@
                     </m:oMath>
                   </m:oMathPara>
                 </a14:m>
-                <a:endParaRPr lang="zh-CN" altLang="en-US" sz="1000" dirty="0"/>
+                <a:endParaRPr lang="zh-CN" altLang="en-US" sz="1600" i="0" dirty="0">
+                  <a:latin typeface="Cambria Math" panose="02040503050406030204" pitchFamily="18" charset="0"/>
+                </a:endParaRPr>
               </a:p>
             </p:txBody>
           </p:sp>
@@ -56143,10 +55825,10 @@
         <mc:Fallback>
           <p:sp>
             <p:nvSpPr>
-              <p:cNvPr id="63" name="文本框 62">
+              <p:cNvPr id="24" name="文本框 23">
                 <a:extLst>
                   <a:ext uri="{FF2B5EF4-FFF2-40B4-BE49-F238E27FC236}">
-                    <a16:creationId xmlns:a16="http://schemas.microsoft.com/office/drawing/2014/main" id="{B35396EF-DC23-41EA-2992-7FBA82574B30}"/>
+                    <a16:creationId xmlns:a16="http://schemas.microsoft.com/office/drawing/2014/main" id="{2C561C96-6E71-1282-5E37-1DE29B370B9D}"/>
                   </a:ext>
                 </a:extLst>
               </p:cNvPr>
@@ -56157,16 +55839,16 @@
             </p:nvSpPr>
             <p:spPr>
               <a:xfrm>
-                <a:off x="2228736" y="5072591"/>
-                <a:ext cx="245086" cy="166712"/>
+                <a:off x="2136982" y="5051823"/>
+                <a:ext cx="245086" cy="259045"/>
               </a:xfrm>
               <a:prstGeom prst="rect">
                 <a:avLst/>
               </a:prstGeom>
               <a:blipFill>
-                <a:blip r:embed="rId6"/>
+                <a:blip r:embed="rId4"/>
                 <a:stretch>
-                  <a:fillRect l="-15000" r="-22500" b="-18519"/>
+                  <a:fillRect l="-25000" r="-82500" b="-19048"/>
                 </a:stretch>
               </a:blipFill>
             </p:spPr>
@@ -56187,10 +55869,10 @@
       </mc:AlternateContent>
       <p:sp>
         <p:nvSpPr>
-          <p:cNvPr id="64" name="文本框 63">
+          <p:cNvPr id="25" name="文本框 24">
             <a:extLst>
               <a:ext uri="{FF2B5EF4-FFF2-40B4-BE49-F238E27FC236}">
-                <a16:creationId xmlns:a16="http://schemas.microsoft.com/office/drawing/2014/main" id="{F497DC4A-231A-F799-1D6F-501AE8986C0D}"/>
+                <a16:creationId xmlns:a16="http://schemas.microsoft.com/office/drawing/2014/main" id="{B070021B-982B-F21B-1CDF-A03F6BB2AE3B}"/>
               </a:ext>
             </a:extLst>
           </p:cNvPr>
@@ -56199,8 +55881,8 @@
         </p:nvSpPr>
         <p:spPr>
           <a:xfrm>
-            <a:off x="2213939" y="5302250"/>
-            <a:ext cx="310420" cy="166712"/>
+            <a:off x="2073854" y="5293160"/>
+            <a:ext cx="472413" cy="259045"/>
           </a:xfrm>
           <a:prstGeom prst="rect">
             <a:avLst/>
@@ -56228,20 +55910,26 @@
             </a:lvl1pPr>
           </a:lstStyle>
           <a:p>
+            <a:pPr algn="r"/>
             <a:r>
-              <a:rPr lang="en-US" altLang="zh-CN" sz="1000" i="0" dirty="0"/>
+              <a:rPr lang="en-US" altLang="zh-CN" sz="1600" i="0" dirty="0">
+                <a:latin typeface="Cambria Math" panose="02040503050406030204" pitchFamily="18" charset="0"/>
+                <a:ea typeface="Cambria Math" panose="02040503050406030204" pitchFamily="18" charset="0"/>
+              </a:rPr>
               <a:t>COD</a:t>
             </a:r>
-            <a:endParaRPr lang="zh-CN" altLang="en-US" sz="1000" i="0" dirty="0"/>
+            <a:endParaRPr lang="zh-CN" altLang="en-US" sz="1600" i="0" dirty="0">
+              <a:latin typeface="Cambria Math" panose="02040503050406030204" pitchFamily="18" charset="0"/>
+            </a:endParaRPr>
           </a:p>
         </p:txBody>
       </p:sp>
       <p:cxnSp>
         <p:nvCxnSpPr>
-          <p:cNvPr id="65" name="直接连接符 64">
+          <p:cNvPr id="26" name="直接连接符 25">
             <a:extLst>
               <a:ext uri="{FF2B5EF4-FFF2-40B4-BE49-F238E27FC236}">
-                <a16:creationId xmlns:a16="http://schemas.microsoft.com/office/drawing/2014/main" id="{F9952562-0B92-CB95-01AF-6B090F31803D}"/>
+                <a16:creationId xmlns:a16="http://schemas.microsoft.com/office/drawing/2014/main" id="{B586F4A4-8F79-24B3-65CA-D6CAB081D736}"/>
               </a:ext>
             </a:extLst>
           </p:cNvPr>
@@ -56276,10 +55964,10 @@
       </p:cxnSp>
       <p:sp>
         <p:nvSpPr>
-          <p:cNvPr id="66" name="文本框 65">
+          <p:cNvPr id="27" name="文本框 26">
             <a:extLst>
               <a:ext uri="{FF2B5EF4-FFF2-40B4-BE49-F238E27FC236}">
-                <a16:creationId xmlns:a16="http://schemas.microsoft.com/office/drawing/2014/main" id="{3325FC5F-8ACF-808E-4E4B-D9F7A74AA34B}"/>
+                <a16:creationId xmlns:a16="http://schemas.microsoft.com/office/drawing/2014/main" id="{493BFBFC-227C-9F00-15FC-A7EAB8156583}"/>
               </a:ext>
             </a:extLst>
           </p:cNvPr>
@@ -56288,8 +55976,8 @@
         </p:nvSpPr>
         <p:spPr>
           <a:xfrm>
-            <a:off x="692150" y="4574066"/>
-            <a:ext cx="603805" cy="333425"/>
+            <a:off x="430548" y="4518421"/>
+            <a:ext cx="865407" cy="518091"/>
           </a:xfrm>
           <a:prstGeom prst="rect">
             <a:avLst/>
@@ -56319,26 +56007,34 @@
           <a:p>
             <a:pPr algn="ctr"/>
             <a:r>
-              <a:rPr lang="en-US" altLang="zh-CN" sz="1000" i="0" dirty="0"/>
+              <a:rPr lang="en-US" altLang="zh-CN" sz="1600" i="0" dirty="0">
+                <a:latin typeface="Cambria Math" panose="02040503050406030204" pitchFamily="18" charset="0"/>
+                <a:ea typeface="Cambria Math" panose="02040503050406030204" pitchFamily="18" charset="0"/>
+              </a:rPr>
               <a:t>Overlying </a:t>
             </a:r>
           </a:p>
           <a:p>
             <a:pPr algn="ctr"/>
             <a:r>
-              <a:rPr lang="en-US" altLang="zh-CN" sz="1000" i="0" dirty="0"/>
+              <a:rPr lang="en-US" altLang="zh-CN" sz="1600" i="0" dirty="0">
+                <a:latin typeface="Cambria Math" panose="02040503050406030204" pitchFamily="18" charset="0"/>
+                <a:ea typeface="Cambria Math" panose="02040503050406030204" pitchFamily="18" charset="0"/>
+              </a:rPr>
               <a:t>water</a:t>
             </a:r>
-            <a:endParaRPr lang="zh-CN" altLang="en-US" sz="1000" i="0" dirty="0"/>
-          </a:p>
-        </p:txBody>
-      </p:sp>
-      <p:sp>
-        <p:nvSpPr>
-          <p:cNvPr id="67" name="文本框 66">
+            <a:endParaRPr lang="zh-CN" altLang="en-US" sz="1600" i="0" dirty="0">
+              <a:latin typeface="Cambria Math" panose="02040503050406030204" pitchFamily="18" charset="0"/>
+            </a:endParaRPr>
+          </a:p>
+        </p:txBody>
+      </p:sp>
+      <p:sp>
+        <p:nvSpPr>
+          <p:cNvPr id="28" name="文本框 27">
             <a:extLst>
               <a:ext uri="{FF2B5EF4-FFF2-40B4-BE49-F238E27FC236}">
-                <a16:creationId xmlns:a16="http://schemas.microsoft.com/office/drawing/2014/main" id="{E3A9C662-C9C5-B92B-8D67-A6F278D15722}"/>
+                <a16:creationId xmlns:a16="http://schemas.microsoft.com/office/drawing/2014/main" id="{B992FB28-8183-9934-2DA0-31140AAE85BD}"/>
               </a:ext>
             </a:extLst>
           </p:cNvPr>
@@ -56347,8 +56043,8 @@
         </p:nvSpPr>
         <p:spPr>
           <a:xfrm>
-            <a:off x="2403233" y="5552541"/>
-            <a:ext cx="64193" cy="166712"/>
+            <a:off x="2404084" y="5506516"/>
+            <a:ext cx="64193" cy="259045"/>
           </a:xfrm>
           <a:prstGeom prst="rect">
             <a:avLst/>
@@ -56377,245 +56073,62 @@
           </a:lstStyle>
           <a:p>
             <a:r>
-              <a:rPr lang="en-US" altLang="zh-CN" sz="1000" i="0" dirty="0"/>
+              <a:rPr lang="en-US" altLang="zh-CN" sz="1600" i="0" dirty="0">
+                <a:latin typeface="Cambria Math" panose="02040503050406030204" pitchFamily="18" charset="0"/>
+                <a:ea typeface="Cambria Math" panose="02040503050406030204" pitchFamily="18" charset="0"/>
+              </a:rPr>
               <a:t>T</a:t>
             </a:r>
-            <a:endParaRPr lang="zh-CN" altLang="en-US" sz="1000" i="0" dirty="0"/>
-          </a:p>
-        </p:txBody>
-      </p:sp>
-      <mc:AlternateContent xmlns:mc="http://schemas.openxmlformats.org/markup-compatibility/2006">
-        <mc:Choice xmlns:a14="http://schemas.microsoft.com/office/drawing/2010/main" Requires="a14">
-          <p:sp>
-            <p:nvSpPr>
-              <p:cNvPr id="68" name="文本框 67">
-                <a:extLst>
-                  <a:ext uri="{FF2B5EF4-FFF2-40B4-BE49-F238E27FC236}">
-                    <a16:creationId xmlns:a16="http://schemas.microsoft.com/office/drawing/2014/main" id="{06E68355-ED4F-3CC8-A5FD-D5C2F994B99E}"/>
-                  </a:ext>
-                </a:extLst>
-              </p:cNvPr>
-              <p:cNvSpPr txBox="1"/>
-              <p:nvPr/>
-            </p:nvSpPr>
-            <p:spPr>
-              <a:xfrm rot="16200000">
-                <a:off x="2623643" y="5863820"/>
-                <a:ext cx="237501" cy="166712"/>
-              </a:xfrm>
-              <a:prstGeom prst="rect">
-                <a:avLst/>
-              </a:prstGeom>
-            </p:spPr>
-            <p:txBody>
-              <a:bodyPr vert="horz" wrap="square" lIns="0" tIns="12700" rIns="0" bIns="0" rtlCol="0">
-                <a:spAutoFit/>
-              </a:bodyPr>
-              <a:lstStyle>
-                <a:defPPr>
-                  <a:defRPr lang="zh-CN"/>
-                </a:defPPr>
-                <a:lvl1pPr marL="12700">
-                  <a:lnSpc>
-                    <a:spcPct val="100000"/>
-                  </a:lnSpc>
-                  <a:spcBef>
-                    <a:spcPts val="100"/>
-                  </a:spcBef>
-                  <a:defRPr sz="1100" i="1">
-                    <a:latin typeface="Times New Roman" panose="02020603050405020304" pitchFamily="18" charset="0"/>
-                    <a:cs typeface="Times New Roman" panose="02020603050405020304" pitchFamily="18" charset="0"/>
-                  </a:defRPr>
-                </a:lvl1pPr>
-              </a:lstStyle>
-              <a:p>
-                <a:pPr/>
-                <a14:m>
-                  <m:oMathPara xmlns:m="http://schemas.openxmlformats.org/officeDocument/2006/math">
-                    <m:oMathParaPr>
-                      <m:jc m:val="centerGroup"/>
-                    </m:oMathParaPr>
-                    <m:oMath xmlns:m="http://schemas.openxmlformats.org/officeDocument/2006/math">
-                      <m:r>
-                        <m:rPr>
-                          <m:sty m:val="p"/>
-                        </m:rPr>
-                        <a:rPr lang="en-US" altLang="zh-CN" sz="1000" i="0">
-                          <a:latin typeface="Cambria Math" panose="02040503050406030204" pitchFamily="18" charset="0"/>
-                        </a:rPr>
-                        <m:t>TN</m:t>
-                      </m:r>
-                    </m:oMath>
-                  </m:oMathPara>
-                </a14:m>
-                <a:endParaRPr lang="zh-CN" altLang="en-US" sz="1000" i="0" dirty="0"/>
-              </a:p>
-            </p:txBody>
-          </p:sp>
-        </mc:Choice>
-        <mc:Fallback>
-          <p:sp>
-            <p:nvSpPr>
-              <p:cNvPr id="68" name="文本框 67">
-                <a:extLst>
-                  <a:ext uri="{FF2B5EF4-FFF2-40B4-BE49-F238E27FC236}">
-                    <a16:creationId xmlns:a16="http://schemas.microsoft.com/office/drawing/2014/main" id="{06E68355-ED4F-3CC8-A5FD-D5C2F994B99E}"/>
-                  </a:ext>
-                </a:extLst>
-              </p:cNvPr>
-              <p:cNvSpPr txBox="1">
-                <a:spLocks noRot="1" noChangeAspect="1" noMove="1" noResize="1" noEditPoints="1" noAdjustHandles="1" noChangeArrowheads="1" noChangeShapeType="1" noTextEdit="1"/>
-              </p:cNvSpPr>
-              <p:nvPr/>
-            </p:nvSpPr>
-            <p:spPr>
-              <a:xfrm rot="16200000">
-                <a:off x="2623643" y="5863820"/>
-                <a:ext cx="237501" cy="166712"/>
-              </a:xfrm>
-              <a:prstGeom prst="rect">
-                <a:avLst/>
-              </a:prstGeom>
-              <a:blipFill>
-                <a:blip r:embed="rId7"/>
-                <a:stretch>
-                  <a:fillRect r="-7143" b="-7692"/>
-                </a:stretch>
-              </a:blipFill>
-            </p:spPr>
-            <p:txBody>
-              <a:bodyPr/>
-              <a:lstStyle/>
-              <a:p>
-                <a:r>
-                  <a:rPr lang="zh-CN" altLang="en-US">
-                    <a:noFill/>
-                  </a:rPr>
-                  <a:t> </a:t>
-                </a:r>
-              </a:p>
-            </p:txBody>
-          </p:sp>
-        </mc:Fallback>
-      </mc:AlternateContent>
-      <mc:AlternateContent xmlns:mc="http://schemas.openxmlformats.org/markup-compatibility/2006">
-        <mc:Choice xmlns:a14="http://schemas.microsoft.com/office/drawing/2010/main" Requires="a14">
-          <p:sp>
-            <p:nvSpPr>
-              <p:cNvPr id="69" name="文本框 68">
-                <a:extLst>
-                  <a:ext uri="{FF2B5EF4-FFF2-40B4-BE49-F238E27FC236}">
-                    <a16:creationId xmlns:a16="http://schemas.microsoft.com/office/drawing/2014/main" id="{0479F240-79A3-244A-24A5-CACABEFE9C08}"/>
-                  </a:ext>
-                </a:extLst>
-              </p:cNvPr>
-              <p:cNvSpPr txBox="1"/>
-              <p:nvPr/>
-            </p:nvSpPr>
-            <p:spPr>
-              <a:xfrm rot="16200000">
-                <a:off x="2835047" y="5816353"/>
-                <a:ext cx="271893" cy="166712"/>
-              </a:xfrm>
-              <a:prstGeom prst="rect">
-                <a:avLst/>
-              </a:prstGeom>
-            </p:spPr>
-            <p:txBody>
-              <a:bodyPr vert="horz" wrap="square" lIns="0" tIns="12700" rIns="0" bIns="0" rtlCol="0">
-                <a:spAutoFit/>
-              </a:bodyPr>
-              <a:lstStyle>
-                <a:defPPr>
-                  <a:defRPr lang="zh-CN"/>
-                </a:defPPr>
-                <a:lvl1pPr marL="12700">
-                  <a:lnSpc>
-                    <a:spcPct val="100000"/>
-                  </a:lnSpc>
-                  <a:spcBef>
-                    <a:spcPts val="100"/>
-                  </a:spcBef>
-                  <a:defRPr sz="1100" i="1">
-                    <a:latin typeface="Times New Roman" panose="02020603050405020304" pitchFamily="18" charset="0"/>
-                    <a:cs typeface="Times New Roman" panose="02020603050405020304" pitchFamily="18" charset="0"/>
-                  </a:defRPr>
-                </a:lvl1pPr>
-              </a:lstStyle>
-              <a:p>
-                <a14:m>
-                  <m:oMath xmlns:m="http://schemas.openxmlformats.org/officeDocument/2006/math">
-                    <m:r>
-                      <m:rPr>
-                        <m:sty m:val="p"/>
-                      </m:rPr>
-                      <a:rPr lang="en-US" altLang="zh-CN" sz="1000" i="0">
-                        <a:latin typeface="Cambria Math" panose="02040503050406030204" pitchFamily="18" charset="0"/>
-                      </a:rPr>
-                      <m:t>T</m:t>
-                    </m:r>
-                  </m:oMath>
-                </a14:m>
-                <a:r>
-                  <a:rPr lang="en-US" altLang="zh-CN" sz="1000" i="0" dirty="0"/>
-                  <a:t>P</a:t>
-                </a:r>
-                <a:endParaRPr lang="zh-CN" altLang="en-US" sz="1000" i="0" dirty="0"/>
-              </a:p>
-            </p:txBody>
-          </p:sp>
-        </mc:Choice>
-        <mc:Fallback>
-          <p:sp>
-            <p:nvSpPr>
-              <p:cNvPr id="69" name="文本框 68">
-                <a:extLst>
-                  <a:ext uri="{FF2B5EF4-FFF2-40B4-BE49-F238E27FC236}">
-                    <a16:creationId xmlns:a16="http://schemas.microsoft.com/office/drawing/2014/main" id="{0479F240-79A3-244A-24A5-CACABEFE9C08}"/>
-                  </a:ext>
-                </a:extLst>
-              </p:cNvPr>
-              <p:cNvSpPr txBox="1">
-                <a:spLocks noRot="1" noChangeAspect="1" noMove="1" noResize="1" noEditPoints="1" noAdjustHandles="1" noChangeArrowheads="1" noChangeShapeType="1" noTextEdit="1"/>
-              </p:cNvSpPr>
-              <p:nvPr/>
-            </p:nvSpPr>
-            <p:spPr>
-              <a:xfrm rot="16200000">
-                <a:off x="2835047" y="5816353"/>
-                <a:ext cx="271893" cy="166712"/>
-              </a:xfrm>
-              <a:prstGeom prst="rect">
-                <a:avLst/>
-              </a:prstGeom>
-              <a:blipFill>
-                <a:blip r:embed="rId8"/>
-                <a:stretch>
-                  <a:fillRect l="-18519" r="-48148" b="-13333"/>
-                </a:stretch>
-              </a:blipFill>
-            </p:spPr>
-            <p:txBody>
-              <a:bodyPr/>
-              <a:lstStyle/>
-              <a:p>
-                <a:r>
-                  <a:rPr lang="zh-CN" altLang="en-US">
-                    <a:noFill/>
-                  </a:rPr>
-                  <a:t> </a:t>
-                </a:r>
-              </a:p>
-            </p:txBody>
-          </p:sp>
-        </mc:Fallback>
-      </mc:AlternateContent>
-      <p:sp>
-        <p:nvSpPr>
-          <p:cNvPr id="70" name="文本框 69">
+            <a:endParaRPr lang="zh-CN" altLang="en-US" sz="1600" i="0" dirty="0">
+              <a:latin typeface="Cambria Math" panose="02040503050406030204" pitchFamily="18" charset="0"/>
+            </a:endParaRPr>
+          </a:p>
+        </p:txBody>
+      </p:sp>
+      <p:cxnSp>
+        <p:nvCxnSpPr>
+          <p:cNvPr id="29" name="直接连接符 28">
             <a:extLst>
               <a:ext uri="{FF2B5EF4-FFF2-40B4-BE49-F238E27FC236}">
-                <a16:creationId xmlns:a16="http://schemas.microsoft.com/office/drawing/2014/main" id="{252403DD-DFE2-9CF7-079B-7A63EBA1BCFA}"/>
+                <a16:creationId xmlns:a16="http://schemas.microsoft.com/office/drawing/2014/main" id="{E6C464DC-AFE2-E63F-82A7-FD3AA34CB8B3}"/>
+              </a:ext>
+            </a:extLst>
+          </p:cNvPr>
+          <p:cNvCxnSpPr>
+            <a:cxnSpLocks/>
+          </p:cNvCxnSpPr>
+          <p:nvPr/>
+        </p:nvCxnSpPr>
+        <p:spPr>
+          <a:xfrm>
+            <a:off x="2749551" y="7040055"/>
+            <a:ext cx="3193242" cy="0"/>
+          </a:xfrm>
+          <a:prstGeom prst="line">
+            <a:avLst/>
+          </a:prstGeom>
+        </p:spPr>
+        <p:style>
+          <a:lnRef idx="1">
+            <a:schemeClr val="dk1"/>
+          </a:lnRef>
+          <a:fillRef idx="0">
+            <a:schemeClr val="dk1"/>
+          </a:fillRef>
+          <a:effectRef idx="0">
+            <a:schemeClr val="dk1"/>
+          </a:effectRef>
+          <a:fontRef idx="minor">
+            <a:schemeClr val="tx1"/>
+          </a:fontRef>
+        </p:style>
+      </p:cxnSp>
+      <p:sp>
+        <p:nvSpPr>
+          <p:cNvPr id="30" name="文本框 29">
+            <a:extLst>
+              <a:ext uri="{FF2B5EF4-FFF2-40B4-BE49-F238E27FC236}">
+                <a16:creationId xmlns:a16="http://schemas.microsoft.com/office/drawing/2014/main" id="{2E5737F5-9916-D84B-F4E2-C060D3A71FF5}"/>
               </a:ext>
             </a:extLst>
           </p:cNvPr>
@@ -56623,9 +56136,9 @@
           <p:nvPr/>
         </p:nvSpPr>
         <p:spPr>
-          <a:xfrm rot="16200000">
-            <a:off x="2757271" y="5884368"/>
-            <a:ext cx="884645" cy="166712"/>
+          <a:xfrm>
+            <a:off x="3968751" y="7054852"/>
+            <a:ext cx="838199" cy="259045"/>
           </a:xfrm>
           <a:prstGeom prst="rect">
             <a:avLst/>
@@ -56654,19 +56167,62 @@
           </a:lstStyle>
           <a:p>
             <a:r>
-              <a:rPr lang="en-US" altLang="zh-CN" sz="1000" i="0" dirty="0"/>
-              <a:t>Size-d(0.1)</a:t>
+              <a:rPr lang="en-US" altLang="zh-CN" sz="1600" i="0" dirty="0">
+                <a:latin typeface="Cambria Math" panose="02040503050406030204" pitchFamily="18" charset="0"/>
+                <a:ea typeface="Cambria Math" panose="02040503050406030204" pitchFamily="18" charset="0"/>
+              </a:rPr>
+              <a:t>Sediment</a:t>
             </a:r>
-            <a:endParaRPr lang="zh-CN" altLang="en-US" sz="1000" i="0" dirty="0"/>
-          </a:p>
-        </p:txBody>
-      </p:sp>
-      <p:sp>
-        <p:nvSpPr>
-          <p:cNvPr id="71" name="文本框 70">
+            <a:endParaRPr lang="zh-CN" altLang="en-US" sz="1600" i="0" dirty="0">
+              <a:latin typeface="Cambria Math" panose="02040503050406030204" pitchFamily="18" charset="0"/>
+            </a:endParaRPr>
+          </a:p>
+        </p:txBody>
+      </p:sp>
+      <p:cxnSp>
+        <p:nvCxnSpPr>
+          <p:cNvPr id="31" name="直接连接符 30">
             <a:extLst>
               <a:ext uri="{FF2B5EF4-FFF2-40B4-BE49-F238E27FC236}">
-                <a16:creationId xmlns:a16="http://schemas.microsoft.com/office/drawing/2014/main" id="{0A85C24E-F33C-6D92-BDA6-1A775303C8C7}"/>
+                <a16:creationId xmlns:a16="http://schemas.microsoft.com/office/drawing/2014/main" id="{037ABF3E-C109-5D4A-68A5-A6AA0459570E}"/>
+              </a:ext>
+            </a:extLst>
+          </p:cNvPr>
+          <p:cNvCxnSpPr>
+            <a:cxnSpLocks/>
+          </p:cNvCxnSpPr>
+          <p:nvPr/>
+        </p:nvCxnSpPr>
+        <p:spPr>
+          <a:xfrm rot="16200000">
+            <a:off x="7025366" y="6210471"/>
+            <a:ext cx="0" cy="1659168"/>
+          </a:xfrm>
+          <a:prstGeom prst="line">
+            <a:avLst/>
+          </a:prstGeom>
+        </p:spPr>
+        <p:style>
+          <a:lnRef idx="1">
+            <a:schemeClr val="dk1"/>
+          </a:lnRef>
+          <a:fillRef idx="0">
+            <a:schemeClr val="dk1"/>
+          </a:fillRef>
+          <a:effectRef idx="0">
+            <a:schemeClr val="dk1"/>
+          </a:effectRef>
+          <a:fontRef idx="minor">
+            <a:schemeClr val="tx1"/>
+          </a:fontRef>
+        </p:style>
+      </p:cxnSp>
+      <p:sp>
+        <p:nvSpPr>
+          <p:cNvPr id="32" name="文本框 31">
+            <a:extLst>
+              <a:ext uri="{FF2B5EF4-FFF2-40B4-BE49-F238E27FC236}">
+                <a16:creationId xmlns:a16="http://schemas.microsoft.com/office/drawing/2014/main" id="{198232D4-A0B0-2A0C-D2DB-9DD0275CFE82}"/>
               </a:ext>
             </a:extLst>
           </p:cNvPr>
@@ -56674,9 +56230,9 @@
           <p:nvPr/>
         </p:nvSpPr>
         <p:spPr>
-          <a:xfrm rot="16200000">
-            <a:off x="2985871" y="5884368"/>
-            <a:ext cx="884645" cy="166712"/>
+          <a:xfrm>
+            <a:off x="6264162" y="7059908"/>
+            <a:ext cx="1474540" cy="259045"/>
           </a:xfrm>
           <a:prstGeom prst="rect">
             <a:avLst/>
@@ -56704,20 +56260,26 @@
             </a:lvl1pPr>
           </a:lstStyle>
           <a:p>
+            <a:pPr algn="ctr"/>
             <a:r>
-              <a:rPr lang="en-US" altLang="zh-CN" sz="1000" i="0" dirty="0"/>
-              <a:t>Size-d(0.5)</a:t>
+              <a:rPr lang="en-US" altLang="zh-CN" sz="1600" i="0" dirty="0">
+                <a:latin typeface="Cambria Math" panose="02040503050406030204" pitchFamily="18" charset="0"/>
+                <a:ea typeface="Cambria Math" panose="02040503050406030204" pitchFamily="18" charset="0"/>
+              </a:rPr>
+              <a:t>Overlying water</a:t>
             </a:r>
-            <a:endParaRPr lang="zh-CN" altLang="en-US" sz="1000" i="0" dirty="0"/>
-          </a:p>
-        </p:txBody>
-      </p:sp>
-      <p:sp>
-        <p:nvSpPr>
-          <p:cNvPr id="72" name="文本框 71">
+            <a:endParaRPr lang="zh-CN" altLang="en-US" sz="1600" i="0" dirty="0">
+              <a:latin typeface="Cambria Math" panose="02040503050406030204" pitchFamily="18" charset="0"/>
+            </a:endParaRPr>
+          </a:p>
+        </p:txBody>
+      </p:sp>
+      <p:sp>
+        <p:nvSpPr>
+          <p:cNvPr id="33" name="object 10">
             <a:extLst>
               <a:ext uri="{FF2B5EF4-FFF2-40B4-BE49-F238E27FC236}">
-                <a16:creationId xmlns:a16="http://schemas.microsoft.com/office/drawing/2014/main" id="{F9E654C3-8836-8196-09A7-CBBEDD6955FA}"/>
+                <a16:creationId xmlns:a16="http://schemas.microsoft.com/office/drawing/2014/main" id="{368A015F-08E4-A9D8-40E1-399AB570CE61}"/>
               </a:ext>
             </a:extLst>
           </p:cNvPr>
@@ -56725,1418 +56287,9 @@
           <p:nvPr/>
         </p:nvSpPr>
         <p:spPr>
-          <a:xfrm rot="16200000">
-            <a:off x="3214471" y="5884368"/>
-            <a:ext cx="884645" cy="166712"/>
-          </a:xfrm>
-          <a:prstGeom prst="rect">
-            <a:avLst/>
-          </a:prstGeom>
-        </p:spPr>
-        <p:txBody>
-          <a:bodyPr vert="horz" wrap="square" lIns="0" tIns="12700" rIns="0" bIns="0" rtlCol="0">
-            <a:spAutoFit/>
-          </a:bodyPr>
-          <a:lstStyle>
-            <a:defPPr>
-              <a:defRPr lang="zh-CN"/>
-            </a:defPPr>
-            <a:lvl1pPr marL="12700">
-              <a:lnSpc>
-                <a:spcPct val="100000"/>
-              </a:lnSpc>
-              <a:spcBef>
-                <a:spcPts val="100"/>
-              </a:spcBef>
-              <a:defRPr sz="1100" i="1">
-                <a:latin typeface="Times New Roman" panose="02020603050405020304" pitchFamily="18" charset="0"/>
-                <a:cs typeface="Times New Roman" panose="02020603050405020304" pitchFamily="18" charset="0"/>
-              </a:defRPr>
-            </a:lvl1pPr>
-          </a:lstStyle>
-          <a:p>
-            <a:r>
-              <a:rPr lang="en-US" altLang="zh-CN" sz="1000" i="0" dirty="0"/>
-              <a:t>Size-d(0.9)</a:t>
-            </a:r>
-            <a:endParaRPr lang="zh-CN" altLang="en-US" sz="1000" i="0" dirty="0"/>
-          </a:p>
-        </p:txBody>
-      </p:sp>
-      <p:sp>
-        <p:nvSpPr>
-          <p:cNvPr id="73" name="文本框 72">
-            <a:extLst>
-              <a:ext uri="{FF2B5EF4-FFF2-40B4-BE49-F238E27FC236}">
-                <a16:creationId xmlns:a16="http://schemas.microsoft.com/office/drawing/2014/main" id="{888D7745-DB8F-9881-F2E1-C5A35C409276}"/>
-              </a:ext>
-            </a:extLst>
-          </p:cNvPr>
-          <p:cNvSpPr txBox="1"/>
-          <p:nvPr/>
-        </p:nvSpPr>
-        <p:spPr>
-          <a:xfrm rot="16200000">
-            <a:off x="3360171" y="6293871"/>
-            <a:ext cx="1050446" cy="166712"/>
-          </a:xfrm>
-          <a:prstGeom prst="rect">
-            <a:avLst/>
-          </a:prstGeom>
-        </p:spPr>
-        <p:txBody>
-          <a:bodyPr vert="horz" wrap="square" lIns="0" tIns="12700" rIns="0" bIns="0" rtlCol="0">
-            <a:spAutoFit/>
-          </a:bodyPr>
-          <a:lstStyle>
-            <a:defPPr>
-              <a:defRPr lang="zh-CN"/>
-            </a:defPPr>
-            <a:lvl1pPr marL="12700">
-              <a:lnSpc>
-                <a:spcPct val="100000"/>
-              </a:lnSpc>
-              <a:spcBef>
-                <a:spcPts val="100"/>
-              </a:spcBef>
-              <a:defRPr sz="1100" i="1">
-                <a:latin typeface="Times New Roman" panose="02020603050405020304" pitchFamily="18" charset="0"/>
-                <a:cs typeface="Times New Roman" panose="02020603050405020304" pitchFamily="18" charset="0"/>
-              </a:defRPr>
-            </a:lvl1pPr>
-          </a:lstStyle>
-          <a:p>
-            <a:r>
-              <a:rPr lang="en-US" altLang="zh-CN" sz="1000" i="0" dirty="0"/>
-              <a:t>Size-d[(0.9-0.1)/0.5]</a:t>
-            </a:r>
-            <a:endParaRPr lang="zh-CN" altLang="en-US" sz="1000" i="0" dirty="0"/>
-          </a:p>
-        </p:txBody>
-      </p:sp>
-      <p:sp>
-        <p:nvSpPr>
-          <p:cNvPr id="74" name="文本框 73">
-            <a:extLst>
-              <a:ext uri="{FF2B5EF4-FFF2-40B4-BE49-F238E27FC236}">
-                <a16:creationId xmlns:a16="http://schemas.microsoft.com/office/drawing/2014/main" id="{A8A84AAF-E1A6-C678-0533-585DF6B4FA50}"/>
-              </a:ext>
-            </a:extLst>
-          </p:cNvPr>
-          <p:cNvSpPr txBox="1"/>
-          <p:nvPr/>
-        </p:nvSpPr>
-        <p:spPr>
-          <a:xfrm rot="16200000">
-            <a:off x="4024651" y="5819664"/>
-            <a:ext cx="178686" cy="166712"/>
-          </a:xfrm>
-          <a:prstGeom prst="rect">
-            <a:avLst/>
-          </a:prstGeom>
-        </p:spPr>
-        <p:txBody>
-          <a:bodyPr vert="horz" wrap="square" lIns="0" tIns="12700" rIns="0" bIns="0" rtlCol="0">
-            <a:spAutoFit/>
-          </a:bodyPr>
-          <a:lstStyle>
-            <a:defPPr>
-              <a:defRPr lang="zh-CN"/>
-            </a:defPPr>
-            <a:lvl1pPr marL="12700">
-              <a:lnSpc>
-                <a:spcPct val="100000"/>
-              </a:lnSpc>
-              <a:spcBef>
-                <a:spcPts val="100"/>
-              </a:spcBef>
-              <a:defRPr sz="1100" i="1">
-                <a:latin typeface="Times New Roman" panose="02020603050405020304" pitchFamily="18" charset="0"/>
-                <a:cs typeface="Times New Roman" panose="02020603050405020304" pitchFamily="18" charset="0"/>
-              </a:defRPr>
-            </a:lvl1pPr>
-          </a:lstStyle>
-          <a:p>
-            <a:r>
-              <a:rPr lang="en-US" altLang="zh-CN" sz="1000" i="0" dirty="0"/>
-              <a:t>FI</a:t>
-            </a:r>
-            <a:endParaRPr lang="zh-CN" altLang="en-US" sz="1000" i="0" dirty="0"/>
-          </a:p>
-        </p:txBody>
-      </p:sp>
-      <p:sp>
-        <p:nvSpPr>
-          <p:cNvPr id="75" name="文本框 74">
-            <a:extLst>
-              <a:ext uri="{FF2B5EF4-FFF2-40B4-BE49-F238E27FC236}">
-                <a16:creationId xmlns:a16="http://schemas.microsoft.com/office/drawing/2014/main" id="{2A9258F0-D84B-6C3A-CD83-86E796803A3C}"/>
-              </a:ext>
-            </a:extLst>
-          </p:cNvPr>
-          <p:cNvSpPr txBox="1"/>
-          <p:nvPr/>
-        </p:nvSpPr>
-        <p:spPr>
-          <a:xfrm rot="16200000">
-            <a:off x="4209213" y="5879420"/>
-            <a:ext cx="266761" cy="166712"/>
-          </a:xfrm>
-          <a:prstGeom prst="rect">
-            <a:avLst/>
-          </a:prstGeom>
-        </p:spPr>
-        <p:txBody>
-          <a:bodyPr vert="horz" wrap="square" lIns="0" tIns="12700" rIns="0" bIns="0" rtlCol="0">
-            <a:spAutoFit/>
-          </a:bodyPr>
-          <a:lstStyle>
-            <a:defPPr>
-              <a:defRPr lang="zh-CN"/>
-            </a:defPPr>
-            <a:lvl1pPr marL="12700">
-              <a:lnSpc>
-                <a:spcPct val="100000"/>
-              </a:lnSpc>
-              <a:spcBef>
-                <a:spcPts val="100"/>
-              </a:spcBef>
-              <a:defRPr sz="1100" i="1">
-                <a:latin typeface="Times New Roman" panose="02020603050405020304" pitchFamily="18" charset="0"/>
-                <a:cs typeface="Times New Roman" panose="02020603050405020304" pitchFamily="18" charset="0"/>
-              </a:defRPr>
-            </a:lvl1pPr>
-          </a:lstStyle>
-          <a:p>
-            <a:r>
-              <a:rPr lang="en-US" altLang="zh-CN" sz="1000" i="0" dirty="0"/>
-              <a:t>BIX</a:t>
-            </a:r>
-            <a:endParaRPr lang="zh-CN" altLang="en-US" sz="1000" i="0" dirty="0"/>
-          </a:p>
-        </p:txBody>
-      </p:sp>
-      <p:sp>
-        <p:nvSpPr>
-          <p:cNvPr id="76" name="文本框 75">
-            <a:extLst>
-              <a:ext uri="{FF2B5EF4-FFF2-40B4-BE49-F238E27FC236}">
-                <a16:creationId xmlns:a16="http://schemas.microsoft.com/office/drawing/2014/main" id="{DE6FCB25-563F-7747-79B2-E05ACD968574}"/>
-              </a:ext>
-            </a:extLst>
-          </p:cNvPr>
-          <p:cNvSpPr txBox="1"/>
-          <p:nvPr/>
-        </p:nvSpPr>
-        <p:spPr>
-          <a:xfrm rot="16200000">
-            <a:off x="4437813" y="5879420"/>
-            <a:ext cx="266761" cy="166712"/>
-          </a:xfrm>
-          <a:prstGeom prst="rect">
-            <a:avLst/>
-          </a:prstGeom>
-        </p:spPr>
-        <p:txBody>
-          <a:bodyPr vert="horz" wrap="square" lIns="0" tIns="12700" rIns="0" bIns="0" rtlCol="0">
-            <a:spAutoFit/>
-          </a:bodyPr>
-          <a:lstStyle>
-            <a:defPPr>
-              <a:defRPr lang="zh-CN"/>
-            </a:defPPr>
-            <a:lvl1pPr marL="12700">
-              <a:lnSpc>
-                <a:spcPct val="100000"/>
-              </a:lnSpc>
-              <a:spcBef>
-                <a:spcPts val="100"/>
-              </a:spcBef>
-              <a:defRPr sz="1100" i="1">
-                <a:latin typeface="Times New Roman" panose="02020603050405020304" pitchFamily="18" charset="0"/>
-                <a:cs typeface="Times New Roman" panose="02020603050405020304" pitchFamily="18" charset="0"/>
-              </a:defRPr>
-            </a:lvl1pPr>
-          </a:lstStyle>
-          <a:p>
-            <a:r>
-              <a:rPr lang="en-US" altLang="zh-CN" sz="1000" i="0" dirty="0"/>
-              <a:t>HIX</a:t>
-            </a:r>
-            <a:endParaRPr lang="zh-CN" altLang="en-US" sz="1000" i="0" dirty="0"/>
-          </a:p>
-        </p:txBody>
-      </p:sp>
-      <p:sp>
-        <p:nvSpPr>
-          <p:cNvPr id="77" name="文本框 76">
-            <a:extLst>
-              <a:ext uri="{FF2B5EF4-FFF2-40B4-BE49-F238E27FC236}">
-                <a16:creationId xmlns:a16="http://schemas.microsoft.com/office/drawing/2014/main" id="{B1F04FE3-E8AE-2409-9F53-410D13979CFA}"/>
-              </a:ext>
-            </a:extLst>
-          </p:cNvPr>
-          <p:cNvSpPr txBox="1"/>
-          <p:nvPr/>
-        </p:nvSpPr>
-        <p:spPr>
-          <a:xfrm rot="16200000">
-            <a:off x="4676135" y="5858911"/>
-            <a:ext cx="247317" cy="166712"/>
-          </a:xfrm>
-          <a:prstGeom prst="rect">
-            <a:avLst/>
-          </a:prstGeom>
-        </p:spPr>
-        <p:txBody>
-          <a:bodyPr vert="horz" wrap="square" lIns="0" tIns="12700" rIns="0" bIns="0" rtlCol="0">
-            <a:spAutoFit/>
-          </a:bodyPr>
-          <a:lstStyle>
-            <a:defPPr>
-              <a:defRPr lang="zh-CN"/>
-            </a:defPPr>
-            <a:lvl1pPr marL="12700">
-              <a:lnSpc>
-                <a:spcPct val="100000"/>
-              </a:lnSpc>
-              <a:spcBef>
-                <a:spcPts val="100"/>
-              </a:spcBef>
-              <a:defRPr sz="1100" i="1">
-                <a:latin typeface="Times New Roman" panose="02020603050405020304" pitchFamily="18" charset="0"/>
-                <a:cs typeface="Times New Roman" panose="02020603050405020304" pitchFamily="18" charset="0"/>
-              </a:defRPr>
-            </a:lvl1pPr>
-          </a:lstStyle>
-          <a:p>
-            <a:r>
-              <a:rPr lang="el-GR" altLang="zh-CN" sz="1000" i="0" dirty="0"/>
-              <a:t>β:α</a:t>
-            </a:r>
-            <a:endParaRPr lang="zh-CN" altLang="en-US" sz="1000" i="0" dirty="0"/>
-          </a:p>
-        </p:txBody>
-      </p:sp>
-      <p:sp>
-        <p:nvSpPr>
-          <p:cNvPr id="78" name="文本框 77">
-            <a:extLst>
-              <a:ext uri="{FF2B5EF4-FFF2-40B4-BE49-F238E27FC236}">
-                <a16:creationId xmlns:a16="http://schemas.microsoft.com/office/drawing/2014/main" id="{28D91D52-A324-F262-465C-5BF668109E10}"/>
-              </a:ext>
-            </a:extLst>
-          </p:cNvPr>
-          <p:cNvSpPr txBox="1"/>
-          <p:nvPr/>
-        </p:nvSpPr>
-        <p:spPr>
-          <a:xfrm rot="16200000">
-            <a:off x="4824811" y="5934024"/>
-            <a:ext cx="407165" cy="166712"/>
-          </a:xfrm>
-          <a:prstGeom prst="rect">
-            <a:avLst/>
-          </a:prstGeom>
-        </p:spPr>
-        <p:txBody>
-          <a:bodyPr vert="horz" wrap="square" lIns="0" tIns="12700" rIns="0" bIns="0" rtlCol="0">
-            <a:spAutoFit/>
-          </a:bodyPr>
-          <a:lstStyle>
-            <a:defPPr>
-              <a:defRPr lang="zh-CN"/>
-            </a:defPPr>
-            <a:lvl1pPr marL="12700">
-              <a:lnSpc>
-                <a:spcPct val="100000"/>
-              </a:lnSpc>
-              <a:spcBef>
-                <a:spcPts val="100"/>
-              </a:spcBef>
-              <a:defRPr sz="1100" i="1">
-                <a:latin typeface="Times New Roman" panose="02020603050405020304" pitchFamily="18" charset="0"/>
-                <a:cs typeface="Times New Roman" panose="02020603050405020304" pitchFamily="18" charset="0"/>
-              </a:defRPr>
-            </a:lvl1pPr>
-          </a:lstStyle>
-          <a:p>
-            <a:r>
-              <a:rPr lang="en-US" altLang="zh-CN" sz="1000" i="0" dirty="0"/>
-              <a:t>Ⅰ-Area</a:t>
-            </a:r>
-            <a:endParaRPr lang="zh-CN" altLang="en-US" sz="1000" i="0" dirty="0"/>
-          </a:p>
-        </p:txBody>
-      </p:sp>
-      <p:sp>
-        <p:nvSpPr>
-          <p:cNvPr id="79" name="文本框 78">
-            <a:extLst>
-              <a:ext uri="{FF2B5EF4-FFF2-40B4-BE49-F238E27FC236}">
-                <a16:creationId xmlns:a16="http://schemas.microsoft.com/office/drawing/2014/main" id="{2B99B61A-5054-B014-14BC-34188012DE80}"/>
-              </a:ext>
-            </a:extLst>
-          </p:cNvPr>
-          <p:cNvSpPr txBox="1"/>
-          <p:nvPr/>
-        </p:nvSpPr>
-        <p:spPr>
-          <a:xfrm rot="16200000">
-            <a:off x="5053411" y="5956080"/>
-            <a:ext cx="407165" cy="166712"/>
-          </a:xfrm>
-          <a:prstGeom prst="rect">
-            <a:avLst/>
-          </a:prstGeom>
-        </p:spPr>
-        <p:txBody>
-          <a:bodyPr vert="horz" wrap="square" lIns="0" tIns="12700" rIns="0" bIns="0" rtlCol="0">
-            <a:spAutoFit/>
-          </a:bodyPr>
-          <a:lstStyle>
-            <a:defPPr>
-              <a:defRPr lang="zh-CN"/>
-            </a:defPPr>
-            <a:lvl1pPr marL="12700">
-              <a:lnSpc>
-                <a:spcPct val="100000"/>
-              </a:lnSpc>
-              <a:spcBef>
-                <a:spcPts val="100"/>
-              </a:spcBef>
-              <a:defRPr sz="1100" i="1">
-                <a:latin typeface="Times New Roman" panose="02020603050405020304" pitchFamily="18" charset="0"/>
-                <a:cs typeface="Times New Roman" panose="02020603050405020304" pitchFamily="18" charset="0"/>
-              </a:defRPr>
-            </a:lvl1pPr>
-          </a:lstStyle>
-          <a:p>
-            <a:r>
-              <a:rPr lang="en-US" altLang="zh-CN" sz="1000" i="0" dirty="0"/>
-              <a:t>Ⅱ-Area</a:t>
-            </a:r>
-            <a:endParaRPr lang="zh-CN" altLang="en-US" sz="1000" i="0" dirty="0"/>
-          </a:p>
-        </p:txBody>
-      </p:sp>
-      <p:sp>
-        <p:nvSpPr>
-          <p:cNvPr id="80" name="文本框 79">
-            <a:extLst>
-              <a:ext uri="{FF2B5EF4-FFF2-40B4-BE49-F238E27FC236}">
-                <a16:creationId xmlns:a16="http://schemas.microsoft.com/office/drawing/2014/main" id="{D9883E24-798A-D22C-8826-F982E4AC1B18}"/>
-              </a:ext>
-            </a:extLst>
-          </p:cNvPr>
-          <p:cNvSpPr txBox="1"/>
-          <p:nvPr/>
-        </p:nvSpPr>
-        <p:spPr>
-          <a:xfrm rot="16200000">
-            <a:off x="5248740" y="5956081"/>
-            <a:ext cx="473707" cy="166712"/>
-          </a:xfrm>
-          <a:prstGeom prst="rect">
-            <a:avLst/>
-          </a:prstGeom>
-        </p:spPr>
-        <p:txBody>
-          <a:bodyPr vert="horz" wrap="square" lIns="0" tIns="12700" rIns="0" bIns="0" rtlCol="0">
-            <a:spAutoFit/>
-          </a:bodyPr>
-          <a:lstStyle>
-            <a:defPPr>
-              <a:defRPr lang="zh-CN"/>
-            </a:defPPr>
-            <a:lvl1pPr marL="12700">
-              <a:lnSpc>
-                <a:spcPct val="100000"/>
-              </a:lnSpc>
-              <a:spcBef>
-                <a:spcPts val="100"/>
-              </a:spcBef>
-              <a:defRPr sz="1100" i="1">
-                <a:latin typeface="Times New Roman" panose="02020603050405020304" pitchFamily="18" charset="0"/>
-                <a:cs typeface="Times New Roman" panose="02020603050405020304" pitchFamily="18" charset="0"/>
-              </a:defRPr>
-            </a:lvl1pPr>
-          </a:lstStyle>
-          <a:p>
-            <a:r>
-              <a:rPr lang="en-US" altLang="zh-CN" sz="1000" i="0" dirty="0"/>
-              <a:t>Ⅲ-Area</a:t>
-            </a:r>
-            <a:endParaRPr lang="zh-CN" altLang="en-US" sz="1000" i="0" dirty="0"/>
-          </a:p>
-        </p:txBody>
-      </p:sp>
-      <p:sp>
-        <p:nvSpPr>
-          <p:cNvPr id="81" name="文本框 80">
-            <a:extLst>
-              <a:ext uri="{FF2B5EF4-FFF2-40B4-BE49-F238E27FC236}">
-                <a16:creationId xmlns:a16="http://schemas.microsoft.com/office/drawing/2014/main" id="{A4BB1AED-7594-045D-6FEC-E065647D56CC}"/>
-              </a:ext>
-            </a:extLst>
-          </p:cNvPr>
-          <p:cNvSpPr txBox="1"/>
-          <p:nvPr/>
-        </p:nvSpPr>
-        <p:spPr>
-          <a:xfrm rot="16200000">
-            <a:off x="5491653" y="5966434"/>
-            <a:ext cx="473707" cy="166712"/>
-          </a:xfrm>
-          <a:prstGeom prst="rect">
-            <a:avLst/>
-          </a:prstGeom>
-        </p:spPr>
-        <p:txBody>
-          <a:bodyPr vert="horz" wrap="square" lIns="0" tIns="12700" rIns="0" bIns="0" rtlCol="0">
-            <a:spAutoFit/>
-          </a:bodyPr>
-          <a:lstStyle>
-            <a:defPPr>
-              <a:defRPr lang="zh-CN"/>
-            </a:defPPr>
-            <a:lvl1pPr marL="12700">
-              <a:lnSpc>
-                <a:spcPct val="100000"/>
-              </a:lnSpc>
-              <a:spcBef>
-                <a:spcPts val="100"/>
-              </a:spcBef>
-              <a:defRPr sz="1100" i="1">
-                <a:latin typeface="Times New Roman" panose="02020603050405020304" pitchFamily="18" charset="0"/>
-                <a:cs typeface="Times New Roman" panose="02020603050405020304" pitchFamily="18" charset="0"/>
-              </a:defRPr>
-            </a:lvl1pPr>
-          </a:lstStyle>
-          <a:p>
-            <a:r>
-              <a:rPr lang="en-US" altLang="zh-CN" sz="1000" i="0" dirty="0"/>
-              <a:t>Ⅳ-Area</a:t>
-            </a:r>
-            <a:endParaRPr lang="zh-CN" altLang="en-US" sz="1000" i="0" dirty="0"/>
-          </a:p>
-        </p:txBody>
-      </p:sp>
-      <p:sp>
-        <p:nvSpPr>
-          <p:cNvPr id="82" name="文本框 81">
-            <a:extLst>
-              <a:ext uri="{FF2B5EF4-FFF2-40B4-BE49-F238E27FC236}">
-                <a16:creationId xmlns:a16="http://schemas.microsoft.com/office/drawing/2014/main" id="{ADB189F1-8AE8-1567-079E-FD605DB6D8D2}"/>
-              </a:ext>
-            </a:extLst>
-          </p:cNvPr>
-          <p:cNvSpPr txBox="1"/>
-          <p:nvPr/>
-        </p:nvSpPr>
-        <p:spPr>
-          <a:xfrm rot="16200000">
-            <a:off x="5739211" y="5956082"/>
-            <a:ext cx="407165" cy="166712"/>
-          </a:xfrm>
-          <a:prstGeom prst="rect">
-            <a:avLst/>
-          </a:prstGeom>
-        </p:spPr>
-        <p:txBody>
-          <a:bodyPr vert="horz" wrap="square" lIns="0" tIns="12700" rIns="0" bIns="0" rtlCol="0">
-            <a:spAutoFit/>
-          </a:bodyPr>
-          <a:lstStyle>
-            <a:defPPr>
-              <a:defRPr lang="zh-CN"/>
-            </a:defPPr>
-            <a:lvl1pPr marL="12700">
-              <a:lnSpc>
-                <a:spcPct val="100000"/>
-              </a:lnSpc>
-              <a:spcBef>
-                <a:spcPts val="100"/>
-              </a:spcBef>
-              <a:defRPr sz="1100" i="1">
-                <a:latin typeface="Times New Roman" panose="02020603050405020304" pitchFamily="18" charset="0"/>
-                <a:cs typeface="Times New Roman" panose="02020603050405020304" pitchFamily="18" charset="0"/>
-              </a:defRPr>
-            </a:lvl1pPr>
-          </a:lstStyle>
-          <a:p>
-            <a:r>
-              <a:rPr lang="en-US" altLang="zh-CN" sz="1000" i="0" dirty="0"/>
-              <a:t>Ⅴ-Area</a:t>
-            </a:r>
-            <a:endParaRPr lang="zh-CN" altLang="en-US" sz="1000" i="0" dirty="0"/>
-          </a:p>
-        </p:txBody>
-      </p:sp>
-      <p:sp>
-        <p:nvSpPr>
-          <p:cNvPr id="83" name="文本框 82">
-            <a:extLst>
-              <a:ext uri="{FF2B5EF4-FFF2-40B4-BE49-F238E27FC236}">
-                <a16:creationId xmlns:a16="http://schemas.microsoft.com/office/drawing/2014/main" id="{567A2ED3-0D03-2F0E-5A02-D953BD733A0F}"/>
-              </a:ext>
-            </a:extLst>
-          </p:cNvPr>
-          <p:cNvSpPr txBox="1"/>
-          <p:nvPr/>
-        </p:nvSpPr>
-        <p:spPr>
-          <a:xfrm rot="16200000">
-            <a:off x="6082051" y="5846153"/>
-            <a:ext cx="178686" cy="166712"/>
-          </a:xfrm>
-          <a:prstGeom prst="rect">
-            <a:avLst/>
-          </a:prstGeom>
-        </p:spPr>
-        <p:txBody>
-          <a:bodyPr vert="horz" wrap="square" lIns="0" tIns="12700" rIns="0" bIns="0" rtlCol="0">
-            <a:spAutoFit/>
-          </a:bodyPr>
-          <a:lstStyle>
-            <a:defPPr>
-              <a:defRPr lang="zh-CN"/>
-            </a:defPPr>
-            <a:lvl1pPr marL="12700">
-              <a:lnSpc>
-                <a:spcPct val="100000"/>
-              </a:lnSpc>
-              <a:spcBef>
-                <a:spcPts val="100"/>
-              </a:spcBef>
-              <a:defRPr sz="1100" i="1">
-                <a:latin typeface="Times New Roman" panose="02020603050405020304" pitchFamily="18" charset="0"/>
-                <a:cs typeface="Times New Roman" panose="02020603050405020304" pitchFamily="18" charset="0"/>
-              </a:defRPr>
-            </a:lvl1pPr>
-          </a:lstStyle>
-          <a:p>
-            <a:r>
-              <a:rPr lang="en-US" altLang="zh-CN" sz="1000" i="0" dirty="0"/>
-              <a:t>pH</a:t>
-            </a:r>
-            <a:endParaRPr lang="zh-CN" altLang="en-US" sz="1000" i="0" dirty="0"/>
-          </a:p>
-        </p:txBody>
-      </p:sp>
-      <p:sp>
-        <p:nvSpPr>
-          <p:cNvPr id="84" name="文本框 83">
-            <a:extLst>
-              <a:ext uri="{FF2B5EF4-FFF2-40B4-BE49-F238E27FC236}">
-                <a16:creationId xmlns:a16="http://schemas.microsoft.com/office/drawing/2014/main" id="{BCEC4687-951A-3E3B-90FF-258498E61F3E}"/>
-              </a:ext>
-            </a:extLst>
-          </p:cNvPr>
-          <p:cNvSpPr txBox="1"/>
-          <p:nvPr/>
-        </p:nvSpPr>
-        <p:spPr>
-          <a:xfrm rot="16200000">
-            <a:off x="6304578" y="5844981"/>
-            <a:ext cx="219456" cy="166712"/>
-          </a:xfrm>
-          <a:prstGeom prst="rect">
-            <a:avLst/>
-          </a:prstGeom>
-        </p:spPr>
-        <p:txBody>
-          <a:bodyPr vert="horz" wrap="square" lIns="0" tIns="12700" rIns="0" bIns="0" rtlCol="0">
-            <a:spAutoFit/>
-          </a:bodyPr>
-          <a:lstStyle>
-            <a:defPPr>
-              <a:defRPr lang="zh-CN"/>
-            </a:defPPr>
-            <a:lvl1pPr marL="12700">
-              <a:lnSpc>
-                <a:spcPct val="100000"/>
-              </a:lnSpc>
-              <a:spcBef>
-                <a:spcPts val="100"/>
-              </a:spcBef>
-              <a:defRPr sz="1100" i="1">
-                <a:latin typeface="Times New Roman" panose="02020603050405020304" pitchFamily="18" charset="0"/>
-                <a:cs typeface="Times New Roman" panose="02020603050405020304" pitchFamily="18" charset="0"/>
-              </a:defRPr>
-            </a:lvl1pPr>
-          </a:lstStyle>
-          <a:p>
-            <a:r>
-              <a:rPr lang="en-US" altLang="zh-CN" sz="1000" i="0" dirty="0"/>
-              <a:t>DO</a:t>
-            </a:r>
-            <a:endParaRPr lang="zh-CN" altLang="en-US" sz="1000" i="0" dirty="0"/>
-          </a:p>
-        </p:txBody>
-      </p:sp>
-      <p:sp>
-        <p:nvSpPr>
-          <p:cNvPr id="85" name="文本框 84">
-            <a:extLst>
-              <a:ext uri="{FF2B5EF4-FFF2-40B4-BE49-F238E27FC236}">
-                <a16:creationId xmlns:a16="http://schemas.microsoft.com/office/drawing/2014/main" id="{295E192E-D681-A2D8-7D3A-540A75E1AA6B}"/>
-              </a:ext>
-            </a:extLst>
-          </p:cNvPr>
-          <p:cNvSpPr txBox="1"/>
-          <p:nvPr/>
-        </p:nvSpPr>
-        <p:spPr>
-          <a:xfrm rot="16200000">
-            <a:off x="6533178" y="5844820"/>
-            <a:ext cx="219456" cy="166712"/>
-          </a:xfrm>
-          <a:prstGeom prst="rect">
-            <a:avLst/>
-          </a:prstGeom>
-        </p:spPr>
-        <p:txBody>
-          <a:bodyPr vert="horz" wrap="square" lIns="0" tIns="12700" rIns="0" bIns="0" rtlCol="0">
-            <a:spAutoFit/>
-          </a:bodyPr>
-          <a:lstStyle>
-            <a:defPPr>
-              <a:defRPr lang="zh-CN"/>
-            </a:defPPr>
-            <a:lvl1pPr marL="12700">
-              <a:lnSpc>
-                <a:spcPct val="100000"/>
-              </a:lnSpc>
-              <a:spcBef>
-                <a:spcPts val="100"/>
-              </a:spcBef>
-              <a:defRPr sz="1100" i="1">
-                <a:latin typeface="Times New Roman" panose="02020603050405020304" pitchFamily="18" charset="0"/>
-                <a:cs typeface="Times New Roman" panose="02020603050405020304" pitchFamily="18" charset="0"/>
-              </a:defRPr>
-            </a:lvl1pPr>
-          </a:lstStyle>
-          <a:p>
-            <a:r>
-              <a:rPr lang="en-US" altLang="zh-CN" sz="1000" i="0" dirty="0"/>
-              <a:t>TN</a:t>
-            </a:r>
-            <a:endParaRPr lang="zh-CN" altLang="en-US" sz="1000" i="0" dirty="0"/>
-          </a:p>
-        </p:txBody>
-      </p:sp>
-      <mc:AlternateContent xmlns:mc="http://schemas.openxmlformats.org/markup-compatibility/2006">
-        <mc:Choice xmlns:a14="http://schemas.microsoft.com/office/drawing/2010/main" Requires="a14">
-          <p:sp>
-            <p:nvSpPr>
-              <p:cNvPr id="86" name="文本框 85">
-                <a:extLst>
-                  <a:ext uri="{FF2B5EF4-FFF2-40B4-BE49-F238E27FC236}">
-                    <a16:creationId xmlns:a16="http://schemas.microsoft.com/office/drawing/2014/main" id="{2E91A8EB-B801-48D1-F0AA-68BDF07FD866}"/>
-                  </a:ext>
-                </a:extLst>
-              </p:cNvPr>
-              <p:cNvSpPr txBox="1"/>
-              <p:nvPr/>
-            </p:nvSpPr>
-            <p:spPr>
-              <a:xfrm rot="16200000">
-                <a:off x="6809735" y="5885404"/>
-                <a:ext cx="247317" cy="166712"/>
-              </a:xfrm>
-              <a:prstGeom prst="rect">
-                <a:avLst/>
-              </a:prstGeom>
-            </p:spPr>
-            <p:txBody>
-              <a:bodyPr vert="horz" wrap="square" lIns="0" tIns="12700" rIns="0" bIns="0" rtlCol="0">
-                <a:spAutoFit/>
-              </a:bodyPr>
-              <a:lstStyle>
-                <a:defPPr>
-                  <a:defRPr lang="zh-CN"/>
-                </a:defPPr>
-                <a:lvl1pPr marL="12700">
-                  <a:lnSpc>
-                    <a:spcPct val="100000"/>
-                  </a:lnSpc>
-                  <a:spcBef>
-                    <a:spcPts val="100"/>
-                  </a:spcBef>
-                  <a:defRPr sz="1100" i="1">
-                    <a:latin typeface="Times New Roman" panose="02020603050405020304" pitchFamily="18" charset="0"/>
-                    <a:cs typeface="Times New Roman" panose="02020603050405020304" pitchFamily="18" charset="0"/>
-                  </a:defRPr>
-                </a:lvl1pPr>
-              </a:lstStyle>
-              <a:p>
-                <a:pPr/>
-                <a14:m>
-                  <m:oMathPara xmlns:m="http://schemas.openxmlformats.org/officeDocument/2006/math">
-                    <m:oMathParaPr>
-                      <m:jc m:val="centerGroup"/>
-                    </m:oMathParaPr>
-                    <m:oMath xmlns:m="http://schemas.openxmlformats.org/officeDocument/2006/math">
-                      <m:sSubSup>
-                        <m:sSubSupPr>
-                          <m:ctrlPr>
-                            <a:rPr lang="en-US" altLang="zh-CN" sz="1000" i="1">
-                              <a:latin typeface="Cambria Math" panose="02040503050406030204" pitchFamily="18" charset="0"/>
-                            </a:rPr>
-                          </m:ctrlPr>
-                        </m:sSubSupPr>
-                        <m:e>
-                          <m:r>
-                            <a:rPr lang="en-US" altLang="zh-CN" sz="1000">
-                              <a:latin typeface="Cambria Math" panose="02040503050406030204" pitchFamily="18" charset="0"/>
-                            </a:rPr>
-                            <m:t>𝑁𝑂</m:t>
-                          </m:r>
-                        </m:e>
-                        <m:sub>
-                          <m:r>
-                            <a:rPr lang="en-US" altLang="zh-CN" sz="1000">
-                              <a:latin typeface="Cambria Math" panose="02040503050406030204" pitchFamily="18" charset="0"/>
-                            </a:rPr>
-                            <m:t>2</m:t>
-                          </m:r>
-                        </m:sub>
-                        <m:sup>
-                          <m:r>
-                            <a:rPr lang="en-US" altLang="zh-CN" sz="1000">
-                              <a:latin typeface="Cambria Math" panose="02040503050406030204" pitchFamily="18" charset="0"/>
-                            </a:rPr>
-                            <m:t>−</m:t>
-                          </m:r>
-                        </m:sup>
-                      </m:sSubSup>
-                    </m:oMath>
-                  </m:oMathPara>
-                </a14:m>
-                <a:endParaRPr lang="zh-CN" altLang="en-US" sz="1000" dirty="0"/>
-              </a:p>
-            </p:txBody>
-          </p:sp>
-        </mc:Choice>
-        <mc:Fallback>
-          <p:sp>
-            <p:nvSpPr>
-              <p:cNvPr id="86" name="文本框 85">
-                <a:extLst>
-                  <a:ext uri="{FF2B5EF4-FFF2-40B4-BE49-F238E27FC236}">
-                    <a16:creationId xmlns:a16="http://schemas.microsoft.com/office/drawing/2014/main" id="{2E91A8EB-B801-48D1-F0AA-68BDF07FD866}"/>
-                  </a:ext>
-                </a:extLst>
-              </p:cNvPr>
-              <p:cNvSpPr txBox="1">
-                <a:spLocks noRot="1" noChangeAspect="1" noMove="1" noResize="1" noEditPoints="1" noAdjustHandles="1" noChangeArrowheads="1" noChangeShapeType="1" noTextEdit="1"/>
-              </p:cNvSpPr>
-              <p:nvPr/>
-            </p:nvSpPr>
-            <p:spPr>
-              <a:xfrm rot="16200000">
-                <a:off x="6809735" y="5885404"/>
-                <a:ext cx="247317" cy="166712"/>
-              </a:xfrm>
-              <a:prstGeom prst="rect">
-                <a:avLst/>
-              </a:prstGeom>
-              <a:blipFill>
-                <a:blip r:embed="rId9"/>
-                <a:stretch>
-                  <a:fillRect t="-15000" r="-18519" b="-15000"/>
-                </a:stretch>
-              </a:blipFill>
-            </p:spPr>
-            <p:txBody>
-              <a:bodyPr/>
-              <a:lstStyle/>
-              <a:p>
-                <a:r>
-                  <a:rPr lang="zh-CN" altLang="en-US">
-                    <a:noFill/>
-                  </a:rPr>
-                  <a:t> </a:t>
-                </a:r>
-              </a:p>
-            </p:txBody>
-          </p:sp>
-        </mc:Fallback>
-      </mc:AlternateContent>
-      <mc:AlternateContent xmlns:mc="http://schemas.openxmlformats.org/markup-compatibility/2006">
-        <mc:Choice xmlns:a14="http://schemas.microsoft.com/office/drawing/2010/main" Requires="a14">
-          <p:sp>
-            <p:nvSpPr>
-              <p:cNvPr id="87" name="文本框 86">
-                <a:extLst>
-                  <a:ext uri="{FF2B5EF4-FFF2-40B4-BE49-F238E27FC236}">
-                    <a16:creationId xmlns:a16="http://schemas.microsoft.com/office/drawing/2014/main" id="{5F67FDAE-009A-8F50-5659-3C35CC8CEB6B}"/>
-                  </a:ext>
-                </a:extLst>
-              </p:cNvPr>
-              <p:cNvSpPr txBox="1"/>
-              <p:nvPr/>
-            </p:nvSpPr>
-            <p:spPr>
-              <a:xfrm rot="16200000">
-                <a:off x="7038335" y="5902779"/>
-                <a:ext cx="247318" cy="166712"/>
-              </a:xfrm>
-              <a:prstGeom prst="rect">
-                <a:avLst/>
-              </a:prstGeom>
-            </p:spPr>
-            <p:txBody>
-              <a:bodyPr vert="horz" wrap="square" lIns="0" tIns="12700" rIns="0" bIns="0" rtlCol="0">
-                <a:spAutoFit/>
-              </a:bodyPr>
-              <a:lstStyle>
-                <a:defPPr>
-                  <a:defRPr lang="zh-CN"/>
-                </a:defPPr>
-                <a:lvl1pPr marL="12700">
-                  <a:lnSpc>
-                    <a:spcPct val="100000"/>
-                  </a:lnSpc>
-                  <a:spcBef>
-                    <a:spcPts val="100"/>
-                  </a:spcBef>
-                  <a:defRPr sz="1100" i="1">
-                    <a:latin typeface="Times New Roman" panose="02020603050405020304" pitchFamily="18" charset="0"/>
-                    <a:cs typeface="Times New Roman" panose="02020603050405020304" pitchFamily="18" charset="0"/>
-                  </a:defRPr>
-                </a:lvl1pPr>
-              </a:lstStyle>
-              <a:p>
-                <a:pPr/>
-                <a14:m>
-                  <m:oMathPara xmlns:m="http://schemas.openxmlformats.org/officeDocument/2006/math">
-                    <m:oMathParaPr>
-                      <m:jc m:val="centerGroup"/>
-                    </m:oMathParaPr>
-                    <m:oMath xmlns:m="http://schemas.openxmlformats.org/officeDocument/2006/math">
-                      <m:sSubSup>
-                        <m:sSubSupPr>
-                          <m:ctrlPr>
-                            <a:rPr lang="en-US" altLang="zh-CN" sz="1000" i="1">
-                              <a:latin typeface="Cambria Math" panose="02040503050406030204" pitchFamily="18" charset="0"/>
-                            </a:rPr>
-                          </m:ctrlPr>
-                        </m:sSubSupPr>
-                        <m:e>
-                          <m:r>
-                            <a:rPr lang="en-US" altLang="zh-CN" sz="1000">
-                              <a:latin typeface="Cambria Math" panose="02040503050406030204" pitchFamily="18" charset="0"/>
-                            </a:rPr>
-                            <m:t>𝑁𝑂</m:t>
-                          </m:r>
-                        </m:e>
-                        <m:sub>
-                          <m:r>
-                            <a:rPr lang="en-US" altLang="zh-CN" sz="1000">
-                              <a:latin typeface="Cambria Math" panose="02040503050406030204" pitchFamily="18" charset="0"/>
-                            </a:rPr>
-                            <m:t>3</m:t>
-                          </m:r>
-                        </m:sub>
-                        <m:sup>
-                          <m:r>
-                            <a:rPr lang="en-US" altLang="zh-CN" sz="1000">
-                              <a:latin typeface="Cambria Math" panose="02040503050406030204" pitchFamily="18" charset="0"/>
-                            </a:rPr>
-                            <m:t>−</m:t>
-                          </m:r>
-                        </m:sup>
-                      </m:sSubSup>
-                    </m:oMath>
-                  </m:oMathPara>
-                </a14:m>
-                <a:endParaRPr lang="zh-CN" altLang="en-US" sz="1000" dirty="0"/>
-              </a:p>
-            </p:txBody>
-          </p:sp>
-        </mc:Choice>
-        <mc:Fallback>
-          <p:sp>
-            <p:nvSpPr>
-              <p:cNvPr id="87" name="文本框 86">
-                <a:extLst>
-                  <a:ext uri="{FF2B5EF4-FFF2-40B4-BE49-F238E27FC236}">
-                    <a16:creationId xmlns:a16="http://schemas.microsoft.com/office/drawing/2014/main" id="{5F67FDAE-009A-8F50-5659-3C35CC8CEB6B}"/>
-                  </a:ext>
-                </a:extLst>
-              </p:cNvPr>
-              <p:cNvSpPr txBox="1">
-                <a:spLocks noRot="1" noChangeAspect="1" noMove="1" noResize="1" noEditPoints="1" noAdjustHandles="1" noChangeArrowheads="1" noChangeShapeType="1" noTextEdit="1"/>
-              </p:cNvSpPr>
-              <p:nvPr/>
-            </p:nvSpPr>
-            <p:spPr>
-              <a:xfrm rot="16200000">
-                <a:off x="7038335" y="5902779"/>
-                <a:ext cx="247318" cy="166712"/>
-              </a:xfrm>
-              <a:prstGeom prst="rect">
-                <a:avLst/>
-              </a:prstGeom>
-              <a:blipFill>
-                <a:blip r:embed="rId10"/>
-                <a:stretch>
-                  <a:fillRect t="-15000" r="-14286" b="-15000"/>
-                </a:stretch>
-              </a:blipFill>
-            </p:spPr>
-            <p:txBody>
-              <a:bodyPr/>
-              <a:lstStyle/>
-              <a:p>
-                <a:r>
-                  <a:rPr lang="zh-CN" altLang="en-US">
-                    <a:noFill/>
-                  </a:rPr>
-                  <a:t> </a:t>
-                </a:r>
-              </a:p>
-            </p:txBody>
-          </p:sp>
-        </mc:Fallback>
-      </mc:AlternateContent>
-      <mc:AlternateContent xmlns:mc="http://schemas.openxmlformats.org/markup-compatibility/2006">
-        <mc:Choice xmlns:a14="http://schemas.microsoft.com/office/drawing/2010/main" Requires="a14">
-          <p:sp>
-            <p:nvSpPr>
-              <p:cNvPr id="88" name="文本框 87">
-                <a:extLst>
-                  <a:ext uri="{FF2B5EF4-FFF2-40B4-BE49-F238E27FC236}">
-                    <a16:creationId xmlns:a16="http://schemas.microsoft.com/office/drawing/2014/main" id="{E354DB2B-5039-3DC6-0780-D7A5EC6F2E90}"/>
-                  </a:ext>
-                </a:extLst>
-              </p:cNvPr>
-              <p:cNvSpPr txBox="1"/>
-              <p:nvPr/>
-            </p:nvSpPr>
-            <p:spPr>
-              <a:xfrm rot="16200000">
-                <a:off x="7268051" y="5910129"/>
-                <a:ext cx="245086" cy="166712"/>
-              </a:xfrm>
-              <a:prstGeom prst="rect">
-                <a:avLst/>
-              </a:prstGeom>
-            </p:spPr>
-            <p:txBody>
-              <a:bodyPr vert="horz" wrap="square" lIns="0" tIns="12700" rIns="0" bIns="0" rtlCol="0">
-                <a:spAutoFit/>
-              </a:bodyPr>
-              <a:lstStyle>
-                <a:defPPr>
-                  <a:defRPr lang="zh-CN"/>
-                </a:defPPr>
-                <a:lvl1pPr marL="12700">
-                  <a:lnSpc>
-                    <a:spcPct val="100000"/>
-                  </a:lnSpc>
-                  <a:spcBef>
-                    <a:spcPts val="100"/>
-                  </a:spcBef>
-                  <a:defRPr sz="1100" i="1">
-                    <a:latin typeface="Times New Roman" panose="02020603050405020304" pitchFamily="18" charset="0"/>
-                    <a:cs typeface="Times New Roman" panose="02020603050405020304" pitchFamily="18" charset="0"/>
-                  </a:defRPr>
-                </a:lvl1pPr>
-              </a:lstStyle>
-              <a:p>
-                <a:pPr/>
-                <a14:m>
-                  <m:oMathPara xmlns:m="http://schemas.openxmlformats.org/officeDocument/2006/math">
-                    <m:oMathParaPr>
-                      <m:jc m:val="centerGroup"/>
-                    </m:oMathParaPr>
-                    <m:oMath xmlns:m="http://schemas.openxmlformats.org/officeDocument/2006/math">
-                      <m:sSubSup>
-                        <m:sSubSupPr>
-                          <m:ctrlPr>
-                            <a:rPr lang="en-US" altLang="zh-CN" sz="1000" i="1">
-                              <a:latin typeface="Cambria Math" panose="02040503050406030204" pitchFamily="18" charset="0"/>
-                            </a:rPr>
-                          </m:ctrlPr>
-                        </m:sSubSupPr>
-                        <m:e>
-                          <m:r>
-                            <a:rPr lang="en-US" altLang="zh-CN" sz="1000">
-                              <a:latin typeface="Cambria Math" panose="02040503050406030204" pitchFamily="18" charset="0"/>
-                            </a:rPr>
-                            <m:t>𝑁𝐻</m:t>
-                          </m:r>
-                        </m:e>
-                        <m:sub>
-                          <m:r>
-                            <a:rPr lang="en-US" altLang="zh-CN" sz="1000">
-                              <a:latin typeface="Cambria Math" panose="02040503050406030204" pitchFamily="18" charset="0"/>
-                            </a:rPr>
-                            <m:t>4</m:t>
-                          </m:r>
-                        </m:sub>
-                        <m:sup>
-                          <m:r>
-                            <a:rPr lang="en-US" altLang="zh-CN" sz="1000">
-                              <a:latin typeface="Cambria Math" panose="02040503050406030204" pitchFamily="18" charset="0"/>
-                            </a:rPr>
-                            <m:t>+</m:t>
-                          </m:r>
-                        </m:sup>
-                      </m:sSubSup>
-                    </m:oMath>
-                  </m:oMathPara>
-                </a14:m>
-                <a:endParaRPr lang="zh-CN" altLang="en-US" sz="1000" dirty="0"/>
-              </a:p>
-            </p:txBody>
-          </p:sp>
-        </mc:Choice>
-        <mc:Fallback>
-          <p:sp>
-            <p:nvSpPr>
-              <p:cNvPr id="88" name="文本框 87">
-                <a:extLst>
-                  <a:ext uri="{FF2B5EF4-FFF2-40B4-BE49-F238E27FC236}">
-                    <a16:creationId xmlns:a16="http://schemas.microsoft.com/office/drawing/2014/main" id="{E354DB2B-5039-3DC6-0780-D7A5EC6F2E90}"/>
-                  </a:ext>
-                </a:extLst>
-              </p:cNvPr>
-              <p:cNvSpPr txBox="1">
-                <a:spLocks noRot="1" noChangeAspect="1" noMove="1" noResize="1" noEditPoints="1" noAdjustHandles="1" noChangeArrowheads="1" noChangeShapeType="1" noTextEdit="1"/>
-              </p:cNvSpPr>
-              <p:nvPr/>
-            </p:nvSpPr>
-            <p:spPr>
-              <a:xfrm rot="16200000">
-                <a:off x="7268051" y="5910129"/>
-                <a:ext cx="245086" cy="166712"/>
-              </a:xfrm>
-              <a:prstGeom prst="rect">
-                <a:avLst/>
-              </a:prstGeom>
-              <a:blipFill>
-                <a:blip r:embed="rId11"/>
-                <a:stretch>
-                  <a:fillRect t="-22500" r="-18519" b="-15000"/>
-                </a:stretch>
-              </a:blipFill>
-            </p:spPr>
-            <p:txBody>
-              <a:bodyPr/>
-              <a:lstStyle/>
-              <a:p>
-                <a:r>
-                  <a:rPr lang="zh-CN" altLang="en-US">
-                    <a:noFill/>
-                  </a:rPr>
-                  <a:t> </a:t>
-                </a:r>
-              </a:p>
-            </p:txBody>
-          </p:sp>
-        </mc:Fallback>
-      </mc:AlternateContent>
-      <p:sp>
-        <p:nvSpPr>
-          <p:cNvPr id="89" name="文本框 88">
-            <a:extLst>
-              <a:ext uri="{FF2B5EF4-FFF2-40B4-BE49-F238E27FC236}">
-                <a16:creationId xmlns:a16="http://schemas.microsoft.com/office/drawing/2014/main" id="{04BE5CF7-BBE7-B560-7154-BAF566F5621A}"/>
-              </a:ext>
-            </a:extLst>
-          </p:cNvPr>
-          <p:cNvSpPr txBox="1"/>
-          <p:nvPr/>
-        </p:nvSpPr>
-        <p:spPr>
-          <a:xfrm rot="16200000">
-            <a:off x="7463984" y="5892260"/>
-            <a:ext cx="310420" cy="166712"/>
-          </a:xfrm>
-          <a:prstGeom prst="rect">
-            <a:avLst/>
-          </a:prstGeom>
-        </p:spPr>
-        <p:txBody>
-          <a:bodyPr vert="horz" wrap="square" lIns="0" tIns="12700" rIns="0" bIns="0" rtlCol="0">
-            <a:spAutoFit/>
-          </a:bodyPr>
-          <a:lstStyle>
-            <a:defPPr>
-              <a:defRPr lang="zh-CN"/>
-            </a:defPPr>
-            <a:lvl1pPr marL="12700">
-              <a:lnSpc>
-                <a:spcPct val="100000"/>
-              </a:lnSpc>
-              <a:spcBef>
-                <a:spcPts val="100"/>
-              </a:spcBef>
-              <a:defRPr sz="1100" i="1">
-                <a:latin typeface="Times New Roman" panose="02020603050405020304" pitchFamily="18" charset="0"/>
-                <a:cs typeface="Times New Roman" panose="02020603050405020304" pitchFamily="18" charset="0"/>
-              </a:defRPr>
-            </a:lvl1pPr>
-          </a:lstStyle>
-          <a:p>
-            <a:r>
-              <a:rPr lang="en-US" altLang="zh-CN" sz="1000" i="0" dirty="0"/>
-              <a:t>COD</a:t>
-            </a:r>
-            <a:endParaRPr lang="zh-CN" altLang="en-US" sz="1000" i="0" dirty="0"/>
-          </a:p>
-        </p:txBody>
-      </p:sp>
-      <p:sp>
-        <p:nvSpPr>
-          <p:cNvPr id="90" name="文本框 89">
-            <a:extLst>
-              <a:ext uri="{FF2B5EF4-FFF2-40B4-BE49-F238E27FC236}">
-                <a16:creationId xmlns:a16="http://schemas.microsoft.com/office/drawing/2014/main" id="{324E3286-0FB5-9231-4714-F86B59F59EBD}"/>
-              </a:ext>
-            </a:extLst>
-          </p:cNvPr>
-          <p:cNvSpPr txBox="1"/>
-          <p:nvPr/>
-        </p:nvSpPr>
-        <p:spPr>
-          <a:xfrm rot="16200000">
-            <a:off x="7815697" y="5826082"/>
-            <a:ext cx="64193" cy="166712"/>
-          </a:xfrm>
-          <a:prstGeom prst="rect">
-            <a:avLst/>
-          </a:prstGeom>
-        </p:spPr>
-        <p:txBody>
-          <a:bodyPr vert="horz" wrap="square" lIns="0" tIns="12700" rIns="0" bIns="0" rtlCol="0">
-            <a:spAutoFit/>
-          </a:bodyPr>
-          <a:lstStyle>
-            <a:defPPr>
-              <a:defRPr lang="zh-CN"/>
-            </a:defPPr>
-            <a:lvl1pPr marL="12700">
-              <a:lnSpc>
-                <a:spcPct val="100000"/>
-              </a:lnSpc>
-              <a:spcBef>
-                <a:spcPts val="100"/>
-              </a:spcBef>
-              <a:defRPr sz="1100" i="1">
-                <a:latin typeface="Times New Roman" panose="02020603050405020304" pitchFamily="18" charset="0"/>
-                <a:cs typeface="Times New Roman" panose="02020603050405020304" pitchFamily="18" charset="0"/>
-              </a:defRPr>
-            </a:lvl1pPr>
-          </a:lstStyle>
-          <a:p>
-            <a:r>
-              <a:rPr lang="en-US" altLang="zh-CN" sz="1000" i="0" dirty="0"/>
-              <a:t>T</a:t>
-            </a:r>
-            <a:endParaRPr lang="zh-CN" altLang="en-US" sz="1000" i="0" dirty="0"/>
-          </a:p>
-        </p:txBody>
-      </p:sp>
-      <p:cxnSp>
-        <p:nvCxnSpPr>
-          <p:cNvPr id="91" name="直接连接符 90">
-            <a:extLst>
-              <a:ext uri="{FF2B5EF4-FFF2-40B4-BE49-F238E27FC236}">
-                <a16:creationId xmlns:a16="http://schemas.microsoft.com/office/drawing/2014/main" id="{1D06575B-A824-14F8-60C8-8FE20C60AB6B}"/>
-              </a:ext>
-            </a:extLst>
-          </p:cNvPr>
-          <p:cNvCxnSpPr>
-            <a:cxnSpLocks/>
-          </p:cNvCxnSpPr>
-          <p:nvPr/>
-        </p:nvCxnSpPr>
-        <p:spPr>
-          <a:xfrm>
-            <a:off x="2749551" y="6978651"/>
-            <a:ext cx="3193242" cy="0"/>
-          </a:xfrm>
-          <a:prstGeom prst="line">
-            <a:avLst/>
-          </a:prstGeom>
-        </p:spPr>
-        <p:style>
-          <a:lnRef idx="1">
-            <a:schemeClr val="dk1"/>
-          </a:lnRef>
-          <a:fillRef idx="0">
-            <a:schemeClr val="dk1"/>
-          </a:fillRef>
-          <a:effectRef idx="0">
-            <a:schemeClr val="dk1"/>
-          </a:effectRef>
-          <a:fontRef idx="minor">
-            <a:schemeClr val="tx1"/>
-          </a:fontRef>
-        </p:style>
-      </p:cxnSp>
-      <p:sp>
-        <p:nvSpPr>
-          <p:cNvPr id="92" name="文本框 91">
-            <a:extLst>
-              <a:ext uri="{FF2B5EF4-FFF2-40B4-BE49-F238E27FC236}">
-                <a16:creationId xmlns:a16="http://schemas.microsoft.com/office/drawing/2014/main" id="{1BF0C382-8B74-9EAF-A5AC-0CE1590496E7}"/>
-              </a:ext>
-            </a:extLst>
-          </p:cNvPr>
-          <p:cNvSpPr txBox="1"/>
-          <p:nvPr/>
-        </p:nvSpPr>
-        <p:spPr>
-          <a:xfrm>
-            <a:off x="3968751" y="6993448"/>
-            <a:ext cx="838199" cy="166712"/>
-          </a:xfrm>
-          <a:prstGeom prst="rect">
-            <a:avLst/>
-          </a:prstGeom>
-        </p:spPr>
-        <p:txBody>
-          <a:bodyPr vert="horz" wrap="square" lIns="0" tIns="12700" rIns="0" bIns="0" rtlCol="0">
-            <a:spAutoFit/>
-          </a:bodyPr>
-          <a:lstStyle>
-            <a:defPPr>
-              <a:defRPr lang="zh-CN"/>
-            </a:defPPr>
-            <a:lvl1pPr marL="12700">
-              <a:lnSpc>
-                <a:spcPct val="100000"/>
-              </a:lnSpc>
-              <a:spcBef>
-                <a:spcPts val="100"/>
-              </a:spcBef>
-              <a:defRPr sz="1100" i="1">
-                <a:latin typeface="Times New Roman" panose="02020603050405020304" pitchFamily="18" charset="0"/>
-                <a:cs typeface="Times New Roman" panose="02020603050405020304" pitchFamily="18" charset="0"/>
-              </a:defRPr>
-            </a:lvl1pPr>
-          </a:lstStyle>
-          <a:p>
-            <a:r>
-              <a:rPr lang="en-US" altLang="zh-CN" sz="1000" i="0" dirty="0"/>
-              <a:t>Sediment</a:t>
-            </a:r>
-            <a:endParaRPr lang="zh-CN" altLang="en-US" sz="1000" i="0" dirty="0"/>
-          </a:p>
-        </p:txBody>
-      </p:sp>
-      <p:cxnSp>
-        <p:nvCxnSpPr>
-          <p:cNvPr id="93" name="直接连接符 92">
-            <a:extLst>
-              <a:ext uri="{FF2B5EF4-FFF2-40B4-BE49-F238E27FC236}">
-                <a16:creationId xmlns:a16="http://schemas.microsoft.com/office/drawing/2014/main" id="{87FDAF36-B7B9-9D83-28D0-5E15DC375B06}"/>
-              </a:ext>
-            </a:extLst>
-          </p:cNvPr>
-          <p:cNvCxnSpPr>
-            <a:cxnSpLocks/>
-          </p:cNvCxnSpPr>
-          <p:nvPr/>
-        </p:nvCxnSpPr>
-        <p:spPr>
-          <a:xfrm rot="16200000">
-            <a:off x="7025366" y="6149067"/>
-            <a:ext cx="0" cy="1659168"/>
-          </a:xfrm>
-          <a:prstGeom prst="line">
-            <a:avLst/>
-          </a:prstGeom>
-        </p:spPr>
-        <p:style>
-          <a:lnRef idx="1">
-            <a:schemeClr val="dk1"/>
-          </a:lnRef>
-          <a:fillRef idx="0">
-            <a:schemeClr val="dk1"/>
-          </a:fillRef>
-          <a:effectRef idx="0">
-            <a:schemeClr val="dk1"/>
-          </a:effectRef>
-          <a:fontRef idx="minor">
-            <a:schemeClr val="tx1"/>
-          </a:fontRef>
-        </p:style>
-      </p:cxnSp>
-      <p:sp>
-        <p:nvSpPr>
-          <p:cNvPr id="94" name="文本框 93">
-            <a:extLst>
-              <a:ext uri="{FF2B5EF4-FFF2-40B4-BE49-F238E27FC236}">
-                <a16:creationId xmlns:a16="http://schemas.microsoft.com/office/drawing/2014/main" id="{2D86A943-6B43-35AC-6402-E565F88C5FC5}"/>
-              </a:ext>
-            </a:extLst>
-          </p:cNvPr>
-          <p:cNvSpPr txBox="1"/>
-          <p:nvPr/>
-        </p:nvSpPr>
-        <p:spPr>
-          <a:xfrm>
-            <a:off x="6497169" y="6993447"/>
-            <a:ext cx="1095032" cy="166712"/>
-          </a:xfrm>
-          <a:prstGeom prst="rect">
-            <a:avLst/>
-          </a:prstGeom>
-        </p:spPr>
-        <p:txBody>
-          <a:bodyPr vert="horz" wrap="square" lIns="0" tIns="12700" rIns="0" bIns="0" rtlCol="0">
-            <a:spAutoFit/>
-          </a:bodyPr>
-          <a:lstStyle>
-            <a:defPPr>
-              <a:defRPr lang="zh-CN"/>
-            </a:defPPr>
-            <a:lvl1pPr marL="12700">
-              <a:lnSpc>
-                <a:spcPct val="100000"/>
-              </a:lnSpc>
-              <a:spcBef>
-                <a:spcPts val="100"/>
-              </a:spcBef>
-              <a:defRPr sz="1100" i="1">
-                <a:latin typeface="Times New Roman" panose="02020603050405020304" pitchFamily="18" charset="0"/>
-                <a:cs typeface="Times New Roman" panose="02020603050405020304" pitchFamily="18" charset="0"/>
-              </a:defRPr>
-            </a:lvl1pPr>
-          </a:lstStyle>
-          <a:p>
-            <a:pPr algn="ctr"/>
-            <a:r>
-              <a:rPr lang="en-US" altLang="zh-CN" sz="1000" i="0" dirty="0"/>
-              <a:t>Overlying water</a:t>
-            </a:r>
-            <a:endParaRPr lang="zh-CN" altLang="en-US" sz="1000" i="0" dirty="0"/>
-          </a:p>
-        </p:txBody>
-      </p:sp>
-      <p:sp>
-        <p:nvSpPr>
-          <p:cNvPr id="95" name="object 10">
-            <a:extLst>
-              <a:ext uri="{FF2B5EF4-FFF2-40B4-BE49-F238E27FC236}">
-                <a16:creationId xmlns:a16="http://schemas.microsoft.com/office/drawing/2014/main" id="{98B1FEFE-0A2D-4955-3478-B63085E6D3CB}"/>
-              </a:ext>
-            </a:extLst>
-          </p:cNvPr>
-          <p:cNvSpPr txBox="1"/>
-          <p:nvPr/>
-        </p:nvSpPr>
-        <p:spPr>
-          <a:xfrm>
-            <a:off x="8222483" y="5799340"/>
-            <a:ext cx="1007725" cy="182101"/>
+          <a:xfrm>
+            <a:off x="8007350" y="6026071"/>
+            <a:ext cx="1007725" cy="259045"/>
           </a:xfrm>
           <a:prstGeom prst="rect">
             <a:avLst/>
@@ -58154,22 +56307,25 @@
               </a:spcBef>
             </a:pPr>
             <a:r>
-              <a:rPr sz="1100" spc="-10" dirty="0">
-                <a:latin typeface="Times New Roman" panose="02020603050405020304" pitchFamily="18" charset="0"/>
+              <a:rPr sz="1600" spc="-10" dirty="0">
+                <a:latin typeface="Cambria Math" panose="02040503050406030204" pitchFamily="18" charset="0"/>
+                <a:ea typeface="Cambria Math" panose="02040503050406030204" pitchFamily="18" charset="0"/>
                 <a:cs typeface="Times New Roman" panose="02020603050405020304" pitchFamily="18" charset="0"/>
               </a:rPr>
               <a:t>Mantel's</a:t>
             </a:r>
             <a:r>
-              <a:rPr sz="1100" spc="-60" dirty="0">
-                <a:latin typeface="Times New Roman" panose="02020603050405020304" pitchFamily="18" charset="0"/>
+              <a:rPr sz="1600" spc="-60" dirty="0">
+                <a:latin typeface="Cambria Math" panose="02040503050406030204" pitchFamily="18" charset="0"/>
+                <a:ea typeface="Cambria Math" panose="02040503050406030204" pitchFamily="18" charset="0"/>
                 <a:cs typeface="Times New Roman" panose="02020603050405020304" pitchFamily="18" charset="0"/>
               </a:rPr>
               <a:t> </a:t>
             </a:r>
             <a:r>
-              <a:rPr sz="1100" dirty="0">
-                <a:latin typeface="Times New Roman" panose="02020603050405020304" pitchFamily="18" charset="0"/>
+              <a:rPr sz="1600" dirty="0">
+                <a:latin typeface="Cambria Math" panose="02040503050406030204" pitchFamily="18" charset="0"/>
+                <a:ea typeface="Cambria Math" panose="02040503050406030204" pitchFamily="18" charset="0"/>
                 <a:cs typeface="Times New Roman" panose="02020603050405020304" pitchFamily="18" charset="0"/>
               </a:rPr>
               <a:t>p</a:t>
@@ -58179,10 +56335,10 @@
       </p:sp>
       <p:graphicFrame>
         <p:nvGraphicFramePr>
-          <p:cNvPr id="96" name="object 11">
+          <p:cNvPr id="34" name="object 11">
             <a:extLst>
               <a:ext uri="{FF2B5EF4-FFF2-40B4-BE49-F238E27FC236}">
-                <a16:creationId xmlns:a16="http://schemas.microsoft.com/office/drawing/2014/main" id="{A5EAEA8C-56FE-728E-F197-B0A32C7BF4BA}"/>
+                <a16:creationId xmlns:a16="http://schemas.microsoft.com/office/drawing/2014/main" id="{DA4D35CB-28A9-95CB-5224-CC14EB4A865A}"/>
               </a:ext>
             </a:extLst>
           </p:cNvPr>
@@ -58192,13 +56348,13 @@
           <p:nvPr>
             <p:extLst>
               <p:ext uri="{D42A27DB-BD31-4B8C-83A1-F6EECF244321}">
-                <p14:modId xmlns:p14="http://schemas.microsoft.com/office/powerpoint/2010/main" val="3832506375"/>
+                <p14:modId xmlns:p14="http://schemas.microsoft.com/office/powerpoint/2010/main" val="4236908316"/>
               </p:ext>
             </p:extLst>
           </p:nvPr>
         </p:nvGraphicFramePr>
         <p:xfrm>
-          <a:off x="8249780" y="6094249"/>
+          <a:off x="8173580" y="6320461"/>
           <a:ext cx="219710" cy="872034"/>
         </p:xfrm>
         <a:graphic>
@@ -58227,7 +56383,7 @@
                           <a:spcPct val="100000"/>
                         </a:lnSpc>
                       </a:pPr>
-                      <a:endParaRPr sz="500">
+                      <a:endParaRPr sz="500" dirty="0">
                         <a:latin typeface="Times New Roman"/>
                         <a:cs typeface="Times New Roman"/>
                       </a:endParaRPr>
@@ -58374,10 +56530,10 @@
       </p:graphicFrame>
       <p:sp>
         <p:nvSpPr>
-          <p:cNvPr id="97" name="object 12">
+          <p:cNvPr id="35" name="object 12">
             <a:extLst>
               <a:ext uri="{FF2B5EF4-FFF2-40B4-BE49-F238E27FC236}">
-                <a16:creationId xmlns:a16="http://schemas.microsoft.com/office/drawing/2014/main" id="{AFE37BDA-7B75-E366-503D-0D45818E3D5A}"/>
+                <a16:creationId xmlns:a16="http://schemas.microsoft.com/office/drawing/2014/main" id="{161711C1-7A81-5047-2C74-2A17B05C3389}"/>
               </a:ext>
             </a:extLst>
           </p:cNvPr>
@@ -58386,8 +56542,8 @@
         </p:nvSpPr>
         <p:spPr>
           <a:xfrm>
-            <a:off x="8535619" y="6108589"/>
-            <a:ext cx="1107962" cy="687368"/>
+            <a:off x="8432815" y="6280700"/>
+            <a:ext cx="1107962" cy="918200"/>
           </a:xfrm>
           <a:prstGeom prst="rect">
             <a:avLst/>
@@ -58405,22 +56561,25 @@
               </a:spcBef>
             </a:pPr>
             <a:r>
-              <a:rPr sz="1100" dirty="0">
-                <a:latin typeface="Times New Roman" panose="02020603050405020304" pitchFamily="18" charset="0"/>
+              <a:rPr sz="1600" dirty="0">
+                <a:latin typeface="Cambria Math" panose="02040503050406030204" pitchFamily="18" charset="0"/>
+                <a:ea typeface="Cambria Math" panose="02040503050406030204" pitchFamily="18" charset="0"/>
                 <a:cs typeface="Times New Roman" panose="02020603050405020304" pitchFamily="18" charset="0"/>
               </a:rPr>
               <a:t>&lt;</a:t>
             </a:r>
             <a:r>
-              <a:rPr sz="1100" spc="-14" dirty="0">
-                <a:latin typeface="Times New Roman" panose="02020603050405020304" pitchFamily="18" charset="0"/>
+              <a:rPr sz="1600" spc="-14" dirty="0">
+                <a:latin typeface="Cambria Math" panose="02040503050406030204" pitchFamily="18" charset="0"/>
+                <a:ea typeface="Cambria Math" panose="02040503050406030204" pitchFamily="18" charset="0"/>
                 <a:cs typeface="Times New Roman" panose="02020603050405020304" pitchFamily="18" charset="0"/>
               </a:rPr>
               <a:t> </a:t>
             </a:r>
             <a:r>
-              <a:rPr sz="1100" dirty="0">
-                <a:latin typeface="Times New Roman" panose="02020603050405020304" pitchFamily="18" charset="0"/>
+              <a:rPr sz="1600" dirty="0">
+                <a:latin typeface="Cambria Math" panose="02040503050406030204" pitchFamily="18" charset="0"/>
+                <a:ea typeface="Cambria Math" panose="02040503050406030204" pitchFamily="18" charset="0"/>
                 <a:cs typeface="Times New Roman" panose="02020603050405020304" pitchFamily="18" charset="0"/>
               </a:rPr>
               <a:t>0.01</a:t>
@@ -58433,22 +56592,25 @@
               </a:spcBef>
             </a:pPr>
             <a:r>
-              <a:rPr sz="1100" dirty="0">
-                <a:latin typeface="Times New Roman" panose="02020603050405020304" pitchFamily="18" charset="0"/>
+              <a:rPr sz="1600" dirty="0">
+                <a:latin typeface="Cambria Math" panose="02040503050406030204" pitchFamily="18" charset="0"/>
+                <a:ea typeface="Cambria Math" panose="02040503050406030204" pitchFamily="18" charset="0"/>
                 <a:cs typeface="Times New Roman" panose="02020603050405020304" pitchFamily="18" charset="0"/>
               </a:rPr>
               <a:t>0.01 −</a:t>
             </a:r>
             <a:r>
-              <a:rPr sz="1100" spc="-85" dirty="0">
-                <a:latin typeface="Times New Roman" panose="02020603050405020304" pitchFamily="18" charset="0"/>
+              <a:rPr sz="1600" spc="-85" dirty="0">
+                <a:latin typeface="Cambria Math" panose="02040503050406030204" pitchFamily="18" charset="0"/>
+                <a:ea typeface="Cambria Math" panose="02040503050406030204" pitchFamily="18" charset="0"/>
                 <a:cs typeface="Times New Roman" panose="02020603050405020304" pitchFamily="18" charset="0"/>
               </a:rPr>
               <a:t> </a:t>
             </a:r>
             <a:r>
-              <a:rPr sz="1100" dirty="0">
-                <a:latin typeface="Times New Roman" panose="02020603050405020304" pitchFamily="18" charset="0"/>
+              <a:rPr sz="1600" dirty="0">
+                <a:latin typeface="Cambria Math" panose="02040503050406030204" pitchFamily="18" charset="0"/>
+                <a:ea typeface="Cambria Math" panose="02040503050406030204" pitchFamily="18" charset="0"/>
                 <a:cs typeface="Times New Roman" panose="02020603050405020304" pitchFamily="18" charset="0"/>
               </a:rPr>
               <a:t>0.05</a:t>
@@ -58461,22 +56623,25 @@
               </a:spcBef>
             </a:pPr>
             <a:r>
-              <a:rPr sz="1100" dirty="0">
-                <a:latin typeface="Times New Roman" panose="02020603050405020304" pitchFamily="18" charset="0"/>
+              <a:rPr sz="1600" dirty="0">
+                <a:latin typeface="Cambria Math" panose="02040503050406030204" pitchFamily="18" charset="0"/>
+                <a:ea typeface="Cambria Math" panose="02040503050406030204" pitchFamily="18" charset="0"/>
                 <a:cs typeface="Times New Roman" panose="02020603050405020304" pitchFamily="18" charset="0"/>
               </a:rPr>
               <a:t>&gt;=</a:t>
             </a:r>
             <a:r>
-              <a:rPr sz="1100" spc="-14" dirty="0">
-                <a:latin typeface="Times New Roman" panose="02020603050405020304" pitchFamily="18" charset="0"/>
+              <a:rPr sz="1600" spc="-14" dirty="0">
+                <a:latin typeface="Cambria Math" panose="02040503050406030204" pitchFamily="18" charset="0"/>
+                <a:ea typeface="Cambria Math" panose="02040503050406030204" pitchFamily="18" charset="0"/>
                 <a:cs typeface="Times New Roman" panose="02020603050405020304" pitchFamily="18" charset="0"/>
               </a:rPr>
               <a:t> </a:t>
             </a:r>
             <a:r>
-              <a:rPr sz="1100" dirty="0">
-                <a:latin typeface="Times New Roman" panose="02020603050405020304" pitchFamily="18" charset="0"/>
+              <a:rPr sz="1600" dirty="0">
+                <a:latin typeface="Cambria Math" panose="02040503050406030204" pitchFamily="18" charset="0"/>
+                <a:ea typeface="Cambria Math" panose="02040503050406030204" pitchFamily="18" charset="0"/>
                 <a:cs typeface="Times New Roman" panose="02020603050405020304" pitchFamily="18" charset="0"/>
               </a:rPr>
               <a:t>0.05</a:t>
@@ -58486,10 +56651,10 @@
       </p:sp>
       <p:sp>
         <p:nvSpPr>
-          <p:cNvPr id="98" name="object 13">
+          <p:cNvPr id="36" name="object 13">
             <a:extLst>
               <a:ext uri="{FF2B5EF4-FFF2-40B4-BE49-F238E27FC236}">
-                <a16:creationId xmlns:a16="http://schemas.microsoft.com/office/drawing/2014/main" id="{57D54CF0-FA74-BD8B-3E81-5A5340D0F960}"/>
+                <a16:creationId xmlns:a16="http://schemas.microsoft.com/office/drawing/2014/main" id="{A7A55AD4-4FD8-4652-F332-ECBABC20ABDC}"/>
               </a:ext>
             </a:extLst>
           </p:cNvPr>
@@ -58498,8 +56663,8 @@
         </p:nvSpPr>
         <p:spPr>
           <a:xfrm>
-            <a:off x="9587995" y="5804686"/>
-            <a:ext cx="930091" cy="182101"/>
+            <a:off x="9372862" y="6031417"/>
+            <a:ext cx="930091" cy="259045"/>
           </a:xfrm>
           <a:prstGeom prst="rect">
             <a:avLst/>
@@ -58528,7 +56693,10 @@
           </a:lstStyle>
           <a:p>
             <a:r>
-              <a:rPr dirty="0"/>
+              <a:rPr sz="1600" dirty="0">
+                <a:latin typeface="Cambria Math" panose="02040503050406030204" pitchFamily="18" charset="0"/>
+                <a:ea typeface="Cambria Math" panose="02040503050406030204" pitchFamily="18" charset="0"/>
+              </a:rPr>
               <a:t>Mantel's r</a:t>
             </a:r>
           </a:p>
@@ -58536,10 +56704,10 @@
       </p:sp>
       <p:grpSp>
         <p:nvGrpSpPr>
-          <p:cNvPr id="99" name="组合 98">
+          <p:cNvPr id="118" name="组合 117">
             <a:extLst>
               <a:ext uri="{FF2B5EF4-FFF2-40B4-BE49-F238E27FC236}">
-                <a16:creationId xmlns:a16="http://schemas.microsoft.com/office/drawing/2014/main" id="{A0254377-2E48-A26D-9E22-8B5229DF8E7F}"/>
+                <a16:creationId xmlns:a16="http://schemas.microsoft.com/office/drawing/2014/main" id="{A810C474-8DEA-3395-4088-9D509DAAF014}"/>
               </a:ext>
             </a:extLst>
           </p:cNvPr>
@@ -58548,7 +56716,7 @@
         </p:nvGrpSpPr>
         <p:grpSpPr>
           <a:xfrm>
-            <a:off x="9620620" y="6094500"/>
+            <a:off x="9544420" y="6320712"/>
             <a:ext cx="219710" cy="884150"/>
             <a:chOff x="9390887" y="6320028"/>
             <a:chExt cx="219710" cy="658622"/>
@@ -58556,10 +56724,10 @@
         </p:grpSpPr>
         <p:sp>
           <p:nvSpPr>
-            <p:cNvPr id="100" name="object 14">
+            <p:cNvPr id="119" name="object 14">
               <a:extLst>
                 <a:ext uri="{FF2B5EF4-FFF2-40B4-BE49-F238E27FC236}">
-                  <a16:creationId xmlns:a16="http://schemas.microsoft.com/office/drawing/2014/main" id="{9A7C2B98-06D8-2557-B85C-F94702EA9F24}"/>
+                  <a16:creationId xmlns:a16="http://schemas.microsoft.com/office/drawing/2014/main" id="{F228317F-8C85-A7E1-A4EC-AE896BE39155}"/>
                 </a:ext>
               </a:extLst>
             </p:cNvPr>
@@ -58606,8 +56774,9 @@
             <a:bodyPr wrap="square" lIns="0" tIns="0" rIns="0" bIns="0" rtlCol="0"/>
             <a:lstStyle/>
             <a:p>
-              <a:endParaRPr sz="1100">
-                <a:latin typeface="Times New Roman" panose="02020603050405020304" pitchFamily="18" charset="0"/>
+              <a:endParaRPr sz="1600">
+                <a:latin typeface="Cambria Math" panose="02040503050406030204" pitchFamily="18" charset="0"/>
+                <a:ea typeface="Cambria Math" panose="02040503050406030204" pitchFamily="18" charset="0"/>
                 <a:cs typeface="Times New Roman" panose="02020603050405020304" pitchFamily="18" charset="0"/>
               </a:endParaRPr>
             </a:p>
@@ -58615,10 +56784,10 @@
         </p:sp>
         <p:sp>
           <p:nvSpPr>
-            <p:cNvPr id="101" name="object 15">
+            <p:cNvPr id="120" name="object 15">
               <a:extLst>
                 <a:ext uri="{FF2B5EF4-FFF2-40B4-BE49-F238E27FC236}">
-                  <a16:creationId xmlns:a16="http://schemas.microsoft.com/office/drawing/2014/main" id="{8D7945CE-213B-E94C-2C0D-295A5007D3F6}"/>
+                  <a16:creationId xmlns:a16="http://schemas.microsoft.com/office/drawing/2014/main" id="{5BEB537E-C923-9ACA-CE87-6007435708CC}"/>
                 </a:ext>
               </a:extLst>
             </p:cNvPr>
@@ -58657,8 +56826,9 @@
             <a:bodyPr wrap="square" lIns="0" tIns="0" rIns="0" bIns="0" rtlCol="0"/>
             <a:lstStyle/>
             <a:p>
-              <a:endParaRPr sz="1100">
-                <a:latin typeface="Times New Roman" panose="02020603050405020304" pitchFamily="18" charset="0"/>
+              <a:endParaRPr sz="1600">
+                <a:latin typeface="Cambria Math" panose="02040503050406030204" pitchFamily="18" charset="0"/>
+                <a:ea typeface="Cambria Math" panose="02040503050406030204" pitchFamily="18" charset="0"/>
                 <a:cs typeface="Times New Roman" panose="02020603050405020304" pitchFamily="18" charset="0"/>
               </a:endParaRPr>
             </a:p>
@@ -58666,10 +56836,10 @@
         </p:sp>
         <p:sp>
           <p:nvSpPr>
-            <p:cNvPr id="102" name="object 16">
+            <p:cNvPr id="121" name="object 16">
               <a:extLst>
                 <a:ext uri="{FF2B5EF4-FFF2-40B4-BE49-F238E27FC236}">
-                  <a16:creationId xmlns:a16="http://schemas.microsoft.com/office/drawing/2014/main" id="{86CA8EE8-6994-5C35-10CA-F5AA54434C61}"/>
+                  <a16:creationId xmlns:a16="http://schemas.microsoft.com/office/drawing/2014/main" id="{457A882C-2AC7-E523-2C1C-9480FF7B57FE}"/>
                 </a:ext>
               </a:extLst>
             </p:cNvPr>
@@ -58716,8 +56886,9 @@
             <a:bodyPr wrap="square" lIns="0" tIns="0" rIns="0" bIns="0" rtlCol="0"/>
             <a:lstStyle/>
             <a:p>
-              <a:endParaRPr sz="1100">
-                <a:latin typeface="Times New Roman" panose="02020603050405020304" pitchFamily="18" charset="0"/>
+              <a:endParaRPr sz="1600">
+                <a:latin typeface="Cambria Math" panose="02040503050406030204" pitchFamily="18" charset="0"/>
+                <a:ea typeface="Cambria Math" panose="02040503050406030204" pitchFamily="18" charset="0"/>
                 <a:cs typeface="Times New Roman" panose="02020603050405020304" pitchFamily="18" charset="0"/>
               </a:endParaRPr>
             </a:p>
@@ -58725,10 +56896,10 @@
         </p:sp>
         <p:sp>
           <p:nvSpPr>
-            <p:cNvPr id="103" name="object 17">
+            <p:cNvPr id="122" name="object 17">
               <a:extLst>
                 <a:ext uri="{FF2B5EF4-FFF2-40B4-BE49-F238E27FC236}">
-                  <a16:creationId xmlns:a16="http://schemas.microsoft.com/office/drawing/2014/main" id="{E036524F-2F41-78A4-AFFF-E71C768C381E}"/>
+                  <a16:creationId xmlns:a16="http://schemas.microsoft.com/office/drawing/2014/main" id="{280A7A7D-A341-47C2-2135-C5F99F35B4B3}"/>
                 </a:ext>
               </a:extLst>
             </p:cNvPr>
@@ -58767,8 +56938,9 @@
             <a:bodyPr wrap="square" lIns="0" tIns="0" rIns="0" bIns="0" rtlCol="0"/>
             <a:lstStyle/>
             <a:p>
-              <a:endParaRPr sz="1100">
-                <a:latin typeface="Times New Roman" panose="02020603050405020304" pitchFamily="18" charset="0"/>
+              <a:endParaRPr sz="1600">
+                <a:latin typeface="Cambria Math" panose="02040503050406030204" pitchFamily="18" charset="0"/>
+                <a:ea typeface="Cambria Math" panose="02040503050406030204" pitchFamily="18" charset="0"/>
                 <a:cs typeface="Times New Roman" panose="02020603050405020304" pitchFamily="18" charset="0"/>
               </a:endParaRPr>
             </a:p>
@@ -58776,10 +56948,10 @@
         </p:sp>
         <p:sp>
           <p:nvSpPr>
-            <p:cNvPr id="104" name="object 18">
+            <p:cNvPr id="123" name="object 18">
               <a:extLst>
                 <a:ext uri="{FF2B5EF4-FFF2-40B4-BE49-F238E27FC236}">
-                  <a16:creationId xmlns:a16="http://schemas.microsoft.com/office/drawing/2014/main" id="{6B958EC5-20C8-7FE1-1C29-D42E1895BDC7}"/>
+                  <a16:creationId xmlns:a16="http://schemas.microsoft.com/office/drawing/2014/main" id="{1EDFFB47-6D0B-0792-B22B-A5EB1DA917D3}"/>
                 </a:ext>
               </a:extLst>
             </p:cNvPr>
@@ -58826,8 +56998,9 @@
             <a:bodyPr wrap="square" lIns="0" tIns="0" rIns="0" bIns="0" rtlCol="0"/>
             <a:lstStyle/>
             <a:p>
-              <a:endParaRPr sz="1100">
-                <a:latin typeface="Times New Roman" panose="02020603050405020304" pitchFamily="18" charset="0"/>
+              <a:endParaRPr sz="1600">
+                <a:latin typeface="Cambria Math" panose="02040503050406030204" pitchFamily="18" charset="0"/>
+                <a:ea typeface="Cambria Math" panose="02040503050406030204" pitchFamily="18" charset="0"/>
                 <a:cs typeface="Times New Roman" panose="02020603050405020304" pitchFamily="18" charset="0"/>
               </a:endParaRPr>
             </a:p>
@@ -58835,10 +57008,10 @@
         </p:sp>
         <p:sp>
           <p:nvSpPr>
-            <p:cNvPr id="105" name="object 19">
+            <p:cNvPr id="124" name="object 19">
               <a:extLst>
                 <a:ext uri="{FF2B5EF4-FFF2-40B4-BE49-F238E27FC236}">
-                  <a16:creationId xmlns:a16="http://schemas.microsoft.com/office/drawing/2014/main" id="{BB826E70-C149-DBFE-0B79-FD0353E32E41}"/>
+                  <a16:creationId xmlns:a16="http://schemas.microsoft.com/office/drawing/2014/main" id="{3AD716CE-1774-32CE-547C-325758563737}"/>
                 </a:ext>
               </a:extLst>
             </p:cNvPr>
@@ -58877,8 +57050,9 @@
             <a:bodyPr wrap="square" lIns="0" tIns="0" rIns="0" bIns="0" rtlCol="0"/>
             <a:lstStyle/>
             <a:p>
-              <a:endParaRPr sz="1100">
-                <a:latin typeface="Times New Roman" panose="02020603050405020304" pitchFamily="18" charset="0"/>
+              <a:endParaRPr sz="1600">
+                <a:latin typeface="Cambria Math" panose="02040503050406030204" pitchFamily="18" charset="0"/>
+                <a:ea typeface="Cambria Math" panose="02040503050406030204" pitchFamily="18" charset="0"/>
                 <a:cs typeface="Times New Roman" panose="02020603050405020304" pitchFamily="18" charset="0"/>
               </a:endParaRPr>
             </a:p>
@@ -58887,10 +57061,10 @@
       </p:grpSp>
       <p:sp>
         <p:nvSpPr>
-          <p:cNvPr id="106" name="object 22">
+          <p:cNvPr id="125" name="object 20">
             <a:extLst>
               <a:ext uri="{FF2B5EF4-FFF2-40B4-BE49-F238E27FC236}">
-                <a16:creationId xmlns:a16="http://schemas.microsoft.com/office/drawing/2014/main" id="{2D137BE1-2DD7-8C6F-A503-C465F31E076E}"/>
+                <a16:creationId xmlns:a16="http://schemas.microsoft.com/office/drawing/2014/main" id="{E6C08919-1821-0FF9-F5CA-D30267E90BC1}"/>
               </a:ext>
             </a:extLst>
           </p:cNvPr>
@@ -58899,8 +57073,8 @@
         </p:nvSpPr>
         <p:spPr>
           <a:xfrm>
-            <a:off x="9882512" y="5378848"/>
-            <a:ext cx="524419" cy="182101"/>
+            <a:off x="9829846" y="6303517"/>
+            <a:ext cx="1005976" cy="918200"/>
           </a:xfrm>
           <a:prstGeom prst="rect">
             <a:avLst/>
@@ -58918,21 +57092,100 @@
               </a:spcBef>
             </a:pPr>
             <a:r>
-              <a:rPr sz="1100" dirty="0">
-                <a:latin typeface="Times New Roman" panose="02020603050405020304" pitchFamily="18" charset="0"/>
+              <a:rPr sz="1600" dirty="0">
+                <a:latin typeface="Cambria Math" panose="02040503050406030204" pitchFamily="18" charset="0"/>
+                <a:ea typeface="Cambria Math" panose="02040503050406030204" pitchFamily="18" charset="0"/>
                 <a:cs typeface="Times New Roman" panose="02020603050405020304" pitchFamily="18" charset="0"/>
               </a:rPr>
-              <a:t>−0.5</a:t>
+              <a:t>&lt;</a:t>
             </a:r>
-          </a:p>
-        </p:txBody>
-      </p:sp>
-      <p:sp>
-        <p:nvSpPr>
-          <p:cNvPr id="107" name="object 23">
+            <a:r>
+              <a:rPr sz="1600" spc="-14" dirty="0">
+                <a:latin typeface="Cambria Math" panose="02040503050406030204" pitchFamily="18" charset="0"/>
+                <a:ea typeface="Cambria Math" panose="02040503050406030204" pitchFamily="18" charset="0"/>
+                <a:cs typeface="Times New Roman" panose="02020603050405020304" pitchFamily="18" charset="0"/>
+              </a:rPr>
+              <a:t> </a:t>
+            </a:r>
+            <a:r>
+              <a:rPr sz="1600" dirty="0">
+                <a:latin typeface="Cambria Math" panose="02040503050406030204" pitchFamily="18" charset="0"/>
+                <a:ea typeface="Cambria Math" panose="02040503050406030204" pitchFamily="18" charset="0"/>
+                <a:cs typeface="Times New Roman" panose="02020603050405020304" pitchFamily="18" charset="0"/>
+              </a:rPr>
+              <a:t>0.2</a:t>
+            </a:r>
+          </a:p>
+          <a:p>
+            <a:pPr marL="12700">
+              <a:spcBef>
+                <a:spcPts val="644"/>
+              </a:spcBef>
+            </a:pPr>
+            <a:r>
+              <a:rPr sz="1600" dirty="0">
+                <a:latin typeface="Cambria Math" panose="02040503050406030204" pitchFamily="18" charset="0"/>
+                <a:ea typeface="Cambria Math" panose="02040503050406030204" pitchFamily="18" charset="0"/>
+                <a:cs typeface="Times New Roman" panose="02020603050405020304" pitchFamily="18" charset="0"/>
+              </a:rPr>
+              <a:t>0.2 −</a:t>
+            </a:r>
+            <a:r>
+              <a:rPr sz="1600" spc="-85" dirty="0">
+                <a:latin typeface="Cambria Math" panose="02040503050406030204" pitchFamily="18" charset="0"/>
+                <a:ea typeface="Cambria Math" panose="02040503050406030204" pitchFamily="18" charset="0"/>
+                <a:cs typeface="Times New Roman" panose="02020603050405020304" pitchFamily="18" charset="0"/>
+              </a:rPr>
+              <a:t> </a:t>
+            </a:r>
+            <a:r>
+              <a:rPr sz="1600" dirty="0">
+                <a:latin typeface="Cambria Math" panose="02040503050406030204" pitchFamily="18" charset="0"/>
+                <a:ea typeface="Cambria Math" panose="02040503050406030204" pitchFamily="18" charset="0"/>
+                <a:cs typeface="Times New Roman" panose="02020603050405020304" pitchFamily="18" charset="0"/>
+              </a:rPr>
+              <a:t>0.4</a:t>
+            </a:r>
+          </a:p>
+          <a:p>
+            <a:pPr marL="12700">
+              <a:spcBef>
+                <a:spcPts val="650"/>
+              </a:spcBef>
+            </a:pPr>
+            <a:r>
+              <a:rPr sz="1600" dirty="0">
+                <a:latin typeface="Cambria Math" panose="02040503050406030204" pitchFamily="18" charset="0"/>
+                <a:ea typeface="Cambria Math" panose="02040503050406030204" pitchFamily="18" charset="0"/>
+                <a:cs typeface="Times New Roman" panose="02020603050405020304" pitchFamily="18" charset="0"/>
+              </a:rPr>
+              <a:t>&gt;=</a:t>
+            </a:r>
+            <a:r>
+              <a:rPr sz="1600" spc="-20" dirty="0">
+                <a:latin typeface="Cambria Math" panose="02040503050406030204" pitchFamily="18" charset="0"/>
+                <a:ea typeface="Cambria Math" panose="02040503050406030204" pitchFamily="18" charset="0"/>
+                <a:cs typeface="Times New Roman" panose="02020603050405020304" pitchFamily="18" charset="0"/>
+              </a:rPr>
+              <a:t> </a:t>
+            </a:r>
+            <a:r>
+              <a:rPr sz="1600" dirty="0">
+                <a:latin typeface="Cambria Math" panose="02040503050406030204" pitchFamily="18" charset="0"/>
+                <a:ea typeface="Cambria Math" panose="02040503050406030204" pitchFamily="18" charset="0"/>
+                <a:cs typeface="Times New Roman" panose="02020603050405020304" pitchFamily="18" charset="0"/>
+              </a:rPr>
+              <a:t>0.4</a:t>
+            </a:r>
+          </a:p>
+        </p:txBody>
+      </p:sp>
+      <p:sp>
+        <p:nvSpPr>
+          <p:cNvPr id="126" name="object 22">
             <a:extLst>
               <a:ext uri="{FF2B5EF4-FFF2-40B4-BE49-F238E27FC236}">
-                <a16:creationId xmlns:a16="http://schemas.microsoft.com/office/drawing/2014/main" id="{E116FDC0-A4D1-B8E5-AF85-2E8D0E48E629}"/>
+                <a16:creationId xmlns:a16="http://schemas.microsoft.com/office/drawing/2014/main" id="{51C6BE68-89D2-7A78-0F86-A59161FD9F6F}"/>
               </a:ext>
             </a:extLst>
           </p:cNvPr>
@@ -58941,8 +57194,8 @@
         </p:nvSpPr>
         <p:spPr>
           <a:xfrm>
-            <a:off x="9864783" y="5084586"/>
-            <a:ext cx="385369" cy="182101"/>
+            <a:off x="9795695" y="5605060"/>
+            <a:ext cx="524419" cy="259045"/>
           </a:xfrm>
           <a:prstGeom prst="rect">
             <a:avLst/>
@@ -58960,21 +57213,22 @@
               </a:spcBef>
             </a:pPr>
             <a:r>
-              <a:rPr sz="1100" dirty="0">
-                <a:latin typeface="Times New Roman" panose="02020603050405020304" pitchFamily="18" charset="0"/>
+              <a:rPr sz="1600" dirty="0">
+                <a:latin typeface="Cambria Math" panose="02040503050406030204" pitchFamily="18" charset="0"/>
+                <a:ea typeface="Cambria Math" panose="02040503050406030204" pitchFamily="18" charset="0"/>
                 <a:cs typeface="Times New Roman" panose="02020603050405020304" pitchFamily="18" charset="0"/>
               </a:rPr>
-              <a:t>0.0</a:t>
+              <a:t>−0.5</a:t>
             </a:r>
           </a:p>
         </p:txBody>
       </p:sp>
       <p:sp>
         <p:nvSpPr>
-          <p:cNvPr id="108" name="object 24">
+          <p:cNvPr id="127" name="object 23">
             <a:extLst>
               <a:ext uri="{FF2B5EF4-FFF2-40B4-BE49-F238E27FC236}">
-                <a16:creationId xmlns:a16="http://schemas.microsoft.com/office/drawing/2014/main" id="{59F72300-3349-FE09-E32E-3A1CBD0D0FF4}"/>
+                <a16:creationId xmlns:a16="http://schemas.microsoft.com/office/drawing/2014/main" id="{16A6A30B-2DCD-8997-7A7E-482F3104E7E5}"/>
               </a:ext>
             </a:extLst>
           </p:cNvPr>
@@ -58983,8 +57237,8 @@
         </p:nvSpPr>
         <p:spPr>
           <a:xfrm>
-            <a:off x="9882513" y="4748976"/>
-            <a:ext cx="385369" cy="182101"/>
+            <a:off x="9795695" y="5310798"/>
+            <a:ext cx="385369" cy="259045"/>
           </a:xfrm>
           <a:prstGeom prst="rect">
             <a:avLst/>
@@ -59002,8 +57256,52 @@
               </a:spcBef>
             </a:pPr>
             <a:r>
-              <a:rPr sz="1100" dirty="0">
-                <a:latin typeface="Times New Roman" panose="02020603050405020304" pitchFamily="18" charset="0"/>
+              <a:rPr sz="1600" dirty="0">
+                <a:latin typeface="Cambria Math" panose="02040503050406030204" pitchFamily="18" charset="0"/>
+                <a:ea typeface="Cambria Math" panose="02040503050406030204" pitchFamily="18" charset="0"/>
+                <a:cs typeface="Times New Roman" panose="02020603050405020304" pitchFamily="18" charset="0"/>
+              </a:rPr>
+              <a:t>0.0</a:t>
+            </a:r>
+          </a:p>
+        </p:txBody>
+      </p:sp>
+      <p:sp>
+        <p:nvSpPr>
+          <p:cNvPr id="128" name="object 24">
+            <a:extLst>
+              <a:ext uri="{FF2B5EF4-FFF2-40B4-BE49-F238E27FC236}">
+                <a16:creationId xmlns:a16="http://schemas.microsoft.com/office/drawing/2014/main" id="{98D9986B-DC91-C539-0494-E8B02023A688}"/>
+              </a:ext>
+            </a:extLst>
+          </p:cNvPr>
+          <p:cNvSpPr txBox="1"/>
+          <p:nvPr/>
+        </p:nvSpPr>
+        <p:spPr>
+          <a:xfrm>
+            <a:off x="9795695" y="4975188"/>
+            <a:ext cx="385369" cy="259045"/>
+          </a:xfrm>
+          <a:prstGeom prst="rect">
+            <a:avLst/>
+          </a:prstGeom>
+        </p:spPr>
+        <p:txBody>
+          <a:bodyPr vert="horz" wrap="square" lIns="0" tIns="12700" rIns="0" bIns="0" rtlCol="0">
+            <a:spAutoFit/>
+          </a:bodyPr>
+          <a:lstStyle/>
+          <a:p>
+            <a:pPr marL="12700">
+              <a:spcBef>
+                <a:spcPts val="100"/>
+              </a:spcBef>
+            </a:pPr>
+            <a:r>
+              <a:rPr sz="1600" dirty="0">
+                <a:latin typeface="Cambria Math" panose="02040503050406030204" pitchFamily="18" charset="0"/>
+                <a:ea typeface="Cambria Math" panose="02040503050406030204" pitchFamily="18" charset="0"/>
                 <a:cs typeface="Times New Roman" panose="02020603050405020304" pitchFamily="18" charset="0"/>
               </a:rPr>
               <a:t>0.5</a:t>
@@ -59013,10 +57311,10 @@
       </p:sp>
       <p:sp>
         <p:nvSpPr>
-          <p:cNvPr id="109" name="object 25">
+          <p:cNvPr id="129" name="object 25">
             <a:extLst>
               <a:ext uri="{FF2B5EF4-FFF2-40B4-BE49-F238E27FC236}">
-                <a16:creationId xmlns:a16="http://schemas.microsoft.com/office/drawing/2014/main" id="{38916AB2-05FB-7AFD-24EF-A0DD7639DB77}"/>
+                <a16:creationId xmlns:a16="http://schemas.microsoft.com/office/drawing/2014/main" id="{1676D49B-4EB2-20C8-26EF-9025081AA1D1}"/>
               </a:ext>
             </a:extLst>
           </p:cNvPr>
@@ -59025,8 +57323,8 @@
         </p:nvSpPr>
         <p:spPr>
           <a:xfrm>
-            <a:off x="8921750" y="5064690"/>
-            <a:ext cx="1007725" cy="182101"/>
+            <a:off x="8464550" y="5251017"/>
+            <a:ext cx="1007725" cy="259045"/>
           </a:xfrm>
           <a:prstGeom prst="rect">
             <a:avLst/>
@@ -59055,7 +57353,10 @@
           </a:lstStyle>
           <a:p>
             <a:r>
-              <a:rPr dirty="0"/>
+              <a:rPr sz="1600" dirty="0">
+                <a:latin typeface="Cambria Math" panose="02040503050406030204" pitchFamily="18" charset="0"/>
+                <a:ea typeface="Cambria Math" panose="02040503050406030204" pitchFamily="18" charset="0"/>
+              </a:rPr>
               <a:t>Pearson's r</a:t>
             </a:r>
           </a:p>
@@ -59063,10 +57364,10 @@
       </p:sp>
       <p:grpSp>
         <p:nvGrpSpPr>
-          <p:cNvPr id="110" name="组合 109">
+          <p:cNvPr id="130" name="组合 129">
             <a:extLst>
               <a:ext uri="{FF2B5EF4-FFF2-40B4-BE49-F238E27FC236}">
-                <a16:creationId xmlns:a16="http://schemas.microsoft.com/office/drawing/2014/main" id="{F1654140-ED54-7EF2-87DF-030716FB6848}"/>
+                <a16:creationId xmlns:a16="http://schemas.microsoft.com/office/drawing/2014/main" id="{1EBB1857-31EF-DBF3-3AB1-52F08D20AC69}"/>
               </a:ext>
             </a:extLst>
           </p:cNvPr>
@@ -59075,7 +57376,7 @@
         </p:nvGrpSpPr>
         <p:grpSpPr>
           <a:xfrm>
-            <a:off x="9611892" y="4881245"/>
+            <a:off x="9542804" y="5107457"/>
             <a:ext cx="219962" cy="627125"/>
             <a:chOff x="9357706" y="4987925"/>
             <a:chExt cx="219962" cy="627125"/>
@@ -59083,10 +57384,10 @@
         </p:grpSpPr>
         <p:sp>
           <p:nvSpPr>
-            <p:cNvPr id="111" name="object 26">
+            <p:cNvPr id="131" name="object 26">
               <a:extLst>
                 <a:ext uri="{FF2B5EF4-FFF2-40B4-BE49-F238E27FC236}">
-                  <a16:creationId xmlns:a16="http://schemas.microsoft.com/office/drawing/2014/main" id="{EA746711-9BB4-99A3-7765-660CB7AFE2D9}"/>
+                  <a16:creationId xmlns:a16="http://schemas.microsoft.com/office/drawing/2014/main" id="{AACE71B6-4EAD-F29C-95B1-3FACA49CBB1A}"/>
                 </a:ext>
               </a:extLst>
             </p:cNvPr>
@@ -59125,8 +57426,9 @@
             <a:bodyPr wrap="square" lIns="0" tIns="0" rIns="0" bIns="0" rtlCol="0"/>
             <a:lstStyle/>
             <a:p>
-              <a:endParaRPr sz="1100">
-                <a:latin typeface="Times New Roman" panose="02020603050405020304" pitchFamily="18" charset="0"/>
+              <a:endParaRPr sz="1600">
+                <a:latin typeface="Cambria Math" panose="02040503050406030204" pitchFamily="18" charset="0"/>
+                <a:ea typeface="Cambria Math" panose="02040503050406030204" pitchFamily="18" charset="0"/>
                 <a:cs typeface="Times New Roman" panose="02020603050405020304" pitchFamily="18" charset="0"/>
               </a:endParaRPr>
             </a:p>
@@ -59134,10 +57436,10 @@
         </p:sp>
         <p:sp>
           <p:nvSpPr>
-            <p:cNvPr id="112" name="object 27">
+            <p:cNvPr id="132" name="object 27">
               <a:extLst>
                 <a:ext uri="{FF2B5EF4-FFF2-40B4-BE49-F238E27FC236}">
-                  <a16:creationId xmlns:a16="http://schemas.microsoft.com/office/drawing/2014/main" id="{55822603-864C-3DBB-0C87-23E5D37CE387}"/>
+                  <a16:creationId xmlns:a16="http://schemas.microsoft.com/office/drawing/2014/main" id="{F797C020-A49C-0719-ECF7-4249F9C311AD}"/>
                 </a:ext>
               </a:extLst>
             </p:cNvPr>
@@ -59176,8 +57478,9 @@
             <a:bodyPr wrap="square" lIns="0" tIns="0" rIns="0" bIns="0" rtlCol="0"/>
             <a:lstStyle/>
             <a:p>
-              <a:endParaRPr sz="1100">
-                <a:latin typeface="Times New Roman" panose="02020603050405020304" pitchFamily="18" charset="0"/>
+              <a:endParaRPr sz="1600">
+                <a:latin typeface="Cambria Math" panose="02040503050406030204" pitchFamily="18" charset="0"/>
+                <a:ea typeface="Cambria Math" panose="02040503050406030204" pitchFamily="18" charset="0"/>
                 <a:cs typeface="Times New Roman" panose="02020603050405020304" pitchFamily="18" charset="0"/>
               </a:endParaRPr>
             </a:p>
@@ -59185,10 +57488,10 @@
         </p:sp>
         <p:sp>
           <p:nvSpPr>
-            <p:cNvPr id="113" name="object 28">
+            <p:cNvPr id="133" name="object 28">
               <a:extLst>
                 <a:ext uri="{FF2B5EF4-FFF2-40B4-BE49-F238E27FC236}">
-                  <a16:creationId xmlns:a16="http://schemas.microsoft.com/office/drawing/2014/main" id="{84A49343-6D5F-EE42-8807-ED6DDF4E4D40}"/>
+                  <a16:creationId xmlns:a16="http://schemas.microsoft.com/office/drawing/2014/main" id="{BC119324-4A63-F75B-99EC-5D672C7EFD4A}"/>
                 </a:ext>
               </a:extLst>
             </p:cNvPr>
@@ -59227,8 +57530,9 @@
             <a:bodyPr wrap="square" lIns="0" tIns="0" rIns="0" bIns="0" rtlCol="0"/>
             <a:lstStyle/>
             <a:p>
-              <a:endParaRPr sz="1100">
-                <a:latin typeface="Times New Roman" panose="02020603050405020304" pitchFamily="18" charset="0"/>
+              <a:endParaRPr sz="1600">
+                <a:latin typeface="Cambria Math" panose="02040503050406030204" pitchFamily="18" charset="0"/>
+                <a:ea typeface="Cambria Math" panose="02040503050406030204" pitchFamily="18" charset="0"/>
                 <a:cs typeface="Times New Roman" panose="02020603050405020304" pitchFamily="18" charset="0"/>
               </a:endParaRPr>
             </a:p>
@@ -59236,10 +57540,10 @@
         </p:sp>
         <p:sp>
           <p:nvSpPr>
-            <p:cNvPr id="114" name="object 29">
+            <p:cNvPr id="134" name="object 29">
               <a:extLst>
                 <a:ext uri="{FF2B5EF4-FFF2-40B4-BE49-F238E27FC236}">
-                  <a16:creationId xmlns:a16="http://schemas.microsoft.com/office/drawing/2014/main" id="{DBBC4A38-1730-47FA-6F0F-5B0397B6BFCE}"/>
+                  <a16:creationId xmlns:a16="http://schemas.microsoft.com/office/drawing/2014/main" id="{4FBA138B-B4D3-E086-B4C9-2B759759C395}"/>
                 </a:ext>
               </a:extLst>
             </p:cNvPr>
@@ -59278,8 +57582,9 @@
             <a:bodyPr wrap="square" lIns="0" tIns="0" rIns="0" bIns="0" rtlCol="0"/>
             <a:lstStyle/>
             <a:p>
-              <a:endParaRPr sz="1100">
-                <a:latin typeface="Times New Roman" panose="02020603050405020304" pitchFamily="18" charset="0"/>
+              <a:endParaRPr sz="1600">
+                <a:latin typeface="Cambria Math" panose="02040503050406030204" pitchFamily="18" charset="0"/>
+                <a:ea typeface="Cambria Math" panose="02040503050406030204" pitchFamily="18" charset="0"/>
                 <a:cs typeface="Times New Roman" panose="02020603050405020304" pitchFamily="18" charset="0"/>
               </a:endParaRPr>
             </a:p>
@@ -59287,10 +57592,10 @@
         </p:sp>
         <p:sp>
           <p:nvSpPr>
-            <p:cNvPr id="115" name="object 30">
+            <p:cNvPr id="135" name="object 30">
               <a:extLst>
                 <a:ext uri="{FF2B5EF4-FFF2-40B4-BE49-F238E27FC236}">
-                  <a16:creationId xmlns:a16="http://schemas.microsoft.com/office/drawing/2014/main" id="{38063933-C469-F7F1-5AFF-4D368E0A08FF}"/>
+                  <a16:creationId xmlns:a16="http://schemas.microsoft.com/office/drawing/2014/main" id="{E663CEE7-27C7-5BC8-D536-23E80E16F6A8}"/>
                 </a:ext>
               </a:extLst>
             </p:cNvPr>
@@ -59329,8 +57634,9 @@
             <a:bodyPr wrap="square" lIns="0" tIns="0" rIns="0" bIns="0" rtlCol="0"/>
             <a:lstStyle/>
             <a:p>
-              <a:endParaRPr sz="1100">
-                <a:latin typeface="Times New Roman" panose="02020603050405020304" pitchFamily="18" charset="0"/>
+              <a:endParaRPr sz="1600">
+                <a:latin typeface="Cambria Math" panose="02040503050406030204" pitchFamily="18" charset="0"/>
+                <a:ea typeface="Cambria Math" panose="02040503050406030204" pitchFamily="18" charset="0"/>
                 <a:cs typeface="Times New Roman" panose="02020603050405020304" pitchFamily="18" charset="0"/>
               </a:endParaRPr>
             </a:p>
@@ -59338,10 +57644,10 @@
         </p:sp>
         <p:sp>
           <p:nvSpPr>
-            <p:cNvPr id="116" name="object 31">
+            <p:cNvPr id="136" name="object 31">
               <a:extLst>
                 <a:ext uri="{FF2B5EF4-FFF2-40B4-BE49-F238E27FC236}">
-                  <a16:creationId xmlns:a16="http://schemas.microsoft.com/office/drawing/2014/main" id="{9A58AADB-08DE-4B60-7975-59F39DD72471}"/>
+                  <a16:creationId xmlns:a16="http://schemas.microsoft.com/office/drawing/2014/main" id="{3D37C6E5-B757-150F-C0A7-B4DF2CE0A159}"/>
                 </a:ext>
               </a:extLst>
             </p:cNvPr>
@@ -59380,8 +57686,9 @@
             <a:bodyPr wrap="square" lIns="0" tIns="0" rIns="0" bIns="0" rtlCol="0"/>
             <a:lstStyle/>
             <a:p>
-              <a:endParaRPr sz="1100">
-                <a:latin typeface="Times New Roman" panose="02020603050405020304" pitchFamily="18" charset="0"/>
+              <a:endParaRPr sz="1600">
+                <a:latin typeface="Cambria Math" panose="02040503050406030204" pitchFamily="18" charset="0"/>
+                <a:ea typeface="Cambria Math" panose="02040503050406030204" pitchFamily="18" charset="0"/>
                 <a:cs typeface="Times New Roman" panose="02020603050405020304" pitchFamily="18" charset="0"/>
               </a:endParaRPr>
             </a:p>
@@ -59390,10 +57697,10 @@
       </p:grpSp>
       <p:sp>
         <p:nvSpPr>
-          <p:cNvPr id="117" name="矩形 116">
+          <p:cNvPr id="137" name="矩形 136">
             <a:extLst>
               <a:ext uri="{FF2B5EF4-FFF2-40B4-BE49-F238E27FC236}">
-                <a16:creationId xmlns:a16="http://schemas.microsoft.com/office/drawing/2014/main" id="{90FC80E0-92ED-0D8E-A56C-DCB9434E36B7}"/>
+                <a16:creationId xmlns:a16="http://schemas.microsoft.com/office/drawing/2014/main" id="{05E7330F-8E5A-CC91-CB2D-8ADAD4B21A9F}"/>
               </a:ext>
             </a:extLst>
           </p:cNvPr>
@@ -59402,7 +57709,7 @@
         </p:nvSpPr>
         <p:spPr>
           <a:xfrm>
-            <a:off x="9611892" y="4542638"/>
+            <a:off x="9542804" y="4768850"/>
             <a:ext cx="218964" cy="1219293"/>
           </a:xfrm>
           <a:prstGeom prst="rect">
@@ -59452,10 +57759,1896 @@
           <a:lstStyle/>
           <a:p>
             <a:pPr algn="ctr"/>
-            <a:endParaRPr lang="zh-CN" altLang="en-US"/>
-          </a:p>
-        </p:txBody>
-      </p:sp>
+            <a:endParaRPr lang="zh-CN" altLang="en-US" sz="1600">
+              <a:latin typeface="Cambria Math" panose="02040503050406030204" pitchFamily="18" charset="0"/>
+              <a:cs typeface="Times New Roman" panose="02020603050405020304" pitchFamily="18" charset="0"/>
+            </a:endParaRPr>
+          </a:p>
+        </p:txBody>
+      </p:sp>
+      <p:sp>
+        <p:nvSpPr>
+          <p:cNvPr id="138" name="文本框 137">
+            <a:extLst>
+              <a:ext uri="{FF2B5EF4-FFF2-40B4-BE49-F238E27FC236}">
+                <a16:creationId xmlns:a16="http://schemas.microsoft.com/office/drawing/2014/main" id="{61949977-25A1-447B-DDB6-BC33AD16667C}"/>
+              </a:ext>
+            </a:extLst>
+          </p:cNvPr>
+          <p:cNvSpPr txBox="1"/>
+          <p:nvPr/>
+        </p:nvSpPr>
+        <p:spPr>
+          <a:xfrm>
+            <a:off x="1835156" y="2949013"/>
+            <a:ext cx="727610" cy="259045"/>
+          </a:xfrm>
+          <a:prstGeom prst="rect">
+            <a:avLst/>
+          </a:prstGeom>
+        </p:spPr>
+        <p:txBody>
+          <a:bodyPr vert="horz" wrap="square" lIns="0" tIns="12700" rIns="0" bIns="0" rtlCol="0">
+            <a:spAutoFit/>
+          </a:bodyPr>
+          <a:lstStyle>
+            <a:defPPr>
+              <a:defRPr lang="zh-CN"/>
+            </a:defPPr>
+            <a:lvl1pPr marL="12700">
+              <a:lnSpc>
+                <a:spcPct val="100000"/>
+              </a:lnSpc>
+              <a:spcBef>
+                <a:spcPts val="100"/>
+              </a:spcBef>
+              <a:defRPr sz="1100" i="1">
+                <a:latin typeface="Times New Roman" panose="02020603050405020304" pitchFamily="18" charset="0"/>
+                <a:cs typeface="Times New Roman" panose="02020603050405020304" pitchFamily="18" charset="0"/>
+              </a:defRPr>
+            </a:lvl1pPr>
+          </a:lstStyle>
+          <a:p>
+            <a:pPr algn="r"/>
+            <a:r>
+              <a:rPr lang="en-US" altLang="zh-CN" sz="1600" i="0" dirty="0">
+                <a:latin typeface="Cambria Math" panose="02040503050406030204" pitchFamily="18" charset="0"/>
+                <a:ea typeface="Cambria Math" panose="02040503050406030204" pitchFamily="18" charset="0"/>
+              </a:rPr>
+              <a:t>Ⅱ-Area</a:t>
+            </a:r>
+            <a:endParaRPr lang="zh-CN" altLang="en-US" sz="1600" i="0" dirty="0">
+              <a:latin typeface="Cambria Math" panose="02040503050406030204" pitchFamily="18" charset="0"/>
+            </a:endParaRPr>
+          </a:p>
+        </p:txBody>
+      </p:sp>
+      <p:sp>
+        <p:nvSpPr>
+          <p:cNvPr id="139" name="文本框 138">
+            <a:extLst>
+              <a:ext uri="{FF2B5EF4-FFF2-40B4-BE49-F238E27FC236}">
+                <a16:creationId xmlns:a16="http://schemas.microsoft.com/office/drawing/2014/main" id="{2E3360B3-830C-399A-E738-86C218970939}"/>
+              </a:ext>
+            </a:extLst>
+          </p:cNvPr>
+          <p:cNvSpPr txBox="1"/>
+          <p:nvPr/>
+        </p:nvSpPr>
+        <p:spPr>
+          <a:xfrm>
+            <a:off x="1835156" y="3169648"/>
+            <a:ext cx="727610" cy="259045"/>
+          </a:xfrm>
+          <a:prstGeom prst="rect">
+            <a:avLst/>
+          </a:prstGeom>
+        </p:spPr>
+        <p:txBody>
+          <a:bodyPr vert="horz" wrap="square" lIns="0" tIns="12700" rIns="0" bIns="0" rtlCol="0">
+            <a:spAutoFit/>
+          </a:bodyPr>
+          <a:lstStyle>
+            <a:defPPr>
+              <a:defRPr lang="zh-CN"/>
+            </a:defPPr>
+            <a:lvl1pPr marL="12700">
+              <a:lnSpc>
+                <a:spcPct val="100000"/>
+              </a:lnSpc>
+              <a:spcBef>
+                <a:spcPts val="100"/>
+              </a:spcBef>
+              <a:defRPr sz="1100" i="1">
+                <a:latin typeface="Times New Roman" panose="02020603050405020304" pitchFamily="18" charset="0"/>
+                <a:cs typeface="Times New Roman" panose="02020603050405020304" pitchFamily="18" charset="0"/>
+              </a:defRPr>
+            </a:lvl1pPr>
+          </a:lstStyle>
+          <a:p>
+            <a:pPr algn="r"/>
+            <a:r>
+              <a:rPr lang="en-US" altLang="zh-CN" sz="1600" i="0" dirty="0">
+                <a:latin typeface="Cambria Math" panose="02040503050406030204" pitchFamily="18" charset="0"/>
+                <a:ea typeface="Cambria Math" panose="02040503050406030204" pitchFamily="18" charset="0"/>
+              </a:rPr>
+              <a:t>Ⅲ-Area</a:t>
+            </a:r>
+            <a:endParaRPr lang="zh-CN" altLang="en-US" sz="1600" i="0" dirty="0">
+              <a:latin typeface="Cambria Math" panose="02040503050406030204" pitchFamily="18" charset="0"/>
+            </a:endParaRPr>
+          </a:p>
+        </p:txBody>
+      </p:sp>
+      <p:sp>
+        <p:nvSpPr>
+          <p:cNvPr id="140" name="文本框 139">
+            <a:extLst>
+              <a:ext uri="{FF2B5EF4-FFF2-40B4-BE49-F238E27FC236}">
+                <a16:creationId xmlns:a16="http://schemas.microsoft.com/office/drawing/2014/main" id="{AC2DBCF7-2374-E9B4-819E-AE6F24417D9D}"/>
+              </a:ext>
+            </a:extLst>
+          </p:cNvPr>
+          <p:cNvSpPr txBox="1"/>
+          <p:nvPr/>
+        </p:nvSpPr>
+        <p:spPr>
+          <a:xfrm>
+            <a:off x="1835156" y="3414050"/>
+            <a:ext cx="727610" cy="259045"/>
+          </a:xfrm>
+          <a:prstGeom prst="rect">
+            <a:avLst/>
+          </a:prstGeom>
+        </p:spPr>
+        <p:txBody>
+          <a:bodyPr vert="horz" wrap="square" lIns="0" tIns="12700" rIns="0" bIns="0" rtlCol="0">
+            <a:spAutoFit/>
+          </a:bodyPr>
+          <a:lstStyle>
+            <a:defPPr>
+              <a:defRPr lang="zh-CN"/>
+            </a:defPPr>
+            <a:lvl1pPr marL="12700">
+              <a:lnSpc>
+                <a:spcPct val="100000"/>
+              </a:lnSpc>
+              <a:spcBef>
+                <a:spcPts val="100"/>
+              </a:spcBef>
+              <a:defRPr sz="1100" i="1">
+                <a:latin typeface="Times New Roman" panose="02020603050405020304" pitchFamily="18" charset="0"/>
+                <a:cs typeface="Times New Roman" panose="02020603050405020304" pitchFamily="18" charset="0"/>
+              </a:defRPr>
+            </a:lvl1pPr>
+          </a:lstStyle>
+          <a:p>
+            <a:pPr algn="r"/>
+            <a:r>
+              <a:rPr lang="en-US" altLang="zh-CN" sz="1600" i="0" dirty="0">
+                <a:latin typeface="Cambria Math" panose="02040503050406030204" pitchFamily="18" charset="0"/>
+                <a:ea typeface="Cambria Math" panose="02040503050406030204" pitchFamily="18" charset="0"/>
+              </a:rPr>
+              <a:t>Ⅳ-Area</a:t>
+            </a:r>
+            <a:endParaRPr lang="zh-CN" altLang="en-US" sz="1600" i="0" dirty="0">
+              <a:latin typeface="Cambria Math" panose="02040503050406030204" pitchFamily="18" charset="0"/>
+            </a:endParaRPr>
+          </a:p>
+        </p:txBody>
+      </p:sp>
+      <p:sp>
+        <p:nvSpPr>
+          <p:cNvPr id="141" name="文本框 140">
+            <a:extLst>
+              <a:ext uri="{FF2B5EF4-FFF2-40B4-BE49-F238E27FC236}">
+                <a16:creationId xmlns:a16="http://schemas.microsoft.com/office/drawing/2014/main" id="{DC170FDB-220D-1EF7-01FA-C9967B61152B}"/>
+              </a:ext>
+            </a:extLst>
+          </p:cNvPr>
+          <p:cNvSpPr txBox="1"/>
+          <p:nvPr/>
+        </p:nvSpPr>
+        <p:spPr>
+          <a:xfrm>
+            <a:off x="1835156" y="3645401"/>
+            <a:ext cx="727610" cy="259045"/>
+          </a:xfrm>
+          <a:prstGeom prst="rect">
+            <a:avLst/>
+          </a:prstGeom>
+        </p:spPr>
+        <p:txBody>
+          <a:bodyPr vert="horz" wrap="square" lIns="0" tIns="12700" rIns="0" bIns="0" rtlCol="0">
+            <a:spAutoFit/>
+          </a:bodyPr>
+          <a:lstStyle>
+            <a:defPPr>
+              <a:defRPr lang="zh-CN"/>
+            </a:defPPr>
+            <a:lvl1pPr marL="12700">
+              <a:lnSpc>
+                <a:spcPct val="100000"/>
+              </a:lnSpc>
+              <a:spcBef>
+                <a:spcPts val="100"/>
+              </a:spcBef>
+              <a:defRPr sz="1100" i="1">
+                <a:latin typeface="Times New Roman" panose="02020603050405020304" pitchFamily="18" charset="0"/>
+                <a:cs typeface="Times New Roman" panose="02020603050405020304" pitchFamily="18" charset="0"/>
+              </a:defRPr>
+            </a:lvl1pPr>
+          </a:lstStyle>
+          <a:p>
+            <a:pPr algn="r"/>
+            <a:r>
+              <a:rPr lang="en-US" altLang="zh-CN" sz="1600" i="0" dirty="0">
+                <a:latin typeface="Cambria Math" panose="02040503050406030204" pitchFamily="18" charset="0"/>
+                <a:ea typeface="Cambria Math" panose="02040503050406030204" pitchFamily="18" charset="0"/>
+              </a:rPr>
+              <a:t>Ⅴ-Area</a:t>
+            </a:r>
+            <a:endParaRPr lang="zh-CN" altLang="en-US" sz="1600" i="0" dirty="0">
+              <a:latin typeface="Cambria Math" panose="02040503050406030204" pitchFamily="18" charset="0"/>
+            </a:endParaRPr>
+          </a:p>
+        </p:txBody>
+      </p:sp>
+      <p:grpSp>
+        <p:nvGrpSpPr>
+          <p:cNvPr id="142" name="组合 141">
+            <a:extLst>
+              <a:ext uri="{FF2B5EF4-FFF2-40B4-BE49-F238E27FC236}">
+                <a16:creationId xmlns:a16="http://schemas.microsoft.com/office/drawing/2014/main" id="{FC459B69-1842-1060-F943-FB46B4BC5059}"/>
+              </a:ext>
+            </a:extLst>
+          </p:cNvPr>
+          <p:cNvGrpSpPr/>
+          <p:nvPr/>
+        </p:nvGrpSpPr>
+        <p:grpSpPr>
+          <a:xfrm rot="16200000">
+            <a:off x="4586784" y="3793509"/>
+            <a:ext cx="1355452" cy="5349009"/>
+            <a:chOff x="3989524" y="546074"/>
+            <a:chExt cx="1355452" cy="5349009"/>
+          </a:xfrm>
+        </p:grpSpPr>
+        <p:sp>
+          <p:nvSpPr>
+            <p:cNvPr id="143" name="文本框 142">
+              <a:extLst>
+                <a:ext uri="{FF2B5EF4-FFF2-40B4-BE49-F238E27FC236}">
+                  <a16:creationId xmlns:a16="http://schemas.microsoft.com/office/drawing/2014/main" id="{05B5BA3D-FA13-842E-8736-FB74C6E19399}"/>
+                </a:ext>
+              </a:extLst>
+            </p:cNvPr>
+            <p:cNvSpPr txBox="1"/>
+            <p:nvPr/>
+          </p:nvSpPr>
+          <p:spPr>
+            <a:xfrm>
+              <a:off x="5030316" y="546074"/>
+              <a:ext cx="285455" cy="259045"/>
+            </a:xfrm>
+            <a:prstGeom prst="rect">
+              <a:avLst/>
+            </a:prstGeom>
+          </p:spPr>
+          <p:txBody>
+            <a:bodyPr vert="horz" wrap="square" lIns="0" tIns="12700" rIns="0" bIns="0" rtlCol="0">
+              <a:spAutoFit/>
+            </a:bodyPr>
+            <a:lstStyle>
+              <a:defPPr>
+                <a:defRPr lang="zh-CN"/>
+              </a:defPPr>
+              <a:lvl1pPr marL="12700">
+                <a:lnSpc>
+                  <a:spcPct val="100000"/>
+                </a:lnSpc>
+                <a:spcBef>
+                  <a:spcPts val="100"/>
+                </a:spcBef>
+                <a:defRPr sz="1100" i="1">
+                  <a:latin typeface="Times New Roman" panose="02020603050405020304" pitchFamily="18" charset="0"/>
+                  <a:cs typeface="Times New Roman" panose="02020603050405020304" pitchFamily="18" charset="0"/>
+                </a:defRPr>
+              </a:lvl1pPr>
+            </a:lstStyle>
+            <a:p>
+              <a:pPr/>
+              <a:r>
+                <a:rPr lang="en-US" altLang="zh-CN" sz="1600" i="0" dirty="0">
+                  <a:latin typeface="Cambria Math" panose="02040503050406030204" pitchFamily="18" charset="0"/>
+                  <a:ea typeface="Cambria Math" panose="02040503050406030204" pitchFamily="18" charset="0"/>
+                </a:rPr>
+                <a:t>TN</a:t>
+              </a:r>
+              <a:endParaRPr lang="zh-CN" altLang="en-US" sz="1600" i="0" dirty="0">
+                <a:latin typeface="Cambria Math" panose="02040503050406030204" pitchFamily="18" charset="0"/>
+              </a:endParaRPr>
+            </a:p>
+          </p:txBody>
+        </p:sp>
+        <p:sp>
+          <p:nvSpPr>
+            <p:cNvPr id="144" name="文本框 143">
+              <a:extLst>
+                <a:ext uri="{FF2B5EF4-FFF2-40B4-BE49-F238E27FC236}">
+                  <a16:creationId xmlns:a16="http://schemas.microsoft.com/office/drawing/2014/main" id="{E82436C7-EBAF-BDE8-1139-396D0BEA4700}"/>
+                </a:ext>
+              </a:extLst>
+            </p:cNvPr>
+            <p:cNvSpPr txBox="1"/>
+            <p:nvPr/>
+          </p:nvSpPr>
+          <p:spPr>
+            <a:xfrm>
+              <a:off x="5059521" y="780871"/>
+              <a:ext cx="285455" cy="259045"/>
+            </a:xfrm>
+            <a:prstGeom prst="rect">
+              <a:avLst/>
+            </a:prstGeom>
+          </p:spPr>
+          <p:txBody>
+            <a:bodyPr vert="horz" wrap="square" lIns="0" tIns="12700" rIns="0" bIns="0" rtlCol="0">
+              <a:spAutoFit/>
+            </a:bodyPr>
+            <a:lstStyle>
+              <a:defPPr>
+                <a:defRPr lang="zh-CN"/>
+              </a:defPPr>
+              <a:lvl1pPr marL="12700">
+                <a:lnSpc>
+                  <a:spcPct val="100000"/>
+                </a:lnSpc>
+                <a:spcBef>
+                  <a:spcPts val="100"/>
+                </a:spcBef>
+                <a:defRPr sz="1100" i="1">
+                  <a:latin typeface="Times New Roman" panose="02020603050405020304" pitchFamily="18" charset="0"/>
+                  <a:cs typeface="Times New Roman" panose="02020603050405020304" pitchFamily="18" charset="0"/>
+                </a:defRPr>
+              </a:lvl1pPr>
+            </a:lstStyle>
+            <a:p>
+              <a:r>
+                <a:rPr lang="en-US" altLang="zh-CN" sz="1600" i="0" dirty="0">
+                  <a:latin typeface="Cambria Math" panose="02040503050406030204" pitchFamily="18" charset="0"/>
+                  <a:ea typeface="Cambria Math" panose="02040503050406030204" pitchFamily="18" charset="0"/>
+                </a:rPr>
+                <a:t>TP</a:t>
+              </a:r>
+              <a:endParaRPr lang="zh-CN" altLang="en-US" sz="1600" i="0" dirty="0">
+                <a:latin typeface="Cambria Math" panose="02040503050406030204" pitchFamily="18" charset="0"/>
+              </a:endParaRPr>
+            </a:p>
+          </p:txBody>
+        </p:sp>
+        <p:sp>
+          <p:nvSpPr>
+            <p:cNvPr id="145" name="文本框 144">
+              <a:extLst>
+                <a:ext uri="{FF2B5EF4-FFF2-40B4-BE49-F238E27FC236}">
+                  <a16:creationId xmlns:a16="http://schemas.microsoft.com/office/drawing/2014/main" id="{14E11EAF-76E5-FBF6-922A-C452B932ACE0}"/>
+                </a:ext>
+              </a:extLst>
+            </p:cNvPr>
+            <p:cNvSpPr txBox="1"/>
+            <p:nvPr/>
+          </p:nvSpPr>
+          <p:spPr>
+            <a:xfrm>
+              <a:off x="5016940" y="969915"/>
+              <a:ext cx="302233" cy="259045"/>
+            </a:xfrm>
+            <a:prstGeom prst="rect">
+              <a:avLst/>
+            </a:prstGeom>
+          </p:spPr>
+          <p:txBody>
+            <a:bodyPr vert="horz" wrap="square" lIns="0" tIns="12700" rIns="0" bIns="0" rtlCol="0">
+              <a:spAutoFit/>
+            </a:bodyPr>
+            <a:lstStyle>
+              <a:defPPr>
+                <a:defRPr lang="zh-CN"/>
+              </a:defPPr>
+              <a:lvl1pPr marL="12700">
+                <a:lnSpc>
+                  <a:spcPct val="100000"/>
+                </a:lnSpc>
+                <a:spcBef>
+                  <a:spcPts val="100"/>
+                </a:spcBef>
+                <a:defRPr sz="1100" i="1">
+                  <a:latin typeface="Times New Roman" panose="02020603050405020304" pitchFamily="18" charset="0"/>
+                  <a:cs typeface="Times New Roman" panose="02020603050405020304" pitchFamily="18" charset="0"/>
+                </a:defRPr>
+              </a:lvl1pPr>
+            </a:lstStyle>
+            <a:p>
+              <a:pPr algn="r"/>
+              <a:r>
+                <a:rPr lang="en-US" altLang="zh-CN" sz="1600" i="0" dirty="0">
+                  <a:latin typeface="Cambria Math" panose="02040503050406030204" pitchFamily="18" charset="0"/>
+                  <a:ea typeface="Cambria Math" panose="02040503050406030204" pitchFamily="18" charset="0"/>
+                </a:rPr>
+                <a:t>d</a:t>
+              </a:r>
+              <a:r>
+                <a:rPr lang="en-US" altLang="zh-CN" sz="1600" i="0" baseline="-25000" dirty="0">
+                  <a:latin typeface="Cambria Math" panose="02040503050406030204" pitchFamily="18" charset="0"/>
+                  <a:ea typeface="Cambria Math" panose="02040503050406030204" pitchFamily="18" charset="0"/>
+                </a:rPr>
+                <a:t>0.1</a:t>
+              </a:r>
+              <a:endParaRPr lang="zh-CN" altLang="en-US" sz="1600" i="0" dirty="0">
+                <a:latin typeface="Cambria Math" panose="02040503050406030204" pitchFamily="18" charset="0"/>
+              </a:endParaRPr>
+            </a:p>
+          </p:txBody>
+        </p:sp>
+        <p:sp>
+          <p:nvSpPr>
+            <p:cNvPr id="146" name="文本框 145">
+              <a:extLst>
+                <a:ext uri="{FF2B5EF4-FFF2-40B4-BE49-F238E27FC236}">
+                  <a16:creationId xmlns:a16="http://schemas.microsoft.com/office/drawing/2014/main" id="{1D1770FE-64FA-8441-B307-BCDA6DDF1509}"/>
+                </a:ext>
+              </a:extLst>
+            </p:cNvPr>
+            <p:cNvSpPr txBox="1"/>
+            <p:nvPr/>
+          </p:nvSpPr>
+          <p:spPr>
+            <a:xfrm>
+              <a:off x="4424475" y="1197118"/>
+              <a:ext cx="884646" cy="259045"/>
+            </a:xfrm>
+            <a:prstGeom prst="rect">
+              <a:avLst/>
+            </a:prstGeom>
+          </p:spPr>
+          <p:txBody>
+            <a:bodyPr vert="horz" wrap="square" lIns="0" tIns="12700" rIns="0" bIns="0" rtlCol="0">
+              <a:spAutoFit/>
+            </a:bodyPr>
+            <a:lstStyle>
+              <a:defPPr>
+                <a:defRPr lang="zh-CN"/>
+              </a:defPPr>
+              <a:lvl1pPr marL="12700">
+                <a:lnSpc>
+                  <a:spcPct val="100000"/>
+                </a:lnSpc>
+                <a:spcBef>
+                  <a:spcPts val="100"/>
+                </a:spcBef>
+                <a:defRPr sz="1100" i="1">
+                  <a:latin typeface="Times New Roman" panose="02020603050405020304" pitchFamily="18" charset="0"/>
+                  <a:cs typeface="Times New Roman" panose="02020603050405020304" pitchFamily="18" charset="0"/>
+                </a:defRPr>
+              </a:lvl1pPr>
+            </a:lstStyle>
+            <a:p>
+              <a:pPr algn="r"/>
+              <a:r>
+                <a:rPr lang="en-US" altLang="zh-CN" sz="1600" i="0" dirty="0">
+                  <a:latin typeface="Cambria Math" panose="02040503050406030204" pitchFamily="18" charset="0"/>
+                  <a:ea typeface="Cambria Math" panose="02040503050406030204" pitchFamily="18" charset="0"/>
+                </a:rPr>
+                <a:t>d</a:t>
+              </a:r>
+              <a:r>
+                <a:rPr lang="en-US" altLang="zh-CN" sz="1600" i="0" baseline="-25000" dirty="0">
+                  <a:latin typeface="Cambria Math" panose="02040503050406030204" pitchFamily="18" charset="0"/>
+                  <a:ea typeface="Cambria Math" panose="02040503050406030204" pitchFamily="18" charset="0"/>
+                </a:rPr>
+                <a:t>0.5</a:t>
+              </a:r>
+              <a:endParaRPr lang="zh-CN" altLang="en-US" sz="1600" i="0" dirty="0">
+                <a:latin typeface="Cambria Math" panose="02040503050406030204" pitchFamily="18" charset="0"/>
+              </a:endParaRPr>
+            </a:p>
+          </p:txBody>
+        </p:sp>
+        <p:sp>
+          <p:nvSpPr>
+            <p:cNvPr id="147" name="文本框 146">
+              <a:extLst>
+                <a:ext uri="{FF2B5EF4-FFF2-40B4-BE49-F238E27FC236}">
+                  <a16:creationId xmlns:a16="http://schemas.microsoft.com/office/drawing/2014/main" id="{88367383-4D7A-992C-1436-533E7736A580}"/>
+                </a:ext>
+              </a:extLst>
+            </p:cNvPr>
+            <p:cNvSpPr txBox="1"/>
+            <p:nvPr/>
+          </p:nvSpPr>
+          <p:spPr>
+            <a:xfrm>
+              <a:off x="4421247" y="1434151"/>
+              <a:ext cx="884646" cy="259045"/>
+            </a:xfrm>
+            <a:prstGeom prst="rect">
+              <a:avLst/>
+            </a:prstGeom>
+          </p:spPr>
+          <p:txBody>
+            <a:bodyPr vert="horz" wrap="square" lIns="0" tIns="12700" rIns="0" bIns="0" rtlCol="0">
+              <a:spAutoFit/>
+            </a:bodyPr>
+            <a:lstStyle>
+              <a:defPPr>
+                <a:defRPr lang="zh-CN"/>
+              </a:defPPr>
+              <a:lvl1pPr marL="12700">
+                <a:lnSpc>
+                  <a:spcPct val="100000"/>
+                </a:lnSpc>
+                <a:spcBef>
+                  <a:spcPts val="100"/>
+                </a:spcBef>
+                <a:defRPr sz="1100" i="1">
+                  <a:latin typeface="Times New Roman" panose="02020603050405020304" pitchFamily="18" charset="0"/>
+                  <a:cs typeface="Times New Roman" panose="02020603050405020304" pitchFamily="18" charset="0"/>
+                </a:defRPr>
+              </a:lvl1pPr>
+            </a:lstStyle>
+            <a:p>
+              <a:pPr algn="r"/>
+              <a:r>
+                <a:rPr lang="en-US" altLang="zh-CN" sz="1600" i="0" dirty="0">
+                  <a:latin typeface="Cambria Math" panose="02040503050406030204" pitchFamily="18" charset="0"/>
+                  <a:ea typeface="Cambria Math" panose="02040503050406030204" pitchFamily="18" charset="0"/>
+                </a:rPr>
+                <a:t>d</a:t>
+              </a:r>
+              <a:r>
+                <a:rPr lang="en-US" altLang="zh-CN" sz="1600" i="0" baseline="-25000" dirty="0">
+                  <a:latin typeface="Cambria Math" panose="02040503050406030204" pitchFamily="18" charset="0"/>
+                  <a:ea typeface="Cambria Math" panose="02040503050406030204" pitchFamily="18" charset="0"/>
+                </a:rPr>
+                <a:t>0.9</a:t>
+              </a:r>
+              <a:endParaRPr lang="zh-CN" altLang="en-US" sz="1600" i="0" dirty="0">
+                <a:latin typeface="Cambria Math" panose="02040503050406030204" pitchFamily="18" charset="0"/>
+              </a:endParaRPr>
+            </a:p>
+          </p:txBody>
+        </p:sp>
+        <p:sp>
+          <p:nvSpPr>
+            <p:cNvPr id="148" name="文本框 147">
+              <a:extLst>
+                <a:ext uri="{FF2B5EF4-FFF2-40B4-BE49-F238E27FC236}">
+                  <a16:creationId xmlns:a16="http://schemas.microsoft.com/office/drawing/2014/main" id="{831B796A-2CB5-166E-8C13-31BA6F2FA720}"/>
+                </a:ext>
+              </a:extLst>
+            </p:cNvPr>
+            <p:cNvSpPr txBox="1"/>
+            <p:nvPr/>
+          </p:nvSpPr>
+          <p:spPr>
+            <a:xfrm>
+              <a:off x="3989524" y="1677541"/>
+              <a:ext cx="1348777" cy="259045"/>
+            </a:xfrm>
+            <a:prstGeom prst="rect">
+              <a:avLst/>
+            </a:prstGeom>
+          </p:spPr>
+          <p:txBody>
+            <a:bodyPr vert="horz" wrap="square" lIns="0" tIns="12700" rIns="0" bIns="0" rtlCol="0">
+              <a:spAutoFit/>
+            </a:bodyPr>
+            <a:lstStyle>
+              <a:defPPr>
+                <a:defRPr lang="zh-CN"/>
+              </a:defPPr>
+              <a:lvl1pPr marL="12700">
+                <a:lnSpc>
+                  <a:spcPct val="100000"/>
+                </a:lnSpc>
+                <a:spcBef>
+                  <a:spcPts val="100"/>
+                </a:spcBef>
+                <a:defRPr sz="1100" i="1">
+                  <a:latin typeface="Times New Roman" panose="02020603050405020304" pitchFamily="18" charset="0"/>
+                  <a:cs typeface="Times New Roman" panose="02020603050405020304" pitchFamily="18" charset="0"/>
+                </a:defRPr>
+              </a:lvl1pPr>
+            </a:lstStyle>
+            <a:p>
+              <a:pPr algn="r"/>
+              <a:r>
+                <a:rPr lang="en-US" altLang="zh-CN" sz="1600" i="0" dirty="0">
+                  <a:latin typeface="Cambria Math" panose="02040503050406030204" pitchFamily="18" charset="0"/>
+                  <a:ea typeface="Cambria Math" panose="02040503050406030204" pitchFamily="18" charset="0"/>
+                </a:rPr>
+                <a:t>(d</a:t>
+              </a:r>
+              <a:r>
+                <a:rPr lang="en-US" altLang="zh-CN" sz="1600" i="0" baseline="-25000" dirty="0">
+                  <a:latin typeface="Cambria Math" panose="02040503050406030204" pitchFamily="18" charset="0"/>
+                  <a:ea typeface="Cambria Math" panose="02040503050406030204" pitchFamily="18" charset="0"/>
+                </a:rPr>
+                <a:t>0.9</a:t>
+              </a:r>
+              <a:r>
+                <a:rPr lang="en-US" altLang="zh-CN" sz="1600" i="0" dirty="0">
+                  <a:latin typeface="Cambria Math" panose="02040503050406030204" pitchFamily="18" charset="0"/>
+                  <a:ea typeface="Cambria Math" panose="02040503050406030204" pitchFamily="18" charset="0"/>
+                </a:rPr>
+                <a:t>-d</a:t>
+              </a:r>
+              <a:r>
+                <a:rPr lang="en-US" altLang="zh-CN" sz="1600" i="0" baseline="-25000" dirty="0">
+                  <a:latin typeface="Cambria Math" panose="02040503050406030204" pitchFamily="18" charset="0"/>
+                  <a:ea typeface="Cambria Math" panose="02040503050406030204" pitchFamily="18" charset="0"/>
+                </a:rPr>
+                <a:t>0.1</a:t>
+              </a:r>
+              <a:r>
+                <a:rPr lang="en-US" altLang="zh-CN" sz="1600" i="0" dirty="0">
+                  <a:latin typeface="Cambria Math" panose="02040503050406030204" pitchFamily="18" charset="0"/>
+                  <a:ea typeface="Cambria Math" panose="02040503050406030204" pitchFamily="18" charset="0"/>
+                </a:rPr>
+                <a:t>)/d</a:t>
+              </a:r>
+              <a:r>
+                <a:rPr lang="en-US" altLang="zh-CN" sz="1600" i="0" baseline="-25000" dirty="0">
+                  <a:latin typeface="Cambria Math" panose="02040503050406030204" pitchFamily="18" charset="0"/>
+                  <a:ea typeface="Cambria Math" panose="02040503050406030204" pitchFamily="18" charset="0"/>
+                </a:rPr>
+                <a:t>0.5</a:t>
+              </a:r>
+              <a:endParaRPr lang="zh-CN" altLang="en-US" sz="1600" i="0" dirty="0">
+                <a:latin typeface="Cambria Math" panose="02040503050406030204" pitchFamily="18" charset="0"/>
+              </a:endParaRPr>
+            </a:p>
+          </p:txBody>
+        </p:sp>
+        <p:sp>
+          <p:nvSpPr>
+            <p:cNvPr id="149" name="文本框 148">
+              <a:extLst>
+                <a:ext uri="{FF2B5EF4-FFF2-40B4-BE49-F238E27FC236}">
+                  <a16:creationId xmlns:a16="http://schemas.microsoft.com/office/drawing/2014/main" id="{39267DB2-48FF-8EDE-01C8-1364C29BDB7A}"/>
+                </a:ext>
+              </a:extLst>
+            </p:cNvPr>
+            <p:cNvSpPr txBox="1"/>
+            <p:nvPr/>
+          </p:nvSpPr>
+          <p:spPr>
+            <a:xfrm>
+              <a:off x="4992708" y="1943216"/>
+              <a:ext cx="317151" cy="259045"/>
+            </a:xfrm>
+            <a:prstGeom prst="rect">
+              <a:avLst/>
+            </a:prstGeom>
+          </p:spPr>
+          <p:txBody>
+            <a:bodyPr vert="horz" wrap="square" lIns="0" tIns="12700" rIns="0" bIns="0" rtlCol="0">
+              <a:spAutoFit/>
+            </a:bodyPr>
+            <a:lstStyle>
+              <a:defPPr>
+                <a:defRPr lang="zh-CN"/>
+              </a:defPPr>
+              <a:lvl1pPr marL="12700">
+                <a:lnSpc>
+                  <a:spcPct val="100000"/>
+                </a:lnSpc>
+                <a:spcBef>
+                  <a:spcPts val="100"/>
+                </a:spcBef>
+                <a:defRPr sz="1100" i="1">
+                  <a:latin typeface="Times New Roman" panose="02020603050405020304" pitchFamily="18" charset="0"/>
+                  <a:cs typeface="Times New Roman" panose="02020603050405020304" pitchFamily="18" charset="0"/>
+                </a:defRPr>
+              </a:lvl1pPr>
+            </a:lstStyle>
+            <a:p>
+              <a:pPr algn="r"/>
+              <a:r>
+                <a:rPr lang="en-US" altLang="zh-CN" sz="1600" i="0" dirty="0">
+                  <a:latin typeface="Cambria Math" panose="02040503050406030204" pitchFamily="18" charset="0"/>
+                  <a:ea typeface="Cambria Math" panose="02040503050406030204" pitchFamily="18" charset="0"/>
+                </a:rPr>
+                <a:t>FI</a:t>
+              </a:r>
+              <a:endParaRPr lang="zh-CN" altLang="en-US" sz="1600" i="0" dirty="0">
+                <a:latin typeface="Cambria Math" panose="02040503050406030204" pitchFamily="18" charset="0"/>
+              </a:endParaRPr>
+            </a:p>
+          </p:txBody>
+        </p:sp>
+        <p:sp>
+          <p:nvSpPr>
+            <p:cNvPr id="150" name="文本框 149">
+              <a:extLst>
+                <a:ext uri="{FF2B5EF4-FFF2-40B4-BE49-F238E27FC236}">
+                  <a16:creationId xmlns:a16="http://schemas.microsoft.com/office/drawing/2014/main" id="{56614AFB-AF52-63E4-73ED-4E56CFF7AF99}"/>
+                </a:ext>
+              </a:extLst>
+            </p:cNvPr>
+            <p:cNvSpPr txBox="1"/>
+            <p:nvPr/>
+          </p:nvSpPr>
+          <p:spPr>
+            <a:xfrm>
+              <a:off x="4853030" y="2153337"/>
+              <a:ext cx="473707" cy="259045"/>
+            </a:xfrm>
+            <a:prstGeom prst="rect">
+              <a:avLst/>
+            </a:prstGeom>
+          </p:spPr>
+          <p:txBody>
+            <a:bodyPr vert="horz" wrap="square" lIns="0" tIns="12700" rIns="0" bIns="0" rtlCol="0">
+              <a:spAutoFit/>
+            </a:bodyPr>
+            <a:lstStyle>
+              <a:defPPr>
+                <a:defRPr lang="zh-CN"/>
+              </a:defPPr>
+              <a:lvl1pPr marL="12700">
+                <a:lnSpc>
+                  <a:spcPct val="100000"/>
+                </a:lnSpc>
+                <a:spcBef>
+                  <a:spcPts val="100"/>
+                </a:spcBef>
+                <a:defRPr sz="1100" i="1">
+                  <a:latin typeface="Times New Roman" panose="02020603050405020304" pitchFamily="18" charset="0"/>
+                  <a:cs typeface="Times New Roman" panose="02020603050405020304" pitchFamily="18" charset="0"/>
+                </a:defRPr>
+              </a:lvl1pPr>
+            </a:lstStyle>
+            <a:p>
+              <a:pPr algn="r"/>
+              <a:r>
+                <a:rPr lang="en-US" altLang="zh-CN" sz="1600" i="0" dirty="0">
+                  <a:latin typeface="Cambria Math" panose="02040503050406030204" pitchFamily="18" charset="0"/>
+                  <a:ea typeface="Cambria Math" panose="02040503050406030204" pitchFamily="18" charset="0"/>
+                </a:rPr>
+                <a:t>BIX</a:t>
+              </a:r>
+              <a:endParaRPr lang="zh-CN" altLang="en-US" sz="1600" i="0" dirty="0">
+                <a:latin typeface="Cambria Math" panose="02040503050406030204" pitchFamily="18" charset="0"/>
+              </a:endParaRPr>
+            </a:p>
+          </p:txBody>
+        </p:sp>
+        <p:sp>
+          <p:nvSpPr>
+            <p:cNvPr id="151" name="文本框 150">
+              <a:extLst>
+                <a:ext uri="{FF2B5EF4-FFF2-40B4-BE49-F238E27FC236}">
+                  <a16:creationId xmlns:a16="http://schemas.microsoft.com/office/drawing/2014/main" id="{E05FCFA3-8A2C-618D-15C7-736FAC00D313}"/>
+                </a:ext>
+              </a:extLst>
+            </p:cNvPr>
+            <p:cNvSpPr txBox="1"/>
+            <p:nvPr/>
+          </p:nvSpPr>
+          <p:spPr>
+            <a:xfrm>
+              <a:off x="4887776" y="2389150"/>
+              <a:ext cx="446898" cy="259045"/>
+            </a:xfrm>
+            <a:prstGeom prst="rect">
+              <a:avLst/>
+            </a:prstGeom>
+          </p:spPr>
+          <p:txBody>
+            <a:bodyPr vert="horz" wrap="square" lIns="0" tIns="12700" rIns="0" bIns="0" rtlCol="0">
+              <a:spAutoFit/>
+            </a:bodyPr>
+            <a:lstStyle>
+              <a:defPPr>
+                <a:defRPr lang="zh-CN"/>
+              </a:defPPr>
+              <a:lvl1pPr marL="12700">
+                <a:lnSpc>
+                  <a:spcPct val="100000"/>
+                </a:lnSpc>
+                <a:spcBef>
+                  <a:spcPts val="100"/>
+                </a:spcBef>
+                <a:defRPr sz="1100" i="1">
+                  <a:latin typeface="Times New Roman" panose="02020603050405020304" pitchFamily="18" charset="0"/>
+                  <a:cs typeface="Times New Roman" panose="02020603050405020304" pitchFamily="18" charset="0"/>
+                </a:defRPr>
+              </a:lvl1pPr>
+            </a:lstStyle>
+            <a:p>
+              <a:pPr algn="r"/>
+              <a:r>
+                <a:rPr lang="en-US" altLang="zh-CN" sz="1600" i="0" dirty="0">
+                  <a:latin typeface="Cambria Math" panose="02040503050406030204" pitchFamily="18" charset="0"/>
+                  <a:ea typeface="Cambria Math" panose="02040503050406030204" pitchFamily="18" charset="0"/>
+                </a:rPr>
+                <a:t>HIX</a:t>
+              </a:r>
+              <a:endParaRPr lang="zh-CN" altLang="en-US" sz="1600" i="0" dirty="0">
+                <a:latin typeface="Cambria Math" panose="02040503050406030204" pitchFamily="18" charset="0"/>
+              </a:endParaRPr>
+            </a:p>
+          </p:txBody>
+        </p:sp>
+        <p:sp>
+          <p:nvSpPr>
+            <p:cNvPr id="152" name="文本框 151">
+              <a:extLst>
+                <a:ext uri="{FF2B5EF4-FFF2-40B4-BE49-F238E27FC236}">
+                  <a16:creationId xmlns:a16="http://schemas.microsoft.com/office/drawing/2014/main" id="{AC223739-4F55-49E0-3439-E8C38BB9DDD6}"/>
+                </a:ext>
+              </a:extLst>
+            </p:cNvPr>
+            <p:cNvSpPr txBox="1"/>
+            <p:nvPr/>
+          </p:nvSpPr>
+          <p:spPr>
+            <a:xfrm>
+              <a:off x="4874636" y="2602919"/>
+              <a:ext cx="437098" cy="259045"/>
+            </a:xfrm>
+            <a:prstGeom prst="rect">
+              <a:avLst/>
+            </a:prstGeom>
+          </p:spPr>
+          <p:txBody>
+            <a:bodyPr vert="horz" wrap="square" lIns="0" tIns="12700" rIns="0" bIns="0" rtlCol="0">
+              <a:spAutoFit/>
+            </a:bodyPr>
+            <a:lstStyle>
+              <a:defPPr>
+                <a:defRPr lang="zh-CN"/>
+              </a:defPPr>
+              <a:lvl1pPr marL="12700">
+                <a:lnSpc>
+                  <a:spcPct val="100000"/>
+                </a:lnSpc>
+                <a:spcBef>
+                  <a:spcPts val="100"/>
+                </a:spcBef>
+                <a:defRPr sz="1100" i="1">
+                  <a:latin typeface="Times New Roman" panose="02020603050405020304" pitchFamily="18" charset="0"/>
+                  <a:cs typeface="Times New Roman" panose="02020603050405020304" pitchFamily="18" charset="0"/>
+                </a:defRPr>
+              </a:lvl1pPr>
+            </a:lstStyle>
+            <a:p>
+              <a:pPr algn="r"/>
+              <a:r>
+                <a:rPr lang="el-GR" altLang="zh-CN" sz="1600" i="0" dirty="0">
+                  <a:latin typeface="Cambria Math" panose="02040503050406030204" pitchFamily="18" charset="0"/>
+                  <a:ea typeface="Cambria Math" panose="02040503050406030204" pitchFamily="18" charset="0"/>
+                </a:rPr>
+                <a:t>β:α</a:t>
+              </a:r>
+              <a:endParaRPr lang="zh-CN" altLang="en-US" sz="1600" i="0" dirty="0">
+                <a:latin typeface="Cambria Math" panose="02040503050406030204" pitchFamily="18" charset="0"/>
+              </a:endParaRPr>
+            </a:p>
+          </p:txBody>
+        </p:sp>
+        <p:sp>
+          <p:nvSpPr>
+            <p:cNvPr id="153" name="文本框 152">
+              <a:extLst>
+                <a:ext uri="{FF2B5EF4-FFF2-40B4-BE49-F238E27FC236}">
+                  <a16:creationId xmlns:a16="http://schemas.microsoft.com/office/drawing/2014/main" id="{44A47B22-2C81-BBA5-3C56-76372D6E2468}"/>
+                </a:ext>
+              </a:extLst>
+            </p:cNvPr>
+            <p:cNvSpPr txBox="1"/>
+            <p:nvPr/>
+          </p:nvSpPr>
+          <p:spPr>
+            <a:xfrm>
+              <a:off x="4599122" y="2829637"/>
+              <a:ext cx="727615" cy="259045"/>
+            </a:xfrm>
+            <a:prstGeom prst="rect">
+              <a:avLst/>
+            </a:prstGeom>
+          </p:spPr>
+          <p:txBody>
+            <a:bodyPr vert="horz" wrap="square" lIns="0" tIns="12700" rIns="0" bIns="0" rtlCol="0">
+              <a:spAutoFit/>
+            </a:bodyPr>
+            <a:lstStyle>
+              <a:defPPr>
+                <a:defRPr lang="zh-CN"/>
+              </a:defPPr>
+              <a:lvl1pPr marL="12700">
+                <a:lnSpc>
+                  <a:spcPct val="100000"/>
+                </a:lnSpc>
+                <a:spcBef>
+                  <a:spcPts val="100"/>
+                </a:spcBef>
+                <a:defRPr sz="1100" i="1">
+                  <a:latin typeface="Times New Roman" panose="02020603050405020304" pitchFamily="18" charset="0"/>
+                  <a:cs typeface="Times New Roman" panose="02020603050405020304" pitchFamily="18" charset="0"/>
+                </a:defRPr>
+              </a:lvl1pPr>
+            </a:lstStyle>
+            <a:p>
+              <a:pPr algn="r"/>
+              <a:r>
+                <a:rPr lang="en-US" altLang="zh-CN" sz="1600" i="0" dirty="0">
+                  <a:latin typeface="Cambria Math" panose="02040503050406030204" pitchFamily="18" charset="0"/>
+                  <a:ea typeface="Cambria Math" panose="02040503050406030204" pitchFamily="18" charset="0"/>
+                </a:rPr>
+                <a:t>Ⅰ-Area</a:t>
+              </a:r>
+              <a:endParaRPr lang="zh-CN" altLang="en-US" sz="1600" i="0" dirty="0">
+                <a:latin typeface="Cambria Math" panose="02040503050406030204" pitchFamily="18" charset="0"/>
+              </a:endParaRPr>
+            </a:p>
+          </p:txBody>
+        </p:sp>
+        <p:sp>
+          <p:nvSpPr>
+            <p:cNvPr id="154" name="文本框 153">
+              <a:extLst>
+                <a:ext uri="{FF2B5EF4-FFF2-40B4-BE49-F238E27FC236}">
+                  <a16:creationId xmlns:a16="http://schemas.microsoft.com/office/drawing/2014/main" id="{A3A3599D-F251-FAF4-F7E7-E74AD180248B}"/>
+                </a:ext>
+              </a:extLst>
+            </p:cNvPr>
+            <p:cNvSpPr txBox="1"/>
+            <p:nvPr/>
+          </p:nvSpPr>
+          <p:spPr>
+            <a:xfrm>
+              <a:off x="4988422" y="3990463"/>
+              <a:ext cx="310420" cy="259045"/>
+            </a:xfrm>
+            <a:prstGeom prst="rect">
+              <a:avLst/>
+            </a:prstGeom>
+          </p:spPr>
+          <p:txBody>
+            <a:bodyPr vert="horz" wrap="square" lIns="0" tIns="12700" rIns="0" bIns="0" rtlCol="0">
+              <a:spAutoFit/>
+            </a:bodyPr>
+            <a:lstStyle>
+              <a:defPPr>
+                <a:defRPr lang="zh-CN"/>
+              </a:defPPr>
+              <a:lvl1pPr marL="12700">
+                <a:lnSpc>
+                  <a:spcPct val="100000"/>
+                </a:lnSpc>
+                <a:spcBef>
+                  <a:spcPts val="100"/>
+                </a:spcBef>
+                <a:defRPr sz="1100" i="1">
+                  <a:latin typeface="Times New Roman" panose="02020603050405020304" pitchFamily="18" charset="0"/>
+                  <a:cs typeface="Times New Roman" panose="02020603050405020304" pitchFamily="18" charset="0"/>
+                </a:defRPr>
+              </a:lvl1pPr>
+            </a:lstStyle>
+            <a:p>
+              <a:pPr algn="r"/>
+              <a:r>
+                <a:rPr lang="en-US" altLang="zh-CN" sz="1600" i="0" dirty="0">
+                  <a:latin typeface="Cambria Math" panose="02040503050406030204" pitchFamily="18" charset="0"/>
+                  <a:ea typeface="Cambria Math" panose="02040503050406030204" pitchFamily="18" charset="0"/>
+                </a:rPr>
+                <a:t>pH</a:t>
+              </a:r>
+              <a:endParaRPr lang="zh-CN" altLang="en-US" sz="1600" i="0" dirty="0">
+                <a:latin typeface="Cambria Math" panose="02040503050406030204" pitchFamily="18" charset="0"/>
+              </a:endParaRPr>
+            </a:p>
+          </p:txBody>
+        </p:sp>
+        <p:sp>
+          <p:nvSpPr>
+            <p:cNvPr id="155" name="文本框 154">
+              <a:extLst>
+                <a:ext uri="{FF2B5EF4-FFF2-40B4-BE49-F238E27FC236}">
+                  <a16:creationId xmlns:a16="http://schemas.microsoft.com/office/drawing/2014/main" id="{C883E67B-572E-6870-76F2-B09FC1479222}"/>
+                </a:ext>
+              </a:extLst>
+            </p:cNvPr>
+            <p:cNvSpPr txBox="1"/>
+            <p:nvPr/>
+          </p:nvSpPr>
+          <p:spPr>
+            <a:xfrm>
+              <a:off x="4992326" y="4227030"/>
+              <a:ext cx="317913" cy="259045"/>
+            </a:xfrm>
+            <a:prstGeom prst="rect">
+              <a:avLst/>
+            </a:prstGeom>
+          </p:spPr>
+          <p:txBody>
+            <a:bodyPr vert="horz" wrap="square" lIns="0" tIns="12700" rIns="0" bIns="0" rtlCol="0">
+              <a:spAutoFit/>
+            </a:bodyPr>
+            <a:lstStyle>
+              <a:defPPr>
+                <a:defRPr lang="zh-CN"/>
+              </a:defPPr>
+              <a:lvl1pPr marL="12700">
+                <a:lnSpc>
+                  <a:spcPct val="100000"/>
+                </a:lnSpc>
+                <a:spcBef>
+                  <a:spcPts val="100"/>
+                </a:spcBef>
+                <a:defRPr sz="1100" i="1">
+                  <a:latin typeface="Times New Roman" panose="02020603050405020304" pitchFamily="18" charset="0"/>
+                  <a:cs typeface="Times New Roman" panose="02020603050405020304" pitchFamily="18" charset="0"/>
+                </a:defRPr>
+              </a:lvl1pPr>
+            </a:lstStyle>
+            <a:p>
+              <a:pPr algn="r"/>
+              <a:r>
+                <a:rPr lang="en-US" altLang="zh-CN" sz="1600" i="0" dirty="0">
+                  <a:latin typeface="Cambria Math" panose="02040503050406030204" pitchFamily="18" charset="0"/>
+                  <a:ea typeface="Cambria Math" panose="02040503050406030204" pitchFamily="18" charset="0"/>
+                </a:rPr>
+                <a:t>DO</a:t>
+              </a:r>
+              <a:endParaRPr lang="zh-CN" altLang="en-US" sz="1600" i="0" dirty="0">
+                <a:latin typeface="Cambria Math" panose="02040503050406030204" pitchFamily="18" charset="0"/>
+              </a:endParaRPr>
+            </a:p>
+          </p:txBody>
+        </p:sp>
+        <p:sp>
+          <p:nvSpPr>
+            <p:cNvPr id="156" name="文本框 155">
+              <a:extLst>
+                <a:ext uri="{FF2B5EF4-FFF2-40B4-BE49-F238E27FC236}">
+                  <a16:creationId xmlns:a16="http://schemas.microsoft.com/office/drawing/2014/main" id="{E2780E71-2D88-17CE-A62E-AB9A0926CDA7}"/>
+                </a:ext>
+              </a:extLst>
+            </p:cNvPr>
+            <p:cNvSpPr txBox="1"/>
+            <p:nvPr/>
+          </p:nvSpPr>
+          <p:spPr>
+            <a:xfrm>
+              <a:off x="5012523" y="4460058"/>
+              <a:ext cx="291346" cy="259045"/>
+            </a:xfrm>
+            <a:prstGeom prst="rect">
+              <a:avLst/>
+            </a:prstGeom>
+          </p:spPr>
+          <p:txBody>
+            <a:bodyPr vert="horz" wrap="square" lIns="0" tIns="12700" rIns="0" bIns="0" rtlCol="0">
+              <a:spAutoFit/>
+            </a:bodyPr>
+            <a:lstStyle>
+              <a:defPPr>
+                <a:defRPr lang="zh-CN"/>
+              </a:defPPr>
+              <a:lvl1pPr marL="12700">
+                <a:lnSpc>
+                  <a:spcPct val="100000"/>
+                </a:lnSpc>
+                <a:spcBef>
+                  <a:spcPts val="100"/>
+                </a:spcBef>
+                <a:defRPr sz="1100" i="1">
+                  <a:latin typeface="Times New Roman" panose="02020603050405020304" pitchFamily="18" charset="0"/>
+                  <a:cs typeface="Times New Roman" panose="02020603050405020304" pitchFamily="18" charset="0"/>
+                </a:defRPr>
+              </a:lvl1pPr>
+            </a:lstStyle>
+            <a:p>
+              <a:r>
+                <a:rPr lang="en-US" altLang="zh-CN" sz="1600" i="0" dirty="0">
+                  <a:latin typeface="Cambria Math" panose="02040503050406030204" pitchFamily="18" charset="0"/>
+                  <a:ea typeface="Cambria Math" panose="02040503050406030204" pitchFamily="18" charset="0"/>
+                </a:rPr>
+                <a:t>TN</a:t>
+              </a:r>
+              <a:endParaRPr lang="zh-CN" altLang="en-US" sz="1600" i="0" dirty="0">
+                <a:latin typeface="Cambria Math" panose="02040503050406030204" pitchFamily="18" charset="0"/>
+              </a:endParaRPr>
+            </a:p>
+          </p:txBody>
+        </p:sp>
+        <mc:AlternateContent xmlns:mc="http://schemas.openxmlformats.org/markup-compatibility/2006">
+          <mc:Choice xmlns:a14="http://schemas.microsoft.com/office/drawing/2010/main" Requires="a14">
+            <p:sp>
+              <p:nvSpPr>
+                <p:cNvPr id="157" name="文本框 156">
+                  <a:extLst>
+                    <a:ext uri="{FF2B5EF4-FFF2-40B4-BE49-F238E27FC236}">
+                      <a16:creationId xmlns:a16="http://schemas.microsoft.com/office/drawing/2014/main" id="{8FAA8070-D321-6966-D652-2183307B4244}"/>
+                    </a:ext>
+                  </a:extLst>
+                </p:cNvPr>
+                <p:cNvSpPr txBox="1"/>
+                <p:nvPr/>
+              </p:nvSpPr>
+              <p:spPr>
+                <a:xfrm>
+                  <a:off x="4936817" y="4680963"/>
+                  <a:ext cx="247318" cy="259045"/>
+                </a:xfrm>
+                <a:prstGeom prst="rect">
+                  <a:avLst/>
+                </a:prstGeom>
+              </p:spPr>
+              <p:txBody>
+                <a:bodyPr vert="horz" wrap="square" lIns="0" tIns="12700" rIns="0" bIns="0" rtlCol="0">
+                  <a:spAutoFit/>
+                </a:bodyPr>
+                <a:lstStyle>
+                  <a:defPPr>
+                    <a:defRPr lang="zh-CN"/>
+                  </a:defPPr>
+                  <a:lvl1pPr marL="12700">
+                    <a:lnSpc>
+                      <a:spcPct val="100000"/>
+                    </a:lnSpc>
+                    <a:spcBef>
+                      <a:spcPts val="100"/>
+                    </a:spcBef>
+                    <a:defRPr sz="1100" i="1">
+                      <a:latin typeface="Times New Roman" panose="02020603050405020304" pitchFamily="18" charset="0"/>
+                      <a:cs typeface="Times New Roman" panose="02020603050405020304" pitchFamily="18" charset="0"/>
+                    </a:defRPr>
+                  </a:lvl1pPr>
+                </a:lstStyle>
+                <a:p>
+                  <a:pPr/>
+                  <a14:m>
+                    <m:oMathPara xmlns:m="http://schemas.openxmlformats.org/officeDocument/2006/math">
+                      <m:oMathParaPr>
+                        <m:jc m:val="centerGroup"/>
+                      </m:oMathParaPr>
+                      <m:oMath xmlns:m="http://schemas.openxmlformats.org/officeDocument/2006/math">
+                        <m:sSubSup>
+                          <m:sSubSupPr>
+                            <m:ctrlPr>
+                              <a:rPr lang="en-US" altLang="zh-CN" sz="1600" i="1">
+                                <a:latin typeface="Cambria Math" panose="02040503050406030204" pitchFamily="18" charset="0"/>
+                                <a:ea typeface="Cambria Math" panose="02040503050406030204" pitchFamily="18" charset="0"/>
+                              </a:rPr>
+                            </m:ctrlPr>
+                          </m:sSubSupPr>
+                          <m:e>
+                            <m:r>
+                              <m:rPr>
+                                <m:sty m:val="p"/>
+                              </m:rPr>
+                              <a:rPr lang="en-US" altLang="zh-CN" sz="1600" i="0" smtClean="0">
+                                <a:latin typeface="Cambria Math" panose="02040503050406030204" pitchFamily="18" charset="0"/>
+                                <a:ea typeface="Cambria Math" panose="02040503050406030204" pitchFamily="18" charset="0"/>
+                              </a:rPr>
+                              <m:t>NO</m:t>
+                            </m:r>
+                          </m:e>
+                          <m:sub>
+                            <m:r>
+                              <a:rPr lang="en-US" altLang="zh-CN" sz="1600" i="0" smtClean="0">
+                                <a:latin typeface="Cambria Math" panose="02040503050406030204" pitchFamily="18" charset="0"/>
+                                <a:ea typeface="Cambria Math" panose="02040503050406030204" pitchFamily="18" charset="0"/>
+                              </a:rPr>
+                              <m:t>2</m:t>
+                            </m:r>
+                          </m:sub>
+                          <m:sup>
+                            <m:r>
+                              <a:rPr lang="en-US" altLang="zh-CN" sz="1600" i="0" smtClean="0">
+                                <a:latin typeface="Cambria Math" panose="02040503050406030204" pitchFamily="18" charset="0"/>
+                                <a:ea typeface="Cambria Math" panose="02040503050406030204" pitchFamily="18" charset="0"/>
+                              </a:rPr>
+                              <m:t>−</m:t>
+                            </m:r>
+                          </m:sup>
+                        </m:sSubSup>
+                      </m:oMath>
+                    </m:oMathPara>
+                  </a14:m>
+                  <a:endParaRPr lang="zh-CN" altLang="en-US" sz="1600" i="0" dirty="0">
+                    <a:latin typeface="Cambria Math" panose="02040503050406030204" pitchFamily="18" charset="0"/>
+                  </a:endParaRPr>
+                </a:p>
+              </p:txBody>
+            </p:sp>
+          </mc:Choice>
+          <mc:Fallback>
+            <p:sp>
+              <p:nvSpPr>
+                <p:cNvPr id="157" name="文本框 156">
+                  <a:extLst>
+                    <a:ext uri="{FF2B5EF4-FFF2-40B4-BE49-F238E27FC236}">
+                      <a16:creationId xmlns:a16="http://schemas.microsoft.com/office/drawing/2014/main" id="{8FAA8070-D321-6966-D652-2183307B4244}"/>
+                    </a:ext>
+                  </a:extLst>
+                </p:cNvPr>
+                <p:cNvSpPr txBox="1">
+                  <a:spLocks noRot="1" noChangeAspect="1" noMove="1" noResize="1" noEditPoints="1" noAdjustHandles="1" noChangeArrowheads="1" noChangeShapeType="1" noTextEdit="1"/>
+                </p:cNvSpPr>
+                <p:nvPr/>
+              </p:nvSpPr>
+              <p:spPr>
+                <a:xfrm>
+                  <a:off x="4936817" y="4680963"/>
+                  <a:ext cx="247318" cy="259045"/>
+                </a:xfrm>
+                <a:prstGeom prst="rect">
+                  <a:avLst/>
+                </a:prstGeom>
+                <a:blipFill>
+                  <a:blip r:embed="rId5"/>
+                  <a:stretch>
+                    <a:fillRect t="-68293" r="-16279" b="-21951"/>
+                  </a:stretch>
+                </a:blipFill>
+              </p:spPr>
+              <p:txBody>
+                <a:bodyPr/>
+                <a:lstStyle/>
+                <a:p>
+                  <a:r>
+                    <a:rPr lang="zh-CN" altLang="en-US">
+                      <a:noFill/>
+                    </a:rPr>
+                    <a:t> </a:t>
+                  </a:r>
+                </a:p>
+              </p:txBody>
+            </p:sp>
+          </mc:Fallback>
+        </mc:AlternateContent>
+        <mc:AlternateContent xmlns:mc="http://schemas.openxmlformats.org/markup-compatibility/2006">
+          <mc:Choice xmlns:a14="http://schemas.microsoft.com/office/drawing/2010/main" Requires="a14">
+            <p:sp>
+              <p:nvSpPr>
+                <p:cNvPr id="158" name="文本框 157">
+                  <a:extLst>
+                    <a:ext uri="{FF2B5EF4-FFF2-40B4-BE49-F238E27FC236}">
+                      <a16:creationId xmlns:a16="http://schemas.microsoft.com/office/drawing/2014/main" id="{4EA347D3-D672-3313-4D16-FFC0DECA2E48}"/>
+                    </a:ext>
+                  </a:extLst>
+                </p:cNvPr>
+                <p:cNvSpPr txBox="1"/>
+                <p:nvPr/>
+              </p:nvSpPr>
+              <p:spPr>
+                <a:xfrm>
+                  <a:off x="4914670" y="4930918"/>
+                  <a:ext cx="247318" cy="259045"/>
+                </a:xfrm>
+                <a:prstGeom prst="rect">
+                  <a:avLst/>
+                </a:prstGeom>
+              </p:spPr>
+              <p:txBody>
+                <a:bodyPr vert="horz" wrap="square" lIns="0" tIns="12700" rIns="0" bIns="0" rtlCol="0">
+                  <a:spAutoFit/>
+                </a:bodyPr>
+                <a:lstStyle>
+                  <a:defPPr>
+                    <a:defRPr lang="zh-CN"/>
+                  </a:defPPr>
+                  <a:lvl1pPr marL="12700">
+                    <a:lnSpc>
+                      <a:spcPct val="100000"/>
+                    </a:lnSpc>
+                    <a:spcBef>
+                      <a:spcPts val="100"/>
+                    </a:spcBef>
+                    <a:defRPr sz="1100" i="1">
+                      <a:latin typeface="Times New Roman" panose="02020603050405020304" pitchFamily="18" charset="0"/>
+                      <a:cs typeface="Times New Roman" panose="02020603050405020304" pitchFamily="18" charset="0"/>
+                    </a:defRPr>
+                  </a:lvl1pPr>
+                </a:lstStyle>
+                <a:p>
+                  <a:pPr/>
+                  <a14:m>
+                    <m:oMathPara xmlns:m="http://schemas.openxmlformats.org/officeDocument/2006/math">
+                      <m:oMathParaPr>
+                        <m:jc m:val="centerGroup"/>
+                      </m:oMathParaPr>
+                      <m:oMath xmlns:m="http://schemas.openxmlformats.org/officeDocument/2006/math">
+                        <m:sSubSup>
+                          <m:sSubSupPr>
+                            <m:ctrlPr>
+                              <a:rPr lang="en-US" altLang="zh-CN" sz="1600" i="1">
+                                <a:latin typeface="Cambria Math" panose="02040503050406030204" pitchFamily="18" charset="0"/>
+                                <a:ea typeface="Cambria Math" panose="02040503050406030204" pitchFamily="18" charset="0"/>
+                              </a:rPr>
+                            </m:ctrlPr>
+                          </m:sSubSupPr>
+                          <m:e>
+                            <m:r>
+                              <m:rPr>
+                                <m:sty m:val="p"/>
+                              </m:rPr>
+                              <a:rPr lang="en-US" altLang="zh-CN" sz="1600" i="0" smtClean="0">
+                                <a:latin typeface="Cambria Math" panose="02040503050406030204" pitchFamily="18" charset="0"/>
+                                <a:ea typeface="Cambria Math" panose="02040503050406030204" pitchFamily="18" charset="0"/>
+                              </a:rPr>
+                              <m:t>NO</m:t>
+                            </m:r>
+                          </m:e>
+                          <m:sub>
+                            <m:r>
+                              <a:rPr lang="en-US" altLang="zh-CN" sz="1600" i="0" smtClean="0">
+                                <a:latin typeface="Cambria Math" panose="02040503050406030204" pitchFamily="18" charset="0"/>
+                                <a:ea typeface="Cambria Math" panose="02040503050406030204" pitchFamily="18" charset="0"/>
+                              </a:rPr>
+                              <m:t>3</m:t>
+                            </m:r>
+                          </m:sub>
+                          <m:sup>
+                            <m:r>
+                              <a:rPr lang="en-US" altLang="zh-CN" sz="1600" i="0" smtClean="0">
+                                <a:latin typeface="Cambria Math" panose="02040503050406030204" pitchFamily="18" charset="0"/>
+                                <a:ea typeface="Cambria Math" panose="02040503050406030204" pitchFamily="18" charset="0"/>
+                              </a:rPr>
+                              <m:t>−</m:t>
+                            </m:r>
+                          </m:sup>
+                        </m:sSubSup>
+                      </m:oMath>
+                    </m:oMathPara>
+                  </a14:m>
+                  <a:endParaRPr lang="zh-CN" altLang="en-US" sz="1600" i="0" dirty="0">
+                    <a:latin typeface="Cambria Math" panose="02040503050406030204" pitchFamily="18" charset="0"/>
+                  </a:endParaRPr>
+                </a:p>
+              </p:txBody>
+            </p:sp>
+          </mc:Choice>
+          <mc:Fallback>
+            <p:sp>
+              <p:nvSpPr>
+                <p:cNvPr id="158" name="文本框 157">
+                  <a:extLst>
+                    <a:ext uri="{FF2B5EF4-FFF2-40B4-BE49-F238E27FC236}">
+                      <a16:creationId xmlns:a16="http://schemas.microsoft.com/office/drawing/2014/main" id="{4EA347D3-D672-3313-4D16-FFC0DECA2E48}"/>
+                    </a:ext>
+                  </a:extLst>
+                </p:cNvPr>
+                <p:cNvSpPr txBox="1">
+                  <a:spLocks noRot="1" noChangeAspect="1" noMove="1" noResize="1" noEditPoints="1" noAdjustHandles="1" noChangeArrowheads="1" noChangeShapeType="1" noTextEdit="1"/>
+                </p:cNvSpPr>
+                <p:nvPr/>
+              </p:nvSpPr>
+              <p:spPr>
+                <a:xfrm>
+                  <a:off x="4914670" y="4930918"/>
+                  <a:ext cx="247318" cy="259045"/>
+                </a:xfrm>
+                <a:prstGeom prst="rect">
+                  <a:avLst/>
+                </a:prstGeom>
+                <a:blipFill>
+                  <a:blip r:embed="rId6"/>
+                  <a:stretch>
+                    <a:fillRect t="-70000" r="-16279" b="-25000"/>
+                  </a:stretch>
+                </a:blipFill>
+              </p:spPr>
+              <p:txBody>
+                <a:bodyPr/>
+                <a:lstStyle/>
+                <a:p>
+                  <a:r>
+                    <a:rPr lang="zh-CN" altLang="en-US">
+                      <a:noFill/>
+                    </a:rPr>
+                    <a:t> </a:t>
+                  </a:r>
+                </a:p>
+              </p:txBody>
+            </p:sp>
+          </mc:Fallback>
+        </mc:AlternateContent>
+        <mc:AlternateContent xmlns:mc="http://schemas.openxmlformats.org/markup-compatibility/2006">
+          <mc:Choice xmlns:a14="http://schemas.microsoft.com/office/drawing/2010/main" Requires="a14">
+            <p:sp>
+              <p:nvSpPr>
+                <p:cNvPr id="159" name="文本框 158">
+                  <a:extLst>
+                    <a:ext uri="{FF2B5EF4-FFF2-40B4-BE49-F238E27FC236}">
+                      <a16:creationId xmlns:a16="http://schemas.microsoft.com/office/drawing/2014/main" id="{C3BA2B5C-5216-EF95-34EC-B5908434F377}"/>
+                    </a:ext>
+                  </a:extLst>
+                </p:cNvPr>
+                <p:cNvSpPr txBox="1"/>
+                <p:nvPr/>
+              </p:nvSpPr>
+              <p:spPr>
+                <a:xfrm>
+                  <a:off x="4900954" y="5181345"/>
+                  <a:ext cx="245086" cy="259045"/>
+                </a:xfrm>
+                <a:prstGeom prst="rect">
+                  <a:avLst/>
+                </a:prstGeom>
+              </p:spPr>
+              <p:txBody>
+                <a:bodyPr vert="horz" wrap="square" lIns="0" tIns="12700" rIns="0" bIns="0" rtlCol="0">
+                  <a:spAutoFit/>
+                </a:bodyPr>
+                <a:lstStyle>
+                  <a:defPPr>
+                    <a:defRPr lang="zh-CN"/>
+                  </a:defPPr>
+                  <a:lvl1pPr marL="12700">
+                    <a:lnSpc>
+                      <a:spcPct val="100000"/>
+                    </a:lnSpc>
+                    <a:spcBef>
+                      <a:spcPts val="100"/>
+                    </a:spcBef>
+                    <a:defRPr sz="1100" i="1">
+                      <a:latin typeface="Times New Roman" panose="02020603050405020304" pitchFamily="18" charset="0"/>
+                      <a:cs typeface="Times New Roman" panose="02020603050405020304" pitchFamily="18" charset="0"/>
+                    </a:defRPr>
+                  </a:lvl1pPr>
+                </a:lstStyle>
+                <a:p>
+                  <a:pPr/>
+                  <a14:m>
+                    <m:oMathPara xmlns:m="http://schemas.openxmlformats.org/officeDocument/2006/math">
+                      <m:oMathParaPr>
+                        <m:jc m:val="centerGroup"/>
+                      </m:oMathParaPr>
+                      <m:oMath xmlns:m="http://schemas.openxmlformats.org/officeDocument/2006/math">
+                        <m:sSubSup>
+                          <m:sSubSupPr>
+                            <m:ctrlPr>
+                              <a:rPr lang="en-US" altLang="zh-CN" sz="1600" i="1">
+                                <a:latin typeface="Cambria Math" panose="02040503050406030204" pitchFamily="18" charset="0"/>
+                                <a:ea typeface="Cambria Math" panose="02040503050406030204" pitchFamily="18" charset="0"/>
+                              </a:rPr>
+                            </m:ctrlPr>
+                          </m:sSubSupPr>
+                          <m:e>
+                            <m:r>
+                              <m:rPr>
+                                <m:sty m:val="p"/>
+                              </m:rPr>
+                              <a:rPr lang="en-US" altLang="zh-CN" sz="1600" i="0" smtClean="0">
+                                <a:latin typeface="Cambria Math" panose="02040503050406030204" pitchFamily="18" charset="0"/>
+                                <a:ea typeface="Cambria Math" panose="02040503050406030204" pitchFamily="18" charset="0"/>
+                              </a:rPr>
+                              <m:t>NH</m:t>
+                            </m:r>
+                          </m:e>
+                          <m:sub>
+                            <m:r>
+                              <a:rPr lang="en-US" altLang="zh-CN" sz="1600" i="0" smtClean="0">
+                                <a:latin typeface="Cambria Math" panose="02040503050406030204" pitchFamily="18" charset="0"/>
+                                <a:ea typeface="Cambria Math" panose="02040503050406030204" pitchFamily="18" charset="0"/>
+                              </a:rPr>
+                              <m:t>4</m:t>
+                            </m:r>
+                          </m:sub>
+                          <m:sup>
+                            <m:r>
+                              <a:rPr lang="en-US" altLang="zh-CN" sz="1600" i="0" smtClean="0">
+                                <a:latin typeface="Cambria Math" panose="02040503050406030204" pitchFamily="18" charset="0"/>
+                                <a:ea typeface="Cambria Math" panose="02040503050406030204" pitchFamily="18" charset="0"/>
+                              </a:rPr>
+                              <m:t>+</m:t>
+                            </m:r>
+                          </m:sup>
+                        </m:sSubSup>
+                      </m:oMath>
+                    </m:oMathPara>
+                  </a14:m>
+                  <a:endParaRPr lang="zh-CN" altLang="en-US" sz="1600" i="0" dirty="0">
+                    <a:latin typeface="Cambria Math" panose="02040503050406030204" pitchFamily="18" charset="0"/>
+                  </a:endParaRPr>
+                </a:p>
+              </p:txBody>
+            </p:sp>
+          </mc:Choice>
+          <mc:Fallback>
+            <p:sp>
+              <p:nvSpPr>
+                <p:cNvPr id="159" name="文本框 158">
+                  <a:extLst>
+                    <a:ext uri="{FF2B5EF4-FFF2-40B4-BE49-F238E27FC236}">
+                      <a16:creationId xmlns:a16="http://schemas.microsoft.com/office/drawing/2014/main" id="{C3BA2B5C-5216-EF95-34EC-B5908434F377}"/>
+                    </a:ext>
+                  </a:extLst>
+                </p:cNvPr>
+                <p:cNvSpPr txBox="1">
+                  <a:spLocks noRot="1" noChangeAspect="1" noMove="1" noResize="1" noEditPoints="1" noAdjustHandles="1" noChangeArrowheads="1" noChangeShapeType="1" noTextEdit="1"/>
+                </p:cNvSpPr>
+                <p:nvPr/>
+              </p:nvSpPr>
+              <p:spPr>
+                <a:xfrm>
+                  <a:off x="4900954" y="5181345"/>
+                  <a:ext cx="245086" cy="259045"/>
+                </a:xfrm>
+                <a:prstGeom prst="rect">
+                  <a:avLst/>
+                </a:prstGeom>
+                <a:blipFill>
+                  <a:blip r:embed="rId7"/>
+                  <a:stretch>
+                    <a:fillRect t="-80488" r="-16279" b="-21951"/>
+                  </a:stretch>
+                </a:blipFill>
+              </p:spPr>
+              <p:txBody>
+                <a:bodyPr/>
+                <a:lstStyle/>
+                <a:p>
+                  <a:r>
+                    <a:rPr lang="zh-CN" altLang="en-US">
+                      <a:noFill/>
+                    </a:rPr>
+                    <a:t> </a:t>
+                  </a:r>
+                </a:p>
+              </p:txBody>
+            </p:sp>
+          </mc:Fallback>
+        </mc:AlternateContent>
+        <p:sp>
+          <p:nvSpPr>
+            <p:cNvPr id="160" name="文本框 159">
+              <a:extLst>
+                <a:ext uri="{FF2B5EF4-FFF2-40B4-BE49-F238E27FC236}">
+                  <a16:creationId xmlns:a16="http://schemas.microsoft.com/office/drawing/2014/main" id="{1E623032-3B78-A9AF-9221-2F0071C99D26}"/>
+                </a:ext>
+              </a:extLst>
+            </p:cNvPr>
+            <p:cNvSpPr txBox="1"/>
+            <p:nvPr/>
+          </p:nvSpPr>
+          <p:spPr>
+            <a:xfrm>
+              <a:off x="4837826" y="5422682"/>
+              <a:ext cx="472413" cy="259045"/>
+            </a:xfrm>
+            <a:prstGeom prst="rect">
+              <a:avLst/>
+            </a:prstGeom>
+          </p:spPr>
+          <p:txBody>
+            <a:bodyPr vert="horz" wrap="square" lIns="0" tIns="12700" rIns="0" bIns="0" rtlCol="0">
+              <a:spAutoFit/>
+            </a:bodyPr>
+            <a:lstStyle>
+              <a:defPPr>
+                <a:defRPr lang="zh-CN"/>
+              </a:defPPr>
+              <a:lvl1pPr marL="12700">
+                <a:lnSpc>
+                  <a:spcPct val="100000"/>
+                </a:lnSpc>
+                <a:spcBef>
+                  <a:spcPts val="100"/>
+                </a:spcBef>
+                <a:defRPr sz="1100" i="1">
+                  <a:latin typeface="Times New Roman" panose="02020603050405020304" pitchFamily="18" charset="0"/>
+                  <a:cs typeface="Times New Roman" panose="02020603050405020304" pitchFamily="18" charset="0"/>
+                </a:defRPr>
+              </a:lvl1pPr>
+            </a:lstStyle>
+            <a:p>
+              <a:pPr algn="r"/>
+              <a:r>
+                <a:rPr lang="en-US" altLang="zh-CN" sz="1600" i="0" dirty="0">
+                  <a:latin typeface="Cambria Math" panose="02040503050406030204" pitchFamily="18" charset="0"/>
+                  <a:ea typeface="Cambria Math" panose="02040503050406030204" pitchFamily="18" charset="0"/>
+                </a:rPr>
+                <a:t>COD</a:t>
+              </a:r>
+              <a:endParaRPr lang="zh-CN" altLang="en-US" sz="1600" i="0" dirty="0">
+                <a:latin typeface="Cambria Math" panose="02040503050406030204" pitchFamily="18" charset="0"/>
+              </a:endParaRPr>
+            </a:p>
+          </p:txBody>
+        </p:sp>
+        <p:sp>
+          <p:nvSpPr>
+            <p:cNvPr id="161" name="文本框 160">
+              <a:extLst>
+                <a:ext uri="{FF2B5EF4-FFF2-40B4-BE49-F238E27FC236}">
+                  <a16:creationId xmlns:a16="http://schemas.microsoft.com/office/drawing/2014/main" id="{C70AB336-1835-C924-7C92-BC6ADAF17BBB}"/>
+                </a:ext>
+              </a:extLst>
+            </p:cNvPr>
+            <p:cNvSpPr txBox="1"/>
+            <p:nvPr/>
+          </p:nvSpPr>
+          <p:spPr>
+            <a:xfrm>
+              <a:off x="5168056" y="5636038"/>
+              <a:ext cx="64193" cy="259045"/>
+            </a:xfrm>
+            <a:prstGeom prst="rect">
+              <a:avLst/>
+            </a:prstGeom>
+          </p:spPr>
+          <p:txBody>
+            <a:bodyPr vert="horz" wrap="square" lIns="0" tIns="12700" rIns="0" bIns="0" rtlCol="0">
+              <a:spAutoFit/>
+            </a:bodyPr>
+            <a:lstStyle>
+              <a:defPPr>
+                <a:defRPr lang="zh-CN"/>
+              </a:defPPr>
+              <a:lvl1pPr marL="12700">
+                <a:lnSpc>
+                  <a:spcPct val="100000"/>
+                </a:lnSpc>
+                <a:spcBef>
+                  <a:spcPts val="100"/>
+                </a:spcBef>
+                <a:defRPr sz="1100" i="1">
+                  <a:latin typeface="Times New Roman" panose="02020603050405020304" pitchFamily="18" charset="0"/>
+                  <a:cs typeface="Times New Roman" panose="02020603050405020304" pitchFamily="18" charset="0"/>
+                </a:defRPr>
+              </a:lvl1pPr>
+            </a:lstStyle>
+            <a:p>
+              <a:r>
+                <a:rPr lang="en-US" altLang="zh-CN" sz="1600" i="0" dirty="0">
+                  <a:latin typeface="Cambria Math" panose="02040503050406030204" pitchFamily="18" charset="0"/>
+                  <a:ea typeface="Cambria Math" panose="02040503050406030204" pitchFamily="18" charset="0"/>
+                </a:rPr>
+                <a:t>T</a:t>
+              </a:r>
+              <a:endParaRPr lang="zh-CN" altLang="en-US" sz="1600" i="0" dirty="0">
+                <a:latin typeface="Cambria Math" panose="02040503050406030204" pitchFamily="18" charset="0"/>
+              </a:endParaRPr>
+            </a:p>
+          </p:txBody>
+        </p:sp>
+        <p:sp>
+          <p:nvSpPr>
+            <p:cNvPr id="162" name="文本框 161">
+              <a:extLst>
+                <a:ext uri="{FF2B5EF4-FFF2-40B4-BE49-F238E27FC236}">
+                  <a16:creationId xmlns:a16="http://schemas.microsoft.com/office/drawing/2014/main" id="{78EA4941-B11B-058F-B452-B657D1AAE9CD}"/>
+                </a:ext>
+              </a:extLst>
+            </p:cNvPr>
+            <p:cNvSpPr txBox="1"/>
+            <p:nvPr/>
+          </p:nvSpPr>
+          <p:spPr>
+            <a:xfrm>
+              <a:off x="4599128" y="3078535"/>
+              <a:ext cx="727610" cy="259045"/>
+            </a:xfrm>
+            <a:prstGeom prst="rect">
+              <a:avLst/>
+            </a:prstGeom>
+          </p:spPr>
+          <p:txBody>
+            <a:bodyPr vert="horz" wrap="square" lIns="0" tIns="12700" rIns="0" bIns="0" rtlCol="0">
+              <a:spAutoFit/>
+            </a:bodyPr>
+            <a:lstStyle>
+              <a:defPPr>
+                <a:defRPr lang="zh-CN"/>
+              </a:defPPr>
+              <a:lvl1pPr marL="12700">
+                <a:lnSpc>
+                  <a:spcPct val="100000"/>
+                </a:lnSpc>
+                <a:spcBef>
+                  <a:spcPts val="100"/>
+                </a:spcBef>
+                <a:defRPr sz="1100" i="1">
+                  <a:latin typeface="Times New Roman" panose="02020603050405020304" pitchFamily="18" charset="0"/>
+                  <a:cs typeface="Times New Roman" panose="02020603050405020304" pitchFamily="18" charset="0"/>
+                </a:defRPr>
+              </a:lvl1pPr>
+            </a:lstStyle>
+            <a:p>
+              <a:pPr algn="r"/>
+              <a:r>
+                <a:rPr lang="en-US" altLang="zh-CN" sz="1600" i="0" dirty="0">
+                  <a:latin typeface="Cambria Math" panose="02040503050406030204" pitchFamily="18" charset="0"/>
+                  <a:ea typeface="Cambria Math" panose="02040503050406030204" pitchFamily="18" charset="0"/>
+                </a:rPr>
+                <a:t>Ⅱ-Area</a:t>
+              </a:r>
+              <a:endParaRPr lang="zh-CN" altLang="en-US" sz="1600" i="0" dirty="0">
+                <a:latin typeface="Cambria Math" panose="02040503050406030204" pitchFamily="18" charset="0"/>
+              </a:endParaRPr>
+            </a:p>
+          </p:txBody>
+        </p:sp>
+        <p:sp>
+          <p:nvSpPr>
+            <p:cNvPr id="163" name="文本框 162">
+              <a:extLst>
+                <a:ext uri="{FF2B5EF4-FFF2-40B4-BE49-F238E27FC236}">
+                  <a16:creationId xmlns:a16="http://schemas.microsoft.com/office/drawing/2014/main" id="{50F54503-2A5F-8387-A628-050E0EA1B45F}"/>
+                </a:ext>
+              </a:extLst>
+            </p:cNvPr>
+            <p:cNvSpPr txBox="1"/>
+            <p:nvPr/>
+          </p:nvSpPr>
+          <p:spPr>
+            <a:xfrm>
+              <a:off x="4599128" y="3299170"/>
+              <a:ext cx="727610" cy="259045"/>
+            </a:xfrm>
+            <a:prstGeom prst="rect">
+              <a:avLst/>
+            </a:prstGeom>
+          </p:spPr>
+          <p:txBody>
+            <a:bodyPr vert="horz" wrap="square" lIns="0" tIns="12700" rIns="0" bIns="0" rtlCol="0">
+              <a:spAutoFit/>
+            </a:bodyPr>
+            <a:lstStyle>
+              <a:defPPr>
+                <a:defRPr lang="zh-CN"/>
+              </a:defPPr>
+              <a:lvl1pPr marL="12700">
+                <a:lnSpc>
+                  <a:spcPct val="100000"/>
+                </a:lnSpc>
+                <a:spcBef>
+                  <a:spcPts val="100"/>
+                </a:spcBef>
+                <a:defRPr sz="1100" i="1">
+                  <a:latin typeface="Times New Roman" panose="02020603050405020304" pitchFamily="18" charset="0"/>
+                  <a:cs typeface="Times New Roman" panose="02020603050405020304" pitchFamily="18" charset="0"/>
+                </a:defRPr>
+              </a:lvl1pPr>
+            </a:lstStyle>
+            <a:p>
+              <a:pPr algn="r"/>
+              <a:r>
+                <a:rPr lang="en-US" altLang="zh-CN" sz="1600" i="0" dirty="0">
+                  <a:latin typeface="Cambria Math" panose="02040503050406030204" pitchFamily="18" charset="0"/>
+                  <a:ea typeface="Cambria Math" panose="02040503050406030204" pitchFamily="18" charset="0"/>
+                </a:rPr>
+                <a:t>Ⅲ-Area</a:t>
+              </a:r>
+              <a:endParaRPr lang="zh-CN" altLang="en-US" sz="1600" i="0" dirty="0">
+                <a:latin typeface="Cambria Math" panose="02040503050406030204" pitchFamily="18" charset="0"/>
+              </a:endParaRPr>
+            </a:p>
+          </p:txBody>
+        </p:sp>
+        <p:sp>
+          <p:nvSpPr>
+            <p:cNvPr id="164" name="文本框 163">
+              <a:extLst>
+                <a:ext uri="{FF2B5EF4-FFF2-40B4-BE49-F238E27FC236}">
+                  <a16:creationId xmlns:a16="http://schemas.microsoft.com/office/drawing/2014/main" id="{A4C420F5-A575-F15C-031C-820671BA5740}"/>
+                </a:ext>
+              </a:extLst>
+            </p:cNvPr>
+            <p:cNvSpPr txBox="1"/>
+            <p:nvPr/>
+          </p:nvSpPr>
+          <p:spPr>
+            <a:xfrm>
+              <a:off x="4599128" y="3543572"/>
+              <a:ext cx="727610" cy="259045"/>
+            </a:xfrm>
+            <a:prstGeom prst="rect">
+              <a:avLst/>
+            </a:prstGeom>
+          </p:spPr>
+          <p:txBody>
+            <a:bodyPr vert="horz" wrap="square" lIns="0" tIns="12700" rIns="0" bIns="0" rtlCol="0">
+              <a:spAutoFit/>
+            </a:bodyPr>
+            <a:lstStyle>
+              <a:defPPr>
+                <a:defRPr lang="zh-CN"/>
+              </a:defPPr>
+              <a:lvl1pPr marL="12700">
+                <a:lnSpc>
+                  <a:spcPct val="100000"/>
+                </a:lnSpc>
+                <a:spcBef>
+                  <a:spcPts val="100"/>
+                </a:spcBef>
+                <a:defRPr sz="1100" i="1">
+                  <a:latin typeface="Times New Roman" panose="02020603050405020304" pitchFamily="18" charset="0"/>
+                  <a:cs typeface="Times New Roman" panose="02020603050405020304" pitchFamily="18" charset="0"/>
+                </a:defRPr>
+              </a:lvl1pPr>
+            </a:lstStyle>
+            <a:p>
+              <a:pPr algn="r"/>
+              <a:r>
+                <a:rPr lang="en-US" altLang="zh-CN" sz="1600" i="0" dirty="0">
+                  <a:latin typeface="Cambria Math" panose="02040503050406030204" pitchFamily="18" charset="0"/>
+                  <a:ea typeface="Cambria Math" panose="02040503050406030204" pitchFamily="18" charset="0"/>
+                </a:rPr>
+                <a:t>Ⅳ-Area</a:t>
+              </a:r>
+              <a:endParaRPr lang="zh-CN" altLang="en-US" sz="1600" i="0" dirty="0">
+                <a:latin typeface="Cambria Math" panose="02040503050406030204" pitchFamily="18" charset="0"/>
+              </a:endParaRPr>
+            </a:p>
+          </p:txBody>
+        </p:sp>
+        <p:sp>
+          <p:nvSpPr>
+            <p:cNvPr id="167" name="文本框 166">
+              <a:extLst>
+                <a:ext uri="{FF2B5EF4-FFF2-40B4-BE49-F238E27FC236}">
+                  <a16:creationId xmlns:a16="http://schemas.microsoft.com/office/drawing/2014/main" id="{B5D1FF2F-E050-148C-BFA9-E79A76A305BE}"/>
+                </a:ext>
+              </a:extLst>
+            </p:cNvPr>
+            <p:cNvSpPr txBox="1"/>
+            <p:nvPr/>
+          </p:nvSpPr>
+          <p:spPr>
+            <a:xfrm>
+              <a:off x="4599128" y="3774923"/>
+              <a:ext cx="727610" cy="259045"/>
+            </a:xfrm>
+            <a:prstGeom prst="rect">
+              <a:avLst/>
+            </a:prstGeom>
+          </p:spPr>
+          <p:txBody>
+            <a:bodyPr vert="horz" wrap="square" lIns="0" tIns="12700" rIns="0" bIns="0" rtlCol="0">
+              <a:spAutoFit/>
+            </a:bodyPr>
+            <a:lstStyle>
+              <a:defPPr>
+                <a:defRPr lang="zh-CN"/>
+              </a:defPPr>
+              <a:lvl1pPr marL="12700">
+                <a:lnSpc>
+                  <a:spcPct val="100000"/>
+                </a:lnSpc>
+                <a:spcBef>
+                  <a:spcPts val="100"/>
+                </a:spcBef>
+                <a:defRPr sz="1100" i="1">
+                  <a:latin typeface="Times New Roman" panose="02020603050405020304" pitchFamily="18" charset="0"/>
+                  <a:cs typeface="Times New Roman" panose="02020603050405020304" pitchFamily="18" charset="0"/>
+                </a:defRPr>
+              </a:lvl1pPr>
+            </a:lstStyle>
+            <a:p>
+              <a:pPr algn="r"/>
+              <a:r>
+                <a:rPr lang="en-US" altLang="zh-CN" sz="1600" i="0" dirty="0">
+                  <a:latin typeface="Cambria Math" panose="02040503050406030204" pitchFamily="18" charset="0"/>
+                  <a:ea typeface="Cambria Math" panose="02040503050406030204" pitchFamily="18" charset="0"/>
+                </a:rPr>
+                <a:t>Ⅴ-Area</a:t>
+              </a:r>
+              <a:endParaRPr lang="zh-CN" altLang="en-US" sz="1600" i="0" dirty="0">
+                <a:latin typeface="Cambria Math" panose="02040503050406030204" pitchFamily="18" charset="0"/>
+              </a:endParaRPr>
+            </a:p>
+          </p:txBody>
+        </p:sp>
+      </p:grpSp>
     </p:spTree>
   </p:cSld>
   <p:clrMapOvr>
